--- a/proSistimatikaAuto/Presentation.pptx
+++ b/proSistimatikaAuto/Presentation.pptx
@@ -5,8 +5,12 @@
     <p:sldMasterId id="2147483648" r:id="rId1"/>
   </p:sldMasterIdLst>
   <p:sldIdLst>
-    <p:sldId id="256" r:id="rId2"/>
-    <p:sldId id="257" r:id="rId3"/>
+    <p:sldId id="259" r:id="rId2"/>
+    <p:sldId id="260" r:id="rId3"/>
+    <p:sldId id="256" r:id="rId4"/>
+    <p:sldId id="257" r:id="rId5"/>
+    <p:sldId id="258" r:id="rId6"/>
+    <p:sldId id="261" r:id="rId7"/>
   </p:sldIdLst>
   <p:sldSz cx="12192000" cy="6858000"/>
   <p:notesSz cx="6858000" cy="9144000"/>
@@ -105,6 +109,11 @@
       </a:defRPr>
     </a:lvl9pPr>
   </p:defaultTextStyle>
+  <p:extLst>
+    <p:ext uri="{EFAFB233-063F-42B5-8137-9DF3F51BA10A}">
+      <p15:sldGuideLst xmlns:p15="http://schemas.microsoft.com/office/powerpoint/2012/main"/>
+    </p:ext>
+  </p:extLst>
 </p:presentation>
 </file>
 
@@ -257,7 +266,7 @@
           <a:p>
             <a:fld id="{50DB670F-B4E2-484E-B0F9-DC010D5F7106}" type="datetimeFigureOut">
               <a:rPr lang="en-ID" smtClean="0"/>
-              <a:t>14/08/2022</a:t>
+              <a:t>23/08/2022</a:t>
             </a:fld>
             <a:endParaRPr lang="en-ID"/>
           </a:p>
@@ -457,7 +466,7 @@
           <a:p>
             <a:fld id="{50DB670F-B4E2-484E-B0F9-DC010D5F7106}" type="datetimeFigureOut">
               <a:rPr lang="en-ID" smtClean="0"/>
-              <a:t>14/08/2022</a:t>
+              <a:t>23/08/2022</a:t>
             </a:fld>
             <a:endParaRPr lang="en-ID"/>
           </a:p>
@@ -667,7 +676,7 @@
           <a:p>
             <a:fld id="{50DB670F-B4E2-484E-B0F9-DC010D5F7106}" type="datetimeFigureOut">
               <a:rPr lang="en-ID" smtClean="0"/>
-              <a:t>14/08/2022</a:t>
+              <a:t>23/08/2022</a:t>
             </a:fld>
             <a:endParaRPr lang="en-ID"/>
           </a:p>
@@ -867,7 +876,7 @@
           <a:p>
             <a:fld id="{50DB670F-B4E2-484E-B0F9-DC010D5F7106}" type="datetimeFigureOut">
               <a:rPr lang="en-ID" smtClean="0"/>
-              <a:t>14/08/2022</a:t>
+              <a:t>23/08/2022</a:t>
             </a:fld>
             <a:endParaRPr lang="en-ID"/>
           </a:p>
@@ -1143,7 +1152,7 @@
           <a:p>
             <a:fld id="{50DB670F-B4E2-484E-B0F9-DC010D5F7106}" type="datetimeFigureOut">
               <a:rPr lang="en-ID" smtClean="0"/>
-              <a:t>14/08/2022</a:t>
+              <a:t>23/08/2022</a:t>
             </a:fld>
             <a:endParaRPr lang="en-ID"/>
           </a:p>
@@ -1411,7 +1420,7 @@
           <a:p>
             <a:fld id="{50DB670F-B4E2-484E-B0F9-DC010D5F7106}" type="datetimeFigureOut">
               <a:rPr lang="en-ID" smtClean="0"/>
-              <a:t>14/08/2022</a:t>
+              <a:t>23/08/2022</a:t>
             </a:fld>
             <a:endParaRPr lang="en-ID"/>
           </a:p>
@@ -1826,7 +1835,7 @@
           <a:p>
             <a:fld id="{50DB670F-B4E2-484E-B0F9-DC010D5F7106}" type="datetimeFigureOut">
               <a:rPr lang="en-ID" smtClean="0"/>
-              <a:t>14/08/2022</a:t>
+              <a:t>23/08/2022</a:t>
             </a:fld>
             <a:endParaRPr lang="en-ID"/>
           </a:p>
@@ -1968,7 +1977,7 @@
           <a:p>
             <a:fld id="{50DB670F-B4E2-484E-B0F9-DC010D5F7106}" type="datetimeFigureOut">
               <a:rPr lang="en-ID" smtClean="0"/>
-              <a:t>14/08/2022</a:t>
+              <a:t>23/08/2022</a:t>
             </a:fld>
             <a:endParaRPr lang="en-ID"/>
           </a:p>
@@ -2081,7 +2090,7 @@
           <a:p>
             <a:fld id="{50DB670F-B4E2-484E-B0F9-DC010D5F7106}" type="datetimeFigureOut">
               <a:rPr lang="en-ID" smtClean="0"/>
-              <a:t>14/08/2022</a:t>
+              <a:t>23/08/2022</a:t>
             </a:fld>
             <a:endParaRPr lang="en-ID"/>
           </a:p>
@@ -2394,7 +2403,7 @@
           <a:p>
             <a:fld id="{50DB670F-B4E2-484E-B0F9-DC010D5F7106}" type="datetimeFigureOut">
               <a:rPr lang="en-ID" smtClean="0"/>
-              <a:t>14/08/2022</a:t>
+              <a:t>23/08/2022</a:t>
             </a:fld>
             <a:endParaRPr lang="en-ID"/>
           </a:p>
@@ -2683,7 +2692,7 @@
           <a:p>
             <a:fld id="{50DB670F-B4E2-484E-B0F9-DC010D5F7106}" type="datetimeFigureOut">
               <a:rPr lang="en-ID" smtClean="0"/>
-              <a:t>14/08/2022</a:t>
+              <a:t>23/08/2022</a:t>
             </a:fld>
             <a:endParaRPr lang="en-ID"/>
           </a:p>
@@ -2926,7 +2935,7 @@
           <a:p>
             <a:fld id="{50DB670F-B4E2-484E-B0F9-DC010D5F7106}" type="datetimeFigureOut">
               <a:rPr lang="en-ID" smtClean="0"/>
-              <a:t>14/08/2022</a:t>
+              <a:t>23/08/2022</a:t>
             </a:fld>
             <a:endParaRPr lang="en-ID"/>
           </a:p>
@@ -3327,6 +3336,857 @@
 </file>
 
 <file path=ppt/slides/slide1.xml><?xml version="1.0" encoding="utf-8"?>
+<p:sld xmlns:a="http://schemas.openxmlformats.org/drawingml/2006/main" xmlns:r="http://schemas.openxmlformats.org/officeDocument/2006/relationships" xmlns:p="http://schemas.openxmlformats.org/presentationml/2006/main">
+  <p:cSld>
+    <p:spTree>
+      <p:nvGrpSpPr>
+        <p:cNvPr id="1" name=""/>
+        <p:cNvGrpSpPr/>
+        <p:nvPr/>
+      </p:nvGrpSpPr>
+      <p:grpSpPr>
+        <a:xfrm>
+          <a:off x="0" y="0"/>
+          <a:ext cx="0" cy="0"/>
+          <a:chOff x="0" y="0"/>
+          <a:chExt cx="0" cy="0"/>
+        </a:xfrm>
+      </p:grpSpPr>
+      <p:sp>
+        <p:nvSpPr>
+          <p:cNvPr id="3" name="Subtitle 2">
+            <a:extLst>
+              <a:ext uri="{FF2B5EF4-FFF2-40B4-BE49-F238E27FC236}">
+                <a16:creationId xmlns:a16="http://schemas.microsoft.com/office/drawing/2014/main" id="{EF7BF7DD-2CB0-8996-ADC2-1B8C41794351}"/>
+              </a:ext>
+            </a:extLst>
+          </p:cNvPr>
+          <p:cNvSpPr>
+            <a:spLocks noGrp="1"/>
+          </p:cNvSpPr>
+          <p:nvPr>
+            <p:ph type="subTitle" idx="1"/>
+          </p:nvPr>
+        </p:nvSpPr>
+        <p:spPr>
+          <a:xfrm>
+            <a:off x="4714539" y="311838"/>
+            <a:ext cx="2762907" cy="368982"/>
+          </a:xfrm>
+          <a:ln w="12700">
+            <a:solidFill>
+              <a:schemeClr val="tx1"/>
+            </a:solidFill>
+          </a:ln>
+        </p:spPr>
+        <p:txBody>
+          <a:bodyPr>
+            <a:normAutofit fontScale="92500" lnSpcReduction="10000"/>
+          </a:bodyPr>
+          <a:lstStyle/>
+          <a:p>
+            <a:r>
+              <a:rPr lang="en-US" b="1" dirty="0" err="1"/>
+              <a:t>Perkenalan</a:t>
+            </a:r>
+            <a:r>
+              <a:rPr lang="en-US" b="1" dirty="0"/>
+              <a:t> </a:t>
+            </a:r>
+            <a:r>
+              <a:rPr lang="en-US" b="1" dirty="0" err="1"/>
+              <a:t>diri</a:t>
+            </a:r>
+            <a:endParaRPr lang="en-US" b="1" dirty="0"/>
+          </a:p>
+        </p:txBody>
+      </p:sp>
+      <p:sp>
+        <p:nvSpPr>
+          <p:cNvPr id="58" name="Subtitle 2">
+            <a:extLst>
+              <a:ext uri="{FF2B5EF4-FFF2-40B4-BE49-F238E27FC236}">
+                <a16:creationId xmlns:a16="http://schemas.microsoft.com/office/drawing/2014/main" id="{E1F8C54F-6400-A7AD-7895-7299D98A147F}"/>
+              </a:ext>
+            </a:extLst>
+          </p:cNvPr>
+          <p:cNvSpPr txBox="1">
+            <a:spLocks/>
+          </p:cNvSpPr>
+          <p:nvPr/>
+        </p:nvSpPr>
+        <p:spPr>
+          <a:xfrm>
+            <a:off x="1962928" y="1700892"/>
+            <a:ext cx="8266143" cy="2423238"/>
+          </a:xfrm>
+          <a:prstGeom prst="rect">
+            <a:avLst/>
+          </a:prstGeom>
+        </p:spPr>
+        <p:txBody>
+          <a:bodyPr vert="horz" lIns="91440" tIns="45720" rIns="91440" bIns="45720" rtlCol="0">
+            <a:noAutofit/>
+          </a:bodyPr>
+          <a:lstStyle>
+            <a:lvl1pPr marL="0" indent="0" algn="ctr" defTabSz="914400" rtl="0" eaLnBrk="1" latinLnBrk="0" hangingPunct="1">
+              <a:lnSpc>
+                <a:spcPct val="90000"/>
+              </a:lnSpc>
+              <a:spcBef>
+                <a:spcPts val="1000"/>
+              </a:spcBef>
+              <a:buFont typeface="Arial" panose="020B0604020202020204" pitchFamily="34" charset="0"/>
+              <a:buNone/>
+              <a:defRPr sz="2400" kern="1200">
+                <a:solidFill>
+                  <a:schemeClr val="tx1"/>
+                </a:solidFill>
+                <a:latin typeface="+mn-lt"/>
+                <a:ea typeface="+mn-ea"/>
+                <a:cs typeface="+mn-cs"/>
+              </a:defRPr>
+            </a:lvl1pPr>
+            <a:lvl2pPr marL="457200" indent="0" algn="ctr" defTabSz="914400" rtl="0" eaLnBrk="1" latinLnBrk="0" hangingPunct="1">
+              <a:lnSpc>
+                <a:spcPct val="90000"/>
+              </a:lnSpc>
+              <a:spcBef>
+                <a:spcPts val="500"/>
+              </a:spcBef>
+              <a:buFont typeface="Arial" panose="020B0604020202020204" pitchFamily="34" charset="0"/>
+              <a:buNone/>
+              <a:defRPr sz="2000" kern="1200">
+                <a:solidFill>
+                  <a:schemeClr val="tx1"/>
+                </a:solidFill>
+                <a:latin typeface="+mn-lt"/>
+                <a:ea typeface="+mn-ea"/>
+                <a:cs typeface="+mn-cs"/>
+              </a:defRPr>
+            </a:lvl2pPr>
+            <a:lvl3pPr marL="914400" indent="0" algn="ctr" defTabSz="914400" rtl="0" eaLnBrk="1" latinLnBrk="0" hangingPunct="1">
+              <a:lnSpc>
+                <a:spcPct val="90000"/>
+              </a:lnSpc>
+              <a:spcBef>
+                <a:spcPts val="500"/>
+              </a:spcBef>
+              <a:buFont typeface="Arial" panose="020B0604020202020204" pitchFamily="34" charset="0"/>
+              <a:buNone/>
+              <a:defRPr sz="1800" kern="1200">
+                <a:solidFill>
+                  <a:schemeClr val="tx1"/>
+                </a:solidFill>
+                <a:latin typeface="+mn-lt"/>
+                <a:ea typeface="+mn-ea"/>
+                <a:cs typeface="+mn-cs"/>
+              </a:defRPr>
+            </a:lvl3pPr>
+            <a:lvl4pPr marL="1371600" indent="0" algn="ctr" defTabSz="914400" rtl="0" eaLnBrk="1" latinLnBrk="0" hangingPunct="1">
+              <a:lnSpc>
+                <a:spcPct val="90000"/>
+              </a:lnSpc>
+              <a:spcBef>
+                <a:spcPts val="500"/>
+              </a:spcBef>
+              <a:buFont typeface="Arial" panose="020B0604020202020204" pitchFamily="34" charset="0"/>
+              <a:buNone/>
+              <a:defRPr sz="1600" kern="1200">
+                <a:solidFill>
+                  <a:schemeClr val="tx1"/>
+                </a:solidFill>
+                <a:latin typeface="+mn-lt"/>
+                <a:ea typeface="+mn-ea"/>
+                <a:cs typeface="+mn-cs"/>
+              </a:defRPr>
+            </a:lvl4pPr>
+            <a:lvl5pPr marL="1828800" indent="0" algn="ctr" defTabSz="914400" rtl="0" eaLnBrk="1" latinLnBrk="0" hangingPunct="1">
+              <a:lnSpc>
+                <a:spcPct val="90000"/>
+              </a:lnSpc>
+              <a:spcBef>
+                <a:spcPts val="500"/>
+              </a:spcBef>
+              <a:buFont typeface="Arial" panose="020B0604020202020204" pitchFamily="34" charset="0"/>
+              <a:buNone/>
+              <a:defRPr sz="1600" kern="1200">
+                <a:solidFill>
+                  <a:schemeClr val="tx1"/>
+                </a:solidFill>
+                <a:latin typeface="+mn-lt"/>
+                <a:ea typeface="+mn-ea"/>
+                <a:cs typeface="+mn-cs"/>
+              </a:defRPr>
+            </a:lvl5pPr>
+            <a:lvl6pPr marL="2286000" indent="0" algn="ctr" defTabSz="914400" rtl="0" eaLnBrk="1" latinLnBrk="0" hangingPunct="1">
+              <a:lnSpc>
+                <a:spcPct val="90000"/>
+              </a:lnSpc>
+              <a:spcBef>
+                <a:spcPts val="500"/>
+              </a:spcBef>
+              <a:buFont typeface="Arial" panose="020B0604020202020204" pitchFamily="34" charset="0"/>
+              <a:buNone/>
+              <a:defRPr sz="1600" kern="1200">
+                <a:solidFill>
+                  <a:schemeClr val="tx1"/>
+                </a:solidFill>
+                <a:latin typeface="+mn-lt"/>
+                <a:ea typeface="+mn-ea"/>
+                <a:cs typeface="+mn-cs"/>
+              </a:defRPr>
+            </a:lvl6pPr>
+            <a:lvl7pPr marL="2743200" indent="0" algn="ctr" defTabSz="914400" rtl="0" eaLnBrk="1" latinLnBrk="0" hangingPunct="1">
+              <a:lnSpc>
+                <a:spcPct val="90000"/>
+              </a:lnSpc>
+              <a:spcBef>
+                <a:spcPts val="500"/>
+              </a:spcBef>
+              <a:buFont typeface="Arial" panose="020B0604020202020204" pitchFamily="34" charset="0"/>
+              <a:buNone/>
+              <a:defRPr sz="1600" kern="1200">
+                <a:solidFill>
+                  <a:schemeClr val="tx1"/>
+                </a:solidFill>
+                <a:latin typeface="+mn-lt"/>
+                <a:ea typeface="+mn-ea"/>
+                <a:cs typeface="+mn-cs"/>
+              </a:defRPr>
+            </a:lvl7pPr>
+            <a:lvl8pPr marL="3200400" indent="0" algn="ctr" defTabSz="914400" rtl="0" eaLnBrk="1" latinLnBrk="0" hangingPunct="1">
+              <a:lnSpc>
+                <a:spcPct val="90000"/>
+              </a:lnSpc>
+              <a:spcBef>
+                <a:spcPts val="500"/>
+              </a:spcBef>
+              <a:buFont typeface="Arial" panose="020B0604020202020204" pitchFamily="34" charset="0"/>
+              <a:buNone/>
+              <a:defRPr sz="1600" kern="1200">
+                <a:solidFill>
+                  <a:schemeClr val="tx1"/>
+                </a:solidFill>
+                <a:latin typeface="+mn-lt"/>
+                <a:ea typeface="+mn-ea"/>
+                <a:cs typeface="+mn-cs"/>
+              </a:defRPr>
+            </a:lvl8pPr>
+            <a:lvl9pPr marL="3657600" indent="0" algn="ctr" defTabSz="914400" rtl="0" eaLnBrk="1" latinLnBrk="0" hangingPunct="1">
+              <a:lnSpc>
+                <a:spcPct val="90000"/>
+              </a:lnSpc>
+              <a:spcBef>
+                <a:spcPts val="500"/>
+              </a:spcBef>
+              <a:buFont typeface="Arial" panose="020B0604020202020204" pitchFamily="34" charset="0"/>
+              <a:buNone/>
+              <a:defRPr sz="1600" kern="1200">
+                <a:solidFill>
+                  <a:schemeClr val="tx1"/>
+                </a:solidFill>
+                <a:latin typeface="+mn-lt"/>
+                <a:ea typeface="+mn-ea"/>
+                <a:cs typeface="+mn-cs"/>
+              </a:defRPr>
+            </a:lvl9pPr>
+          </a:lstStyle>
+          <a:p>
+            <a:pPr marL="457200" indent="-457200" algn="just">
+              <a:buAutoNum type="arabicPeriod"/>
+            </a:pPr>
+            <a:r>
+              <a:rPr lang="en-US" sz="2000" dirty="0"/>
+              <a:t>Nama, </a:t>
+            </a:r>
+            <a:r>
+              <a:rPr lang="en-US" sz="2000" dirty="0" err="1"/>
+              <a:t>usia</a:t>
+            </a:r>
+            <a:r>
+              <a:rPr lang="en-US" sz="2000" dirty="0"/>
+              <a:t>, </a:t>
+            </a:r>
+            <a:r>
+              <a:rPr lang="en-US" sz="2000" dirty="0" err="1"/>
+              <a:t>domisili</a:t>
+            </a:r>
+            <a:r>
+              <a:rPr lang="en-US" sz="2000" dirty="0"/>
+              <a:t> </a:t>
+            </a:r>
+            <a:r>
+              <a:rPr lang="en-US" sz="2000" dirty="0" err="1"/>
+              <a:t>skrg</a:t>
+            </a:r>
+            <a:r>
+              <a:rPr lang="en-US" sz="2000" dirty="0"/>
+              <a:t> dan </a:t>
+            </a:r>
+            <a:r>
+              <a:rPr lang="en-US" sz="2000" dirty="0" err="1"/>
+              <a:t>ktp</a:t>
+            </a:r>
+            <a:endParaRPr lang="en-US" sz="2000" dirty="0"/>
+          </a:p>
+          <a:p>
+            <a:pPr marL="457200" indent="-457200" algn="just">
+              <a:buAutoNum type="arabicPeriod"/>
+            </a:pPr>
+            <a:r>
+              <a:rPr lang="en-US" sz="2000" dirty="0" err="1"/>
+              <a:t>Kelebihan</a:t>
+            </a:r>
+            <a:r>
+              <a:rPr lang="en-US" sz="2000" dirty="0"/>
+              <a:t> dan </a:t>
+            </a:r>
+            <a:r>
+              <a:rPr lang="en-US" sz="2000" dirty="0" err="1"/>
+              <a:t>kekurangan</a:t>
+            </a:r>
+            <a:endParaRPr lang="en-US" sz="2000" dirty="0"/>
+          </a:p>
+          <a:p>
+            <a:pPr marL="457200" indent="-457200" algn="just">
+              <a:buAutoNum type="arabicPeriod"/>
+            </a:pPr>
+            <a:r>
+              <a:rPr lang="en-ID" sz="2000" dirty="0"/>
+              <a:t>Riwayat </a:t>
+            </a:r>
+            <a:r>
+              <a:rPr lang="en-ID" sz="2000" dirty="0" err="1"/>
+              <a:t>kerja</a:t>
+            </a:r>
+            <a:r>
+              <a:rPr lang="en-ID" sz="2000" dirty="0"/>
+              <a:t>/</a:t>
+            </a:r>
+            <a:r>
+              <a:rPr lang="en-ID" sz="2000" dirty="0" err="1"/>
+              <a:t>magang</a:t>
+            </a:r>
+            <a:endParaRPr lang="en-ID" sz="2000" dirty="0"/>
+          </a:p>
+          <a:p>
+            <a:pPr marL="457200" indent="-457200" algn="just">
+              <a:buAutoNum type="arabicPeriod"/>
+            </a:pPr>
+            <a:r>
+              <a:rPr lang="en-ID" sz="2000" dirty="0" err="1"/>
+              <a:t>Pengalaman</a:t>
+            </a:r>
+            <a:r>
+              <a:rPr lang="en-ID" sz="2000" dirty="0"/>
+              <a:t> </a:t>
+            </a:r>
+            <a:r>
+              <a:rPr lang="en-ID" sz="2000" dirty="0" err="1"/>
+              <a:t>organisasi</a:t>
+            </a:r>
+            <a:endParaRPr lang="en-ID" sz="2000" dirty="0"/>
+          </a:p>
+          <a:p>
+            <a:pPr marL="457200" indent="-457200" algn="just">
+              <a:buAutoNum type="arabicPeriod"/>
+            </a:pPr>
+            <a:r>
+              <a:rPr lang="en-ID" sz="2000" dirty="0"/>
+              <a:t>Hobby dan </a:t>
+            </a:r>
+            <a:r>
+              <a:rPr lang="en-ID" sz="2000" dirty="0" err="1"/>
+              <a:t>minat</a:t>
+            </a:r>
+            <a:r>
+              <a:rPr lang="en-ID" sz="2000" dirty="0"/>
+              <a:t> (</a:t>
+            </a:r>
+            <a:r>
+              <a:rPr lang="en-ID" sz="2000" dirty="0" err="1"/>
+              <a:t>disela</a:t>
+            </a:r>
+            <a:r>
+              <a:rPr lang="en-ID" sz="2000" dirty="0"/>
+              <a:t> </a:t>
+            </a:r>
+            <a:r>
+              <a:rPr lang="en-ID" sz="2000" dirty="0" err="1"/>
+              <a:t>kesibukan</a:t>
+            </a:r>
+            <a:r>
+              <a:rPr lang="en-ID" sz="2000" dirty="0"/>
+              <a:t>)</a:t>
+            </a:r>
+          </a:p>
+        </p:txBody>
+      </p:sp>
+    </p:spTree>
+    <p:extLst>
+      <p:ext uri="{BB962C8B-B14F-4D97-AF65-F5344CB8AC3E}">
+        <p14:creationId xmlns:p14="http://schemas.microsoft.com/office/powerpoint/2010/main" val="2027312980"/>
+      </p:ext>
+    </p:extLst>
+  </p:cSld>
+  <p:clrMapOvr>
+    <a:masterClrMapping/>
+  </p:clrMapOvr>
+</p:sld>
+</file>
+
+<file path=ppt/slides/slide2.xml><?xml version="1.0" encoding="utf-8"?>
+<p:sld xmlns:a="http://schemas.openxmlformats.org/drawingml/2006/main" xmlns:r="http://schemas.openxmlformats.org/officeDocument/2006/relationships" xmlns:p="http://schemas.openxmlformats.org/presentationml/2006/main">
+  <p:cSld>
+    <p:spTree>
+      <p:nvGrpSpPr>
+        <p:cNvPr id="1" name=""/>
+        <p:cNvGrpSpPr/>
+        <p:nvPr/>
+      </p:nvGrpSpPr>
+      <p:grpSpPr>
+        <a:xfrm>
+          <a:off x="0" y="0"/>
+          <a:ext cx="0" cy="0"/>
+          <a:chOff x="0" y="0"/>
+          <a:chExt cx="0" cy="0"/>
+        </a:xfrm>
+      </p:grpSpPr>
+      <p:sp>
+        <p:nvSpPr>
+          <p:cNvPr id="3" name="Subtitle 2">
+            <a:extLst>
+              <a:ext uri="{FF2B5EF4-FFF2-40B4-BE49-F238E27FC236}">
+                <a16:creationId xmlns:a16="http://schemas.microsoft.com/office/drawing/2014/main" id="{EF7BF7DD-2CB0-8996-ADC2-1B8C41794351}"/>
+              </a:ext>
+            </a:extLst>
+          </p:cNvPr>
+          <p:cNvSpPr>
+            <a:spLocks noGrp="1"/>
+          </p:cNvSpPr>
+          <p:nvPr>
+            <p:ph type="subTitle" idx="1"/>
+          </p:nvPr>
+        </p:nvSpPr>
+        <p:spPr>
+          <a:xfrm>
+            <a:off x="4714539" y="311838"/>
+            <a:ext cx="2762907" cy="368982"/>
+          </a:xfrm>
+          <a:ln w="12700">
+            <a:solidFill>
+              <a:schemeClr val="tx1"/>
+            </a:solidFill>
+          </a:ln>
+        </p:spPr>
+        <p:txBody>
+          <a:bodyPr>
+            <a:normAutofit fontScale="92500" lnSpcReduction="10000"/>
+          </a:bodyPr>
+          <a:lstStyle/>
+          <a:p>
+            <a:r>
+              <a:rPr lang="en-US" b="1" dirty="0"/>
+              <a:t>Reason</a:t>
+            </a:r>
+          </a:p>
+        </p:txBody>
+      </p:sp>
+      <p:sp>
+        <p:nvSpPr>
+          <p:cNvPr id="58" name="Subtitle 2">
+            <a:extLst>
+              <a:ext uri="{FF2B5EF4-FFF2-40B4-BE49-F238E27FC236}">
+                <a16:creationId xmlns:a16="http://schemas.microsoft.com/office/drawing/2014/main" id="{E1F8C54F-6400-A7AD-7895-7299D98A147F}"/>
+              </a:ext>
+            </a:extLst>
+          </p:cNvPr>
+          <p:cNvSpPr txBox="1">
+            <a:spLocks/>
+          </p:cNvSpPr>
+          <p:nvPr/>
+        </p:nvSpPr>
+        <p:spPr>
+          <a:xfrm>
+            <a:off x="1962928" y="1700892"/>
+            <a:ext cx="8266143" cy="2423238"/>
+          </a:xfrm>
+          <a:prstGeom prst="rect">
+            <a:avLst/>
+          </a:prstGeom>
+        </p:spPr>
+        <p:txBody>
+          <a:bodyPr vert="horz" lIns="91440" tIns="45720" rIns="91440" bIns="45720" rtlCol="0">
+            <a:noAutofit/>
+          </a:bodyPr>
+          <a:lstStyle>
+            <a:lvl1pPr marL="0" indent="0" algn="ctr" defTabSz="914400" rtl="0" eaLnBrk="1" latinLnBrk="0" hangingPunct="1">
+              <a:lnSpc>
+                <a:spcPct val="90000"/>
+              </a:lnSpc>
+              <a:spcBef>
+                <a:spcPts val="1000"/>
+              </a:spcBef>
+              <a:buFont typeface="Arial" panose="020B0604020202020204" pitchFamily="34" charset="0"/>
+              <a:buNone/>
+              <a:defRPr sz="2400" kern="1200">
+                <a:solidFill>
+                  <a:schemeClr val="tx1"/>
+                </a:solidFill>
+                <a:latin typeface="+mn-lt"/>
+                <a:ea typeface="+mn-ea"/>
+                <a:cs typeface="+mn-cs"/>
+              </a:defRPr>
+            </a:lvl1pPr>
+            <a:lvl2pPr marL="457200" indent="0" algn="ctr" defTabSz="914400" rtl="0" eaLnBrk="1" latinLnBrk="0" hangingPunct="1">
+              <a:lnSpc>
+                <a:spcPct val="90000"/>
+              </a:lnSpc>
+              <a:spcBef>
+                <a:spcPts val="500"/>
+              </a:spcBef>
+              <a:buFont typeface="Arial" panose="020B0604020202020204" pitchFamily="34" charset="0"/>
+              <a:buNone/>
+              <a:defRPr sz="2000" kern="1200">
+                <a:solidFill>
+                  <a:schemeClr val="tx1"/>
+                </a:solidFill>
+                <a:latin typeface="+mn-lt"/>
+                <a:ea typeface="+mn-ea"/>
+                <a:cs typeface="+mn-cs"/>
+              </a:defRPr>
+            </a:lvl2pPr>
+            <a:lvl3pPr marL="914400" indent="0" algn="ctr" defTabSz="914400" rtl="0" eaLnBrk="1" latinLnBrk="0" hangingPunct="1">
+              <a:lnSpc>
+                <a:spcPct val="90000"/>
+              </a:lnSpc>
+              <a:spcBef>
+                <a:spcPts val="500"/>
+              </a:spcBef>
+              <a:buFont typeface="Arial" panose="020B0604020202020204" pitchFamily="34" charset="0"/>
+              <a:buNone/>
+              <a:defRPr sz="1800" kern="1200">
+                <a:solidFill>
+                  <a:schemeClr val="tx1"/>
+                </a:solidFill>
+                <a:latin typeface="+mn-lt"/>
+                <a:ea typeface="+mn-ea"/>
+                <a:cs typeface="+mn-cs"/>
+              </a:defRPr>
+            </a:lvl3pPr>
+            <a:lvl4pPr marL="1371600" indent="0" algn="ctr" defTabSz="914400" rtl="0" eaLnBrk="1" latinLnBrk="0" hangingPunct="1">
+              <a:lnSpc>
+                <a:spcPct val="90000"/>
+              </a:lnSpc>
+              <a:spcBef>
+                <a:spcPts val="500"/>
+              </a:spcBef>
+              <a:buFont typeface="Arial" panose="020B0604020202020204" pitchFamily="34" charset="0"/>
+              <a:buNone/>
+              <a:defRPr sz="1600" kern="1200">
+                <a:solidFill>
+                  <a:schemeClr val="tx1"/>
+                </a:solidFill>
+                <a:latin typeface="+mn-lt"/>
+                <a:ea typeface="+mn-ea"/>
+                <a:cs typeface="+mn-cs"/>
+              </a:defRPr>
+            </a:lvl4pPr>
+            <a:lvl5pPr marL="1828800" indent="0" algn="ctr" defTabSz="914400" rtl="0" eaLnBrk="1" latinLnBrk="0" hangingPunct="1">
+              <a:lnSpc>
+                <a:spcPct val="90000"/>
+              </a:lnSpc>
+              <a:spcBef>
+                <a:spcPts val="500"/>
+              </a:spcBef>
+              <a:buFont typeface="Arial" panose="020B0604020202020204" pitchFamily="34" charset="0"/>
+              <a:buNone/>
+              <a:defRPr sz="1600" kern="1200">
+                <a:solidFill>
+                  <a:schemeClr val="tx1"/>
+                </a:solidFill>
+                <a:latin typeface="+mn-lt"/>
+                <a:ea typeface="+mn-ea"/>
+                <a:cs typeface="+mn-cs"/>
+              </a:defRPr>
+            </a:lvl5pPr>
+            <a:lvl6pPr marL="2286000" indent="0" algn="ctr" defTabSz="914400" rtl="0" eaLnBrk="1" latinLnBrk="0" hangingPunct="1">
+              <a:lnSpc>
+                <a:spcPct val="90000"/>
+              </a:lnSpc>
+              <a:spcBef>
+                <a:spcPts val="500"/>
+              </a:spcBef>
+              <a:buFont typeface="Arial" panose="020B0604020202020204" pitchFamily="34" charset="0"/>
+              <a:buNone/>
+              <a:defRPr sz="1600" kern="1200">
+                <a:solidFill>
+                  <a:schemeClr val="tx1"/>
+                </a:solidFill>
+                <a:latin typeface="+mn-lt"/>
+                <a:ea typeface="+mn-ea"/>
+                <a:cs typeface="+mn-cs"/>
+              </a:defRPr>
+            </a:lvl6pPr>
+            <a:lvl7pPr marL="2743200" indent="0" algn="ctr" defTabSz="914400" rtl="0" eaLnBrk="1" latinLnBrk="0" hangingPunct="1">
+              <a:lnSpc>
+                <a:spcPct val="90000"/>
+              </a:lnSpc>
+              <a:spcBef>
+                <a:spcPts val="500"/>
+              </a:spcBef>
+              <a:buFont typeface="Arial" panose="020B0604020202020204" pitchFamily="34" charset="0"/>
+              <a:buNone/>
+              <a:defRPr sz="1600" kern="1200">
+                <a:solidFill>
+                  <a:schemeClr val="tx1"/>
+                </a:solidFill>
+                <a:latin typeface="+mn-lt"/>
+                <a:ea typeface="+mn-ea"/>
+                <a:cs typeface="+mn-cs"/>
+              </a:defRPr>
+            </a:lvl7pPr>
+            <a:lvl8pPr marL="3200400" indent="0" algn="ctr" defTabSz="914400" rtl="0" eaLnBrk="1" latinLnBrk="0" hangingPunct="1">
+              <a:lnSpc>
+                <a:spcPct val="90000"/>
+              </a:lnSpc>
+              <a:spcBef>
+                <a:spcPts val="500"/>
+              </a:spcBef>
+              <a:buFont typeface="Arial" panose="020B0604020202020204" pitchFamily="34" charset="0"/>
+              <a:buNone/>
+              <a:defRPr sz="1600" kern="1200">
+                <a:solidFill>
+                  <a:schemeClr val="tx1"/>
+                </a:solidFill>
+                <a:latin typeface="+mn-lt"/>
+                <a:ea typeface="+mn-ea"/>
+                <a:cs typeface="+mn-cs"/>
+              </a:defRPr>
+            </a:lvl8pPr>
+            <a:lvl9pPr marL="3657600" indent="0" algn="ctr" defTabSz="914400" rtl="0" eaLnBrk="1" latinLnBrk="0" hangingPunct="1">
+              <a:lnSpc>
+                <a:spcPct val="90000"/>
+              </a:lnSpc>
+              <a:spcBef>
+                <a:spcPts val="500"/>
+              </a:spcBef>
+              <a:buFont typeface="Arial" panose="020B0604020202020204" pitchFamily="34" charset="0"/>
+              <a:buNone/>
+              <a:defRPr sz="1600" kern="1200">
+                <a:solidFill>
+                  <a:schemeClr val="tx1"/>
+                </a:solidFill>
+                <a:latin typeface="+mn-lt"/>
+                <a:ea typeface="+mn-ea"/>
+                <a:cs typeface="+mn-cs"/>
+              </a:defRPr>
+            </a:lvl9pPr>
+          </a:lstStyle>
+          <a:p>
+            <a:pPr marL="457200" indent="-457200" algn="just">
+              <a:buAutoNum type="arabicPeriod"/>
+            </a:pPr>
+            <a:r>
+              <a:rPr lang="en-US" sz="2000" dirty="0" err="1"/>
+              <a:t>Tidak</a:t>
+            </a:r>
+            <a:r>
+              <a:rPr lang="en-US" sz="2000" dirty="0"/>
+              <a:t> </a:t>
+            </a:r>
+            <a:r>
+              <a:rPr lang="en-US" sz="2000" dirty="0" err="1"/>
+              <a:t>adanya</a:t>
+            </a:r>
+            <a:r>
+              <a:rPr lang="en-US" sz="2000" dirty="0"/>
+              <a:t> lead yang </a:t>
+            </a:r>
+            <a:r>
+              <a:rPr lang="en-US" sz="2000" dirty="0" err="1"/>
+              <a:t>memahami</a:t>
+            </a:r>
+            <a:r>
+              <a:rPr lang="en-US" sz="2000" dirty="0"/>
+              <a:t> IT</a:t>
+            </a:r>
+          </a:p>
+          <a:p>
+            <a:pPr marL="457200" indent="-457200" algn="just">
+              <a:buAutoNum type="arabicPeriod"/>
+            </a:pPr>
+            <a:r>
+              <a:rPr lang="en-US" sz="2000" dirty="0" err="1"/>
+              <a:t>Tidak</a:t>
+            </a:r>
+            <a:r>
+              <a:rPr lang="en-US" sz="2000" dirty="0"/>
+              <a:t> </a:t>
+            </a:r>
+            <a:r>
+              <a:rPr lang="en-US" sz="2000" dirty="0" err="1"/>
+              <a:t>berkembang</a:t>
+            </a:r>
+            <a:r>
+              <a:rPr lang="en-US" sz="2000" dirty="0"/>
+              <a:t> </a:t>
+            </a:r>
+            <a:r>
+              <a:rPr lang="en-US" sz="2000" dirty="0" err="1"/>
+              <a:t>secara</a:t>
+            </a:r>
+            <a:r>
+              <a:rPr lang="en-US" sz="2000" dirty="0"/>
+              <a:t> skill</a:t>
+            </a:r>
+          </a:p>
+          <a:p>
+            <a:pPr marL="457200" indent="-457200" algn="just">
+              <a:buAutoNum type="arabicPeriod"/>
+            </a:pPr>
+            <a:r>
+              <a:rPr lang="en-US" sz="2000" dirty="0" err="1"/>
+              <a:t>Tidak</a:t>
+            </a:r>
+            <a:r>
+              <a:rPr lang="en-US" sz="2000" dirty="0"/>
+              <a:t> </a:t>
+            </a:r>
+            <a:r>
+              <a:rPr lang="en-US" sz="2000" dirty="0" err="1"/>
+              <a:t>terdapat</a:t>
+            </a:r>
+            <a:r>
+              <a:rPr lang="en-US" sz="2000" dirty="0"/>
+              <a:t> </a:t>
+            </a:r>
+            <a:r>
+              <a:rPr lang="en-US" sz="2000" dirty="0" err="1"/>
+              <a:t>inovasi</a:t>
+            </a:r>
+            <a:r>
+              <a:rPr lang="en-US" sz="2000" dirty="0"/>
+              <a:t> </a:t>
+            </a:r>
+            <a:r>
+              <a:rPr lang="en-US" sz="2000" dirty="0" err="1"/>
+              <a:t>teknologi</a:t>
+            </a:r>
+            <a:r>
+              <a:rPr lang="en-US" sz="2000" dirty="0"/>
+              <a:t> </a:t>
+            </a:r>
+            <a:r>
+              <a:rPr lang="en-US" sz="2000" dirty="0" err="1"/>
+              <a:t>dalam</a:t>
+            </a:r>
+            <a:r>
+              <a:rPr lang="en-US" sz="2000" dirty="0"/>
+              <a:t> </a:t>
+            </a:r>
+            <a:r>
+              <a:rPr lang="en-US" sz="2000" dirty="0" err="1"/>
+              <a:t>perusahaan</a:t>
+            </a:r>
+            <a:r>
+              <a:rPr lang="en-US" sz="2000" dirty="0"/>
+              <a:t> (</a:t>
+            </a:r>
+            <a:r>
+              <a:rPr lang="en-US" sz="2000" dirty="0" err="1"/>
+              <a:t>cenderung</a:t>
+            </a:r>
+            <a:r>
+              <a:rPr lang="en-US" sz="2000" dirty="0"/>
+              <a:t> vendor)</a:t>
+            </a:r>
+          </a:p>
+          <a:p>
+            <a:pPr marL="457200" indent="-457200" algn="just">
+              <a:buAutoNum type="arabicPeriod"/>
+            </a:pPr>
+            <a:r>
+              <a:rPr lang="en-US" sz="2000" dirty="0"/>
+              <a:t>Background </a:t>
+            </a:r>
+            <a:r>
+              <a:rPr lang="en-US" sz="2000" dirty="0" err="1"/>
+              <a:t>kompetensi</a:t>
+            </a:r>
+            <a:r>
+              <a:rPr lang="en-US" sz="2000" dirty="0"/>
+              <a:t> </a:t>
+            </a:r>
+            <a:r>
+              <a:rPr lang="en-US" sz="2000" dirty="0" err="1"/>
+              <a:t>tidak</a:t>
+            </a:r>
+            <a:r>
+              <a:rPr lang="en-US" sz="2000" dirty="0"/>
+              <a:t> </a:t>
+            </a:r>
+            <a:r>
+              <a:rPr lang="en-US" sz="2000" dirty="0" err="1"/>
+              <a:t>sesuai</a:t>
+            </a:r>
+            <a:endParaRPr lang="en-US" sz="2000" dirty="0"/>
+          </a:p>
+          <a:p>
+            <a:pPr marL="457200" indent="-457200" algn="just">
+              <a:buAutoNum type="arabicPeriod"/>
+            </a:pPr>
+            <a:r>
+              <a:rPr lang="en-US" sz="2000" dirty="0"/>
+              <a:t>Jam </a:t>
+            </a:r>
+            <a:r>
+              <a:rPr lang="en-US" sz="2000" dirty="0" err="1"/>
+              <a:t>kerja</a:t>
+            </a:r>
+            <a:r>
+              <a:rPr lang="en-US" sz="2000" dirty="0"/>
+              <a:t> </a:t>
+            </a:r>
+            <a:r>
+              <a:rPr lang="en-US" sz="2000" dirty="0" err="1"/>
+              <a:t>hari</a:t>
+            </a:r>
+            <a:r>
+              <a:rPr lang="en-US" sz="2000" dirty="0"/>
+              <a:t> </a:t>
+            </a:r>
+            <a:r>
+              <a:rPr lang="en-US" sz="2000" dirty="0" err="1"/>
+              <a:t>senin</a:t>
+            </a:r>
+            <a:r>
+              <a:rPr lang="en-US" sz="2000" dirty="0"/>
+              <a:t> - </a:t>
+            </a:r>
+            <a:r>
+              <a:rPr lang="en-US" sz="2000" dirty="0" err="1"/>
+              <a:t>sabtu</a:t>
+            </a:r>
+            <a:endParaRPr lang="en-ID" sz="2000" dirty="0"/>
+          </a:p>
+        </p:txBody>
+      </p:sp>
+    </p:spTree>
+    <p:extLst>
+      <p:ext uri="{BB962C8B-B14F-4D97-AF65-F5344CB8AC3E}">
+        <p14:creationId xmlns:p14="http://schemas.microsoft.com/office/powerpoint/2010/main" val="2949927141"/>
+      </p:ext>
+    </p:extLst>
+  </p:cSld>
+  <p:clrMapOvr>
+    <a:masterClrMapping/>
+  </p:clrMapOvr>
+</p:sld>
+</file>
+
+<file path=ppt/slides/slide3.xml><?xml version="1.0" encoding="utf-8"?>
 <p:sld xmlns:a="http://schemas.openxmlformats.org/drawingml/2006/main" xmlns:r="http://schemas.openxmlformats.org/officeDocument/2006/relationships" xmlns:p="http://schemas.openxmlformats.org/presentationml/2006/main">
   <p:cSld>
     <p:spTree>
@@ -7689,7 +8549,7 @@
 </p:sld>
 </file>
 
-<file path=ppt/slides/slide2.xml><?xml version="1.0" encoding="utf-8"?>
+<file path=ppt/slides/slide4.xml><?xml version="1.0" encoding="utf-8"?>
 <p:sld xmlns:a="http://schemas.openxmlformats.org/drawingml/2006/main" xmlns:r="http://schemas.openxmlformats.org/officeDocument/2006/relationships" xmlns:p="http://schemas.openxmlformats.org/presentationml/2006/main">
   <p:cSld>
     <p:spTree>
@@ -8302,6 +9162,35 @@
               <a:rPr lang="en-US" sz="2000" dirty="0" err="1"/>
               <a:t>aplikasi</a:t>
             </a:r>
+            <a:endParaRPr lang="en-US" sz="2000" dirty="0"/>
+          </a:p>
+          <a:p>
+            <a:pPr marL="457200" indent="-457200" algn="just">
+              <a:buAutoNum type="arabicPeriod"/>
+            </a:pPr>
+            <a:r>
+              <a:rPr lang="en-US" sz="2000" dirty="0"/>
+              <a:t>API</a:t>
+            </a:r>
+          </a:p>
+          <a:p>
+            <a:pPr marL="457200" indent="-457200" algn="just">
+              <a:buAutoNum type="arabicPeriod"/>
+            </a:pPr>
+            <a:r>
+              <a:rPr lang="en-US" sz="2000" dirty="0" err="1"/>
+              <a:t>LoopJ</a:t>
+            </a:r>
+            <a:endParaRPr lang="en-US" sz="2000" dirty="0"/>
+          </a:p>
+          <a:p>
+            <a:pPr marL="457200" indent="-457200" algn="just">
+              <a:buAutoNum type="arabicPeriod"/>
+            </a:pPr>
+            <a:r>
+              <a:rPr lang="en-US" sz="2000" dirty="0"/>
+              <a:t>Retrofit</a:t>
+            </a:r>
             <a:endParaRPr lang="en-ID" sz="2000" dirty="0"/>
           </a:p>
         </p:txBody>
@@ -8356,6 +9245,5002 @@
     <p:extLst>
       <p:ext uri="{BB962C8B-B14F-4D97-AF65-F5344CB8AC3E}">
         <p14:creationId xmlns:p14="http://schemas.microsoft.com/office/powerpoint/2010/main" val="2446455230"/>
+      </p:ext>
+    </p:extLst>
+  </p:cSld>
+  <p:clrMapOvr>
+    <a:masterClrMapping/>
+  </p:clrMapOvr>
+</p:sld>
+</file>
+
+<file path=ppt/slides/slide5.xml><?xml version="1.0" encoding="utf-8"?>
+<p:sld xmlns:a="http://schemas.openxmlformats.org/drawingml/2006/main" xmlns:r="http://schemas.openxmlformats.org/officeDocument/2006/relationships" xmlns:p="http://schemas.openxmlformats.org/presentationml/2006/main">
+  <p:cSld>
+    <p:spTree>
+      <p:nvGrpSpPr>
+        <p:cNvPr id="1" name=""/>
+        <p:cNvGrpSpPr/>
+        <p:nvPr/>
+      </p:nvGrpSpPr>
+      <p:grpSpPr>
+        <a:xfrm>
+          <a:off x="0" y="0"/>
+          <a:ext cx="0" cy="0"/>
+          <a:chOff x="0" y="0"/>
+          <a:chExt cx="0" cy="0"/>
+        </a:xfrm>
+      </p:grpSpPr>
+      <p:sp>
+        <p:nvSpPr>
+          <p:cNvPr id="3" name="Subtitle 2">
+            <a:extLst>
+              <a:ext uri="{FF2B5EF4-FFF2-40B4-BE49-F238E27FC236}">
+                <a16:creationId xmlns:a16="http://schemas.microsoft.com/office/drawing/2014/main" id="{EF7BF7DD-2CB0-8996-ADC2-1B8C41794351}"/>
+              </a:ext>
+            </a:extLst>
+          </p:cNvPr>
+          <p:cNvSpPr>
+            <a:spLocks noGrp="1"/>
+          </p:cNvSpPr>
+          <p:nvPr>
+            <p:ph type="subTitle" idx="1"/>
+          </p:nvPr>
+        </p:nvSpPr>
+        <p:spPr>
+          <a:xfrm>
+            <a:off x="4714539" y="311838"/>
+            <a:ext cx="2762907" cy="368982"/>
+          </a:xfrm>
+          <a:ln w="12700">
+            <a:solidFill>
+              <a:schemeClr val="tx1"/>
+            </a:solidFill>
+          </a:ln>
+        </p:spPr>
+        <p:txBody>
+          <a:bodyPr>
+            <a:normAutofit fontScale="92500" lnSpcReduction="10000"/>
+          </a:bodyPr>
+          <a:lstStyle/>
+          <a:p>
+            <a:r>
+              <a:rPr lang="en-US" b="1" dirty="0"/>
+              <a:t>MVVM architecture </a:t>
+            </a:r>
+          </a:p>
+        </p:txBody>
+      </p:sp>
+      <p:sp>
+        <p:nvSpPr>
+          <p:cNvPr id="58" name="Subtitle 2">
+            <a:extLst>
+              <a:ext uri="{FF2B5EF4-FFF2-40B4-BE49-F238E27FC236}">
+                <a16:creationId xmlns:a16="http://schemas.microsoft.com/office/drawing/2014/main" id="{E1F8C54F-6400-A7AD-7895-7299D98A147F}"/>
+              </a:ext>
+            </a:extLst>
+          </p:cNvPr>
+          <p:cNvSpPr txBox="1">
+            <a:spLocks/>
+          </p:cNvSpPr>
+          <p:nvPr/>
+        </p:nvSpPr>
+        <p:spPr>
+          <a:xfrm>
+            <a:off x="1773080" y="1585078"/>
+            <a:ext cx="887421" cy="379834"/>
+          </a:xfrm>
+          <a:prstGeom prst="rect">
+            <a:avLst/>
+          </a:prstGeom>
+          <a:ln w="12700">
+            <a:solidFill>
+              <a:schemeClr val="tx1"/>
+            </a:solidFill>
+          </a:ln>
+        </p:spPr>
+        <p:txBody>
+          <a:bodyPr vert="horz" lIns="91440" tIns="45720" rIns="91440" bIns="45720" rtlCol="0">
+            <a:noAutofit/>
+          </a:bodyPr>
+          <a:lstStyle>
+            <a:lvl1pPr marL="0" indent="0" algn="ctr" defTabSz="914400" rtl="0" eaLnBrk="1" latinLnBrk="0" hangingPunct="1">
+              <a:lnSpc>
+                <a:spcPct val="90000"/>
+              </a:lnSpc>
+              <a:spcBef>
+                <a:spcPts val="1000"/>
+              </a:spcBef>
+              <a:buFont typeface="Arial" panose="020B0604020202020204" pitchFamily="34" charset="0"/>
+              <a:buNone/>
+              <a:defRPr sz="2400" kern="1200">
+                <a:solidFill>
+                  <a:schemeClr val="tx1"/>
+                </a:solidFill>
+                <a:latin typeface="+mn-lt"/>
+                <a:ea typeface="+mn-ea"/>
+                <a:cs typeface="+mn-cs"/>
+              </a:defRPr>
+            </a:lvl1pPr>
+            <a:lvl2pPr marL="457200" indent="0" algn="ctr" defTabSz="914400" rtl="0" eaLnBrk="1" latinLnBrk="0" hangingPunct="1">
+              <a:lnSpc>
+                <a:spcPct val="90000"/>
+              </a:lnSpc>
+              <a:spcBef>
+                <a:spcPts val="500"/>
+              </a:spcBef>
+              <a:buFont typeface="Arial" panose="020B0604020202020204" pitchFamily="34" charset="0"/>
+              <a:buNone/>
+              <a:defRPr sz="2000" kern="1200">
+                <a:solidFill>
+                  <a:schemeClr val="tx1"/>
+                </a:solidFill>
+                <a:latin typeface="+mn-lt"/>
+                <a:ea typeface="+mn-ea"/>
+                <a:cs typeface="+mn-cs"/>
+              </a:defRPr>
+            </a:lvl2pPr>
+            <a:lvl3pPr marL="914400" indent="0" algn="ctr" defTabSz="914400" rtl="0" eaLnBrk="1" latinLnBrk="0" hangingPunct="1">
+              <a:lnSpc>
+                <a:spcPct val="90000"/>
+              </a:lnSpc>
+              <a:spcBef>
+                <a:spcPts val="500"/>
+              </a:spcBef>
+              <a:buFont typeface="Arial" panose="020B0604020202020204" pitchFamily="34" charset="0"/>
+              <a:buNone/>
+              <a:defRPr sz="1800" kern="1200">
+                <a:solidFill>
+                  <a:schemeClr val="tx1"/>
+                </a:solidFill>
+                <a:latin typeface="+mn-lt"/>
+                <a:ea typeface="+mn-ea"/>
+                <a:cs typeface="+mn-cs"/>
+              </a:defRPr>
+            </a:lvl3pPr>
+            <a:lvl4pPr marL="1371600" indent="0" algn="ctr" defTabSz="914400" rtl="0" eaLnBrk="1" latinLnBrk="0" hangingPunct="1">
+              <a:lnSpc>
+                <a:spcPct val="90000"/>
+              </a:lnSpc>
+              <a:spcBef>
+                <a:spcPts val="500"/>
+              </a:spcBef>
+              <a:buFont typeface="Arial" panose="020B0604020202020204" pitchFamily="34" charset="0"/>
+              <a:buNone/>
+              <a:defRPr sz="1600" kern="1200">
+                <a:solidFill>
+                  <a:schemeClr val="tx1"/>
+                </a:solidFill>
+                <a:latin typeface="+mn-lt"/>
+                <a:ea typeface="+mn-ea"/>
+                <a:cs typeface="+mn-cs"/>
+              </a:defRPr>
+            </a:lvl4pPr>
+            <a:lvl5pPr marL="1828800" indent="0" algn="ctr" defTabSz="914400" rtl="0" eaLnBrk="1" latinLnBrk="0" hangingPunct="1">
+              <a:lnSpc>
+                <a:spcPct val="90000"/>
+              </a:lnSpc>
+              <a:spcBef>
+                <a:spcPts val="500"/>
+              </a:spcBef>
+              <a:buFont typeface="Arial" panose="020B0604020202020204" pitchFamily="34" charset="0"/>
+              <a:buNone/>
+              <a:defRPr sz="1600" kern="1200">
+                <a:solidFill>
+                  <a:schemeClr val="tx1"/>
+                </a:solidFill>
+                <a:latin typeface="+mn-lt"/>
+                <a:ea typeface="+mn-ea"/>
+                <a:cs typeface="+mn-cs"/>
+              </a:defRPr>
+            </a:lvl5pPr>
+            <a:lvl6pPr marL="2286000" indent="0" algn="ctr" defTabSz="914400" rtl="0" eaLnBrk="1" latinLnBrk="0" hangingPunct="1">
+              <a:lnSpc>
+                <a:spcPct val="90000"/>
+              </a:lnSpc>
+              <a:spcBef>
+                <a:spcPts val="500"/>
+              </a:spcBef>
+              <a:buFont typeface="Arial" panose="020B0604020202020204" pitchFamily="34" charset="0"/>
+              <a:buNone/>
+              <a:defRPr sz="1600" kern="1200">
+                <a:solidFill>
+                  <a:schemeClr val="tx1"/>
+                </a:solidFill>
+                <a:latin typeface="+mn-lt"/>
+                <a:ea typeface="+mn-ea"/>
+                <a:cs typeface="+mn-cs"/>
+              </a:defRPr>
+            </a:lvl6pPr>
+            <a:lvl7pPr marL="2743200" indent="0" algn="ctr" defTabSz="914400" rtl="0" eaLnBrk="1" latinLnBrk="0" hangingPunct="1">
+              <a:lnSpc>
+                <a:spcPct val="90000"/>
+              </a:lnSpc>
+              <a:spcBef>
+                <a:spcPts val="500"/>
+              </a:spcBef>
+              <a:buFont typeface="Arial" panose="020B0604020202020204" pitchFamily="34" charset="0"/>
+              <a:buNone/>
+              <a:defRPr sz="1600" kern="1200">
+                <a:solidFill>
+                  <a:schemeClr val="tx1"/>
+                </a:solidFill>
+                <a:latin typeface="+mn-lt"/>
+                <a:ea typeface="+mn-ea"/>
+                <a:cs typeface="+mn-cs"/>
+              </a:defRPr>
+            </a:lvl7pPr>
+            <a:lvl8pPr marL="3200400" indent="0" algn="ctr" defTabSz="914400" rtl="0" eaLnBrk="1" latinLnBrk="0" hangingPunct="1">
+              <a:lnSpc>
+                <a:spcPct val="90000"/>
+              </a:lnSpc>
+              <a:spcBef>
+                <a:spcPts val="500"/>
+              </a:spcBef>
+              <a:buFont typeface="Arial" panose="020B0604020202020204" pitchFamily="34" charset="0"/>
+              <a:buNone/>
+              <a:defRPr sz="1600" kern="1200">
+                <a:solidFill>
+                  <a:schemeClr val="tx1"/>
+                </a:solidFill>
+                <a:latin typeface="+mn-lt"/>
+                <a:ea typeface="+mn-ea"/>
+                <a:cs typeface="+mn-cs"/>
+              </a:defRPr>
+            </a:lvl8pPr>
+            <a:lvl9pPr marL="3657600" indent="0" algn="ctr" defTabSz="914400" rtl="0" eaLnBrk="1" latinLnBrk="0" hangingPunct="1">
+              <a:lnSpc>
+                <a:spcPct val="90000"/>
+              </a:lnSpc>
+              <a:spcBef>
+                <a:spcPts val="500"/>
+              </a:spcBef>
+              <a:buFont typeface="Arial" panose="020B0604020202020204" pitchFamily="34" charset="0"/>
+              <a:buNone/>
+              <a:defRPr sz="1600" kern="1200">
+                <a:solidFill>
+                  <a:schemeClr val="tx1"/>
+                </a:solidFill>
+                <a:latin typeface="+mn-lt"/>
+                <a:ea typeface="+mn-ea"/>
+                <a:cs typeface="+mn-cs"/>
+              </a:defRPr>
+            </a:lvl9pPr>
+          </a:lstStyle>
+          <a:p>
+            <a:r>
+              <a:rPr lang="en-US" sz="2000" dirty="0"/>
+              <a:t>Model</a:t>
+            </a:r>
+            <a:endParaRPr lang="en-ID" sz="2000" dirty="0"/>
+          </a:p>
+        </p:txBody>
+      </p:sp>
+      <p:sp>
+        <p:nvSpPr>
+          <p:cNvPr id="15" name="Subtitle 2">
+            <a:extLst>
+              <a:ext uri="{FF2B5EF4-FFF2-40B4-BE49-F238E27FC236}">
+                <a16:creationId xmlns:a16="http://schemas.microsoft.com/office/drawing/2014/main" id="{36099A75-0F1B-E155-9BDD-AD867F09B22E}"/>
+              </a:ext>
+            </a:extLst>
+          </p:cNvPr>
+          <p:cNvSpPr txBox="1">
+            <a:spLocks/>
+          </p:cNvSpPr>
+          <p:nvPr/>
+        </p:nvSpPr>
+        <p:spPr>
+          <a:xfrm>
+            <a:off x="5032311" y="1585077"/>
+            <a:ext cx="906755" cy="379835"/>
+          </a:xfrm>
+          <a:prstGeom prst="rect">
+            <a:avLst/>
+          </a:prstGeom>
+          <a:ln w="12700">
+            <a:solidFill>
+              <a:schemeClr val="tx1"/>
+            </a:solidFill>
+          </a:ln>
+        </p:spPr>
+        <p:txBody>
+          <a:bodyPr vert="horz" lIns="91440" tIns="45720" rIns="91440" bIns="45720" rtlCol="0">
+            <a:noAutofit/>
+          </a:bodyPr>
+          <a:lstStyle>
+            <a:lvl1pPr marL="0" indent="0" algn="ctr" defTabSz="914400" rtl="0" eaLnBrk="1" latinLnBrk="0" hangingPunct="1">
+              <a:lnSpc>
+                <a:spcPct val="90000"/>
+              </a:lnSpc>
+              <a:spcBef>
+                <a:spcPts val="1000"/>
+              </a:spcBef>
+              <a:buFont typeface="Arial" panose="020B0604020202020204" pitchFamily="34" charset="0"/>
+              <a:buNone/>
+              <a:defRPr sz="2400" kern="1200">
+                <a:solidFill>
+                  <a:schemeClr val="tx1"/>
+                </a:solidFill>
+                <a:latin typeface="+mn-lt"/>
+                <a:ea typeface="+mn-ea"/>
+                <a:cs typeface="+mn-cs"/>
+              </a:defRPr>
+            </a:lvl1pPr>
+            <a:lvl2pPr marL="457200" indent="0" algn="ctr" defTabSz="914400" rtl="0" eaLnBrk="1" latinLnBrk="0" hangingPunct="1">
+              <a:lnSpc>
+                <a:spcPct val="90000"/>
+              </a:lnSpc>
+              <a:spcBef>
+                <a:spcPts val="500"/>
+              </a:spcBef>
+              <a:buFont typeface="Arial" panose="020B0604020202020204" pitchFamily="34" charset="0"/>
+              <a:buNone/>
+              <a:defRPr sz="2000" kern="1200">
+                <a:solidFill>
+                  <a:schemeClr val="tx1"/>
+                </a:solidFill>
+                <a:latin typeface="+mn-lt"/>
+                <a:ea typeface="+mn-ea"/>
+                <a:cs typeface="+mn-cs"/>
+              </a:defRPr>
+            </a:lvl2pPr>
+            <a:lvl3pPr marL="914400" indent="0" algn="ctr" defTabSz="914400" rtl="0" eaLnBrk="1" latinLnBrk="0" hangingPunct="1">
+              <a:lnSpc>
+                <a:spcPct val="90000"/>
+              </a:lnSpc>
+              <a:spcBef>
+                <a:spcPts val="500"/>
+              </a:spcBef>
+              <a:buFont typeface="Arial" panose="020B0604020202020204" pitchFamily="34" charset="0"/>
+              <a:buNone/>
+              <a:defRPr sz="1800" kern="1200">
+                <a:solidFill>
+                  <a:schemeClr val="tx1"/>
+                </a:solidFill>
+                <a:latin typeface="+mn-lt"/>
+                <a:ea typeface="+mn-ea"/>
+                <a:cs typeface="+mn-cs"/>
+              </a:defRPr>
+            </a:lvl3pPr>
+            <a:lvl4pPr marL="1371600" indent="0" algn="ctr" defTabSz="914400" rtl="0" eaLnBrk="1" latinLnBrk="0" hangingPunct="1">
+              <a:lnSpc>
+                <a:spcPct val="90000"/>
+              </a:lnSpc>
+              <a:spcBef>
+                <a:spcPts val="500"/>
+              </a:spcBef>
+              <a:buFont typeface="Arial" panose="020B0604020202020204" pitchFamily="34" charset="0"/>
+              <a:buNone/>
+              <a:defRPr sz="1600" kern="1200">
+                <a:solidFill>
+                  <a:schemeClr val="tx1"/>
+                </a:solidFill>
+                <a:latin typeface="+mn-lt"/>
+                <a:ea typeface="+mn-ea"/>
+                <a:cs typeface="+mn-cs"/>
+              </a:defRPr>
+            </a:lvl4pPr>
+            <a:lvl5pPr marL="1828800" indent="0" algn="ctr" defTabSz="914400" rtl="0" eaLnBrk="1" latinLnBrk="0" hangingPunct="1">
+              <a:lnSpc>
+                <a:spcPct val="90000"/>
+              </a:lnSpc>
+              <a:spcBef>
+                <a:spcPts val="500"/>
+              </a:spcBef>
+              <a:buFont typeface="Arial" panose="020B0604020202020204" pitchFamily="34" charset="0"/>
+              <a:buNone/>
+              <a:defRPr sz="1600" kern="1200">
+                <a:solidFill>
+                  <a:schemeClr val="tx1"/>
+                </a:solidFill>
+                <a:latin typeface="+mn-lt"/>
+                <a:ea typeface="+mn-ea"/>
+                <a:cs typeface="+mn-cs"/>
+              </a:defRPr>
+            </a:lvl5pPr>
+            <a:lvl6pPr marL="2286000" indent="0" algn="ctr" defTabSz="914400" rtl="0" eaLnBrk="1" latinLnBrk="0" hangingPunct="1">
+              <a:lnSpc>
+                <a:spcPct val="90000"/>
+              </a:lnSpc>
+              <a:spcBef>
+                <a:spcPts val="500"/>
+              </a:spcBef>
+              <a:buFont typeface="Arial" panose="020B0604020202020204" pitchFamily="34" charset="0"/>
+              <a:buNone/>
+              <a:defRPr sz="1600" kern="1200">
+                <a:solidFill>
+                  <a:schemeClr val="tx1"/>
+                </a:solidFill>
+                <a:latin typeface="+mn-lt"/>
+                <a:ea typeface="+mn-ea"/>
+                <a:cs typeface="+mn-cs"/>
+              </a:defRPr>
+            </a:lvl6pPr>
+            <a:lvl7pPr marL="2743200" indent="0" algn="ctr" defTabSz="914400" rtl="0" eaLnBrk="1" latinLnBrk="0" hangingPunct="1">
+              <a:lnSpc>
+                <a:spcPct val="90000"/>
+              </a:lnSpc>
+              <a:spcBef>
+                <a:spcPts val="500"/>
+              </a:spcBef>
+              <a:buFont typeface="Arial" panose="020B0604020202020204" pitchFamily="34" charset="0"/>
+              <a:buNone/>
+              <a:defRPr sz="1600" kern="1200">
+                <a:solidFill>
+                  <a:schemeClr val="tx1"/>
+                </a:solidFill>
+                <a:latin typeface="+mn-lt"/>
+                <a:ea typeface="+mn-ea"/>
+                <a:cs typeface="+mn-cs"/>
+              </a:defRPr>
+            </a:lvl7pPr>
+            <a:lvl8pPr marL="3200400" indent="0" algn="ctr" defTabSz="914400" rtl="0" eaLnBrk="1" latinLnBrk="0" hangingPunct="1">
+              <a:lnSpc>
+                <a:spcPct val="90000"/>
+              </a:lnSpc>
+              <a:spcBef>
+                <a:spcPts val="500"/>
+              </a:spcBef>
+              <a:buFont typeface="Arial" panose="020B0604020202020204" pitchFamily="34" charset="0"/>
+              <a:buNone/>
+              <a:defRPr sz="1600" kern="1200">
+                <a:solidFill>
+                  <a:schemeClr val="tx1"/>
+                </a:solidFill>
+                <a:latin typeface="+mn-lt"/>
+                <a:ea typeface="+mn-ea"/>
+                <a:cs typeface="+mn-cs"/>
+              </a:defRPr>
+            </a:lvl8pPr>
+            <a:lvl9pPr marL="3657600" indent="0" algn="ctr" defTabSz="914400" rtl="0" eaLnBrk="1" latinLnBrk="0" hangingPunct="1">
+              <a:lnSpc>
+                <a:spcPct val="90000"/>
+              </a:lnSpc>
+              <a:spcBef>
+                <a:spcPts val="500"/>
+              </a:spcBef>
+              <a:buFont typeface="Arial" panose="020B0604020202020204" pitchFamily="34" charset="0"/>
+              <a:buNone/>
+              <a:defRPr sz="1600" kern="1200">
+                <a:solidFill>
+                  <a:schemeClr val="tx1"/>
+                </a:solidFill>
+                <a:latin typeface="+mn-lt"/>
+                <a:ea typeface="+mn-ea"/>
+                <a:cs typeface="+mn-cs"/>
+              </a:defRPr>
+            </a:lvl9pPr>
+          </a:lstStyle>
+          <a:p>
+            <a:r>
+              <a:rPr lang="en-US" sz="2000" dirty="0"/>
+              <a:t>View</a:t>
+            </a:r>
+            <a:endParaRPr lang="en-ID" sz="2000" dirty="0"/>
+          </a:p>
+        </p:txBody>
+      </p:sp>
+      <p:sp>
+        <p:nvSpPr>
+          <p:cNvPr id="17" name="Rectangle 16">
+            <a:extLst>
+              <a:ext uri="{FF2B5EF4-FFF2-40B4-BE49-F238E27FC236}">
+                <a16:creationId xmlns:a16="http://schemas.microsoft.com/office/drawing/2014/main" id="{EFCBEF7A-3AA8-8F64-C7F5-0A6DC35EA22A}"/>
+              </a:ext>
+            </a:extLst>
+          </p:cNvPr>
+          <p:cNvSpPr/>
+          <p:nvPr/>
+        </p:nvSpPr>
+        <p:spPr>
+          <a:xfrm>
+            <a:off x="7159690" y="1394073"/>
+            <a:ext cx="81280" cy="2371608"/>
+          </a:xfrm>
+          <a:prstGeom prst="rect">
+            <a:avLst/>
+          </a:prstGeom>
+        </p:spPr>
+        <p:style>
+          <a:lnRef idx="2">
+            <a:schemeClr val="dk1">
+              <a:shade val="50000"/>
+            </a:schemeClr>
+          </a:lnRef>
+          <a:fillRef idx="1">
+            <a:schemeClr val="dk1"/>
+          </a:fillRef>
+          <a:effectRef idx="0">
+            <a:schemeClr val="dk1"/>
+          </a:effectRef>
+          <a:fontRef idx="minor">
+            <a:schemeClr val="lt1"/>
+          </a:fontRef>
+        </p:style>
+        <p:txBody>
+          <a:bodyPr rtlCol="0" anchor="ctr"/>
+          <a:lstStyle/>
+          <a:p>
+            <a:pPr algn="ctr"/>
+            <a:endParaRPr lang="en-ID"/>
+          </a:p>
+        </p:txBody>
+      </p:sp>
+      <p:sp>
+        <p:nvSpPr>
+          <p:cNvPr id="2" name="Rectangle 1">
+            <a:extLst>
+              <a:ext uri="{FF2B5EF4-FFF2-40B4-BE49-F238E27FC236}">
+                <a16:creationId xmlns:a16="http://schemas.microsoft.com/office/drawing/2014/main" id="{31EC2441-23C8-0888-CDA1-71EFC19A56A1}"/>
+              </a:ext>
+            </a:extLst>
+          </p:cNvPr>
+          <p:cNvSpPr/>
+          <p:nvPr/>
+        </p:nvSpPr>
+        <p:spPr>
+          <a:xfrm>
+            <a:off x="3738466" y="1397959"/>
+            <a:ext cx="81280" cy="2371608"/>
+          </a:xfrm>
+          <a:prstGeom prst="rect">
+            <a:avLst/>
+          </a:prstGeom>
+        </p:spPr>
+        <p:style>
+          <a:lnRef idx="2">
+            <a:schemeClr val="dk1">
+              <a:shade val="50000"/>
+            </a:schemeClr>
+          </a:lnRef>
+          <a:fillRef idx="1">
+            <a:schemeClr val="dk1"/>
+          </a:fillRef>
+          <a:effectRef idx="0">
+            <a:schemeClr val="dk1"/>
+          </a:effectRef>
+          <a:fontRef idx="minor">
+            <a:schemeClr val="lt1"/>
+          </a:fontRef>
+        </p:style>
+        <p:txBody>
+          <a:bodyPr rtlCol="0" anchor="ctr"/>
+          <a:lstStyle/>
+          <a:p>
+            <a:pPr algn="ctr"/>
+            <a:endParaRPr lang="en-ID"/>
+          </a:p>
+        </p:txBody>
+      </p:sp>
+      <p:sp>
+        <p:nvSpPr>
+          <p:cNvPr id="4" name="Subtitle 2">
+            <a:extLst>
+              <a:ext uri="{FF2B5EF4-FFF2-40B4-BE49-F238E27FC236}">
+                <a16:creationId xmlns:a16="http://schemas.microsoft.com/office/drawing/2014/main" id="{5659B892-E3DE-1ECE-4FAB-126CAAB68D63}"/>
+              </a:ext>
+            </a:extLst>
+          </p:cNvPr>
+          <p:cNvSpPr txBox="1">
+            <a:spLocks/>
+          </p:cNvSpPr>
+          <p:nvPr/>
+        </p:nvSpPr>
+        <p:spPr>
+          <a:xfrm>
+            <a:off x="8461594" y="1585076"/>
+            <a:ext cx="1715409" cy="379835"/>
+          </a:xfrm>
+          <a:prstGeom prst="rect">
+            <a:avLst/>
+          </a:prstGeom>
+          <a:ln w="12700">
+            <a:solidFill>
+              <a:schemeClr val="tx1"/>
+            </a:solidFill>
+          </a:ln>
+        </p:spPr>
+        <p:txBody>
+          <a:bodyPr vert="horz" lIns="91440" tIns="45720" rIns="91440" bIns="45720" rtlCol="0">
+            <a:noAutofit/>
+          </a:bodyPr>
+          <a:lstStyle>
+            <a:lvl1pPr marL="0" indent="0" algn="ctr" defTabSz="914400" rtl="0" eaLnBrk="1" latinLnBrk="0" hangingPunct="1">
+              <a:lnSpc>
+                <a:spcPct val="90000"/>
+              </a:lnSpc>
+              <a:spcBef>
+                <a:spcPts val="1000"/>
+              </a:spcBef>
+              <a:buFont typeface="Arial" panose="020B0604020202020204" pitchFamily="34" charset="0"/>
+              <a:buNone/>
+              <a:defRPr sz="2400" kern="1200">
+                <a:solidFill>
+                  <a:schemeClr val="tx1"/>
+                </a:solidFill>
+                <a:latin typeface="+mn-lt"/>
+                <a:ea typeface="+mn-ea"/>
+                <a:cs typeface="+mn-cs"/>
+              </a:defRPr>
+            </a:lvl1pPr>
+            <a:lvl2pPr marL="457200" indent="0" algn="ctr" defTabSz="914400" rtl="0" eaLnBrk="1" latinLnBrk="0" hangingPunct="1">
+              <a:lnSpc>
+                <a:spcPct val="90000"/>
+              </a:lnSpc>
+              <a:spcBef>
+                <a:spcPts val="500"/>
+              </a:spcBef>
+              <a:buFont typeface="Arial" panose="020B0604020202020204" pitchFamily="34" charset="0"/>
+              <a:buNone/>
+              <a:defRPr sz="2000" kern="1200">
+                <a:solidFill>
+                  <a:schemeClr val="tx1"/>
+                </a:solidFill>
+                <a:latin typeface="+mn-lt"/>
+                <a:ea typeface="+mn-ea"/>
+                <a:cs typeface="+mn-cs"/>
+              </a:defRPr>
+            </a:lvl2pPr>
+            <a:lvl3pPr marL="914400" indent="0" algn="ctr" defTabSz="914400" rtl="0" eaLnBrk="1" latinLnBrk="0" hangingPunct="1">
+              <a:lnSpc>
+                <a:spcPct val="90000"/>
+              </a:lnSpc>
+              <a:spcBef>
+                <a:spcPts val="500"/>
+              </a:spcBef>
+              <a:buFont typeface="Arial" panose="020B0604020202020204" pitchFamily="34" charset="0"/>
+              <a:buNone/>
+              <a:defRPr sz="1800" kern="1200">
+                <a:solidFill>
+                  <a:schemeClr val="tx1"/>
+                </a:solidFill>
+                <a:latin typeface="+mn-lt"/>
+                <a:ea typeface="+mn-ea"/>
+                <a:cs typeface="+mn-cs"/>
+              </a:defRPr>
+            </a:lvl3pPr>
+            <a:lvl4pPr marL="1371600" indent="0" algn="ctr" defTabSz="914400" rtl="0" eaLnBrk="1" latinLnBrk="0" hangingPunct="1">
+              <a:lnSpc>
+                <a:spcPct val="90000"/>
+              </a:lnSpc>
+              <a:spcBef>
+                <a:spcPts val="500"/>
+              </a:spcBef>
+              <a:buFont typeface="Arial" panose="020B0604020202020204" pitchFamily="34" charset="0"/>
+              <a:buNone/>
+              <a:defRPr sz="1600" kern="1200">
+                <a:solidFill>
+                  <a:schemeClr val="tx1"/>
+                </a:solidFill>
+                <a:latin typeface="+mn-lt"/>
+                <a:ea typeface="+mn-ea"/>
+                <a:cs typeface="+mn-cs"/>
+              </a:defRPr>
+            </a:lvl4pPr>
+            <a:lvl5pPr marL="1828800" indent="0" algn="ctr" defTabSz="914400" rtl="0" eaLnBrk="1" latinLnBrk="0" hangingPunct="1">
+              <a:lnSpc>
+                <a:spcPct val="90000"/>
+              </a:lnSpc>
+              <a:spcBef>
+                <a:spcPts val="500"/>
+              </a:spcBef>
+              <a:buFont typeface="Arial" panose="020B0604020202020204" pitchFamily="34" charset="0"/>
+              <a:buNone/>
+              <a:defRPr sz="1600" kern="1200">
+                <a:solidFill>
+                  <a:schemeClr val="tx1"/>
+                </a:solidFill>
+                <a:latin typeface="+mn-lt"/>
+                <a:ea typeface="+mn-ea"/>
+                <a:cs typeface="+mn-cs"/>
+              </a:defRPr>
+            </a:lvl5pPr>
+            <a:lvl6pPr marL="2286000" indent="0" algn="ctr" defTabSz="914400" rtl="0" eaLnBrk="1" latinLnBrk="0" hangingPunct="1">
+              <a:lnSpc>
+                <a:spcPct val="90000"/>
+              </a:lnSpc>
+              <a:spcBef>
+                <a:spcPts val="500"/>
+              </a:spcBef>
+              <a:buFont typeface="Arial" panose="020B0604020202020204" pitchFamily="34" charset="0"/>
+              <a:buNone/>
+              <a:defRPr sz="1600" kern="1200">
+                <a:solidFill>
+                  <a:schemeClr val="tx1"/>
+                </a:solidFill>
+                <a:latin typeface="+mn-lt"/>
+                <a:ea typeface="+mn-ea"/>
+                <a:cs typeface="+mn-cs"/>
+              </a:defRPr>
+            </a:lvl6pPr>
+            <a:lvl7pPr marL="2743200" indent="0" algn="ctr" defTabSz="914400" rtl="0" eaLnBrk="1" latinLnBrk="0" hangingPunct="1">
+              <a:lnSpc>
+                <a:spcPct val="90000"/>
+              </a:lnSpc>
+              <a:spcBef>
+                <a:spcPts val="500"/>
+              </a:spcBef>
+              <a:buFont typeface="Arial" panose="020B0604020202020204" pitchFamily="34" charset="0"/>
+              <a:buNone/>
+              <a:defRPr sz="1600" kern="1200">
+                <a:solidFill>
+                  <a:schemeClr val="tx1"/>
+                </a:solidFill>
+                <a:latin typeface="+mn-lt"/>
+                <a:ea typeface="+mn-ea"/>
+                <a:cs typeface="+mn-cs"/>
+              </a:defRPr>
+            </a:lvl7pPr>
+            <a:lvl8pPr marL="3200400" indent="0" algn="ctr" defTabSz="914400" rtl="0" eaLnBrk="1" latinLnBrk="0" hangingPunct="1">
+              <a:lnSpc>
+                <a:spcPct val="90000"/>
+              </a:lnSpc>
+              <a:spcBef>
+                <a:spcPts val="500"/>
+              </a:spcBef>
+              <a:buFont typeface="Arial" panose="020B0604020202020204" pitchFamily="34" charset="0"/>
+              <a:buNone/>
+              <a:defRPr sz="1600" kern="1200">
+                <a:solidFill>
+                  <a:schemeClr val="tx1"/>
+                </a:solidFill>
+                <a:latin typeface="+mn-lt"/>
+                <a:ea typeface="+mn-ea"/>
+                <a:cs typeface="+mn-cs"/>
+              </a:defRPr>
+            </a:lvl8pPr>
+            <a:lvl9pPr marL="3657600" indent="0" algn="ctr" defTabSz="914400" rtl="0" eaLnBrk="1" latinLnBrk="0" hangingPunct="1">
+              <a:lnSpc>
+                <a:spcPct val="90000"/>
+              </a:lnSpc>
+              <a:spcBef>
+                <a:spcPts val="500"/>
+              </a:spcBef>
+              <a:buFont typeface="Arial" panose="020B0604020202020204" pitchFamily="34" charset="0"/>
+              <a:buNone/>
+              <a:defRPr sz="1600" kern="1200">
+                <a:solidFill>
+                  <a:schemeClr val="tx1"/>
+                </a:solidFill>
+                <a:latin typeface="+mn-lt"/>
+                <a:ea typeface="+mn-ea"/>
+                <a:cs typeface="+mn-cs"/>
+              </a:defRPr>
+            </a:lvl9pPr>
+          </a:lstStyle>
+          <a:p>
+            <a:r>
+              <a:rPr lang="en-US" sz="2000" dirty="0" err="1"/>
+              <a:t>ViewModel</a:t>
+            </a:r>
+            <a:endParaRPr lang="en-ID" sz="2000" dirty="0"/>
+          </a:p>
+        </p:txBody>
+      </p:sp>
+      <p:sp>
+        <p:nvSpPr>
+          <p:cNvPr id="5" name="Subtitle 2">
+            <a:extLst>
+              <a:ext uri="{FF2B5EF4-FFF2-40B4-BE49-F238E27FC236}">
+                <a16:creationId xmlns:a16="http://schemas.microsoft.com/office/drawing/2014/main" id="{8485F2BA-AD6F-0E1C-6EBE-204A96DA7DFE}"/>
+              </a:ext>
+            </a:extLst>
+          </p:cNvPr>
+          <p:cNvSpPr txBox="1">
+            <a:spLocks/>
+          </p:cNvSpPr>
+          <p:nvPr/>
+        </p:nvSpPr>
+        <p:spPr>
+          <a:xfrm>
+            <a:off x="3441637" y="847528"/>
+            <a:ext cx="5320519" cy="379834"/>
+          </a:xfrm>
+          <a:prstGeom prst="rect">
+            <a:avLst/>
+          </a:prstGeom>
+        </p:spPr>
+        <p:txBody>
+          <a:bodyPr vert="horz" lIns="91440" tIns="45720" rIns="91440" bIns="45720" rtlCol="0">
+            <a:noAutofit/>
+          </a:bodyPr>
+          <a:lstStyle>
+            <a:lvl1pPr marL="0" indent="0" algn="ctr" defTabSz="914400" rtl="0" eaLnBrk="1" latinLnBrk="0" hangingPunct="1">
+              <a:lnSpc>
+                <a:spcPct val="90000"/>
+              </a:lnSpc>
+              <a:spcBef>
+                <a:spcPts val="1000"/>
+              </a:spcBef>
+              <a:buFont typeface="Arial" panose="020B0604020202020204" pitchFamily="34" charset="0"/>
+              <a:buNone/>
+              <a:defRPr sz="2400" kern="1200">
+                <a:solidFill>
+                  <a:schemeClr val="tx1"/>
+                </a:solidFill>
+                <a:latin typeface="+mn-lt"/>
+                <a:ea typeface="+mn-ea"/>
+                <a:cs typeface="+mn-cs"/>
+              </a:defRPr>
+            </a:lvl1pPr>
+            <a:lvl2pPr marL="457200" indent="0" algn="ctr" defTabSz="914400" rtl="0" eaLnBrk="1" latinLnBrk="0" hangingPunct="1">
+              <a:lnSpc>
+                <a:spcPct val="90000"/>
+              </a:lnSpc>
+              <a:spcBef>
+                <a:spcPts val="500"/>
+              </a:spcBef>
+              <a:buFont typeface="Arial" panose="020B0604020202020204" pitchFamily="34" charset="0"/>
+              <a:buNone/>
+              <a:defRPr sz="2000" kern="1200">
+                <a:solidFill>
+                  <a:schemeClr val="tx1"/>
+                </a:solidFill>
+                <a:latin typeface="+mn-lt"/>
+                <a:ea typeface="+mn-ea"/>
+                <a:cs typeface="+mn-cs"/>
+              </a:defRPr>
+            </a:lvl2pPr>
+            <a:lvl3pPr marL="914400" indent="0" algn="ctr" defTabSz="914400" rtl="0" eaLnBrk="1" latinLnBrk="0" hangingPunct="1">
+              <a:lnSpc>
+                <a:spcPct val="90000"/>
+              </a:lnSpc>
+              <a:spcBef>
+                <a:spcPts val="500"/>
+              </a:spcBef>
+              <a:buFont typeface="Arial" panose="020B0604020202020204" pitchFamily="34" charset="0"/>
+              <a:buNone/>
+              <a:defRPr sz="1800" kern="1200">
+                <a:solidFill>
+                  <a:schemeClr val="tx1"/>
+                </a:solidFill>
+                <a:latin typeface="+mn-lt"/>
+                <a:ea typeface="+mn-ea"/>
+                <a:cs typeface="+mn-cs"/>
+              </a:defRPr>
+            </a:lvl3pPr>
+            <a:lvl4pPr marL="1371600" indent="0" algn="ctr" defTabSz="914400" rtl="0" eaLnBrk="1" latinLnBrk="0" hangingPunct="1">
+              <a:lnSpc>
+                <a:spcPct val="90000"/>
+              </a:lnSpc>
+              <a:spcBef>
+                <a:spcPts val="500"/>
+              </a:spcBef>
+              <a:buFont typeface="Arial" panose="020B0604020202020204" pitchFamily="34" charset="0"/>
+              <a:buNone/>
+              <a:defRPr sz="1600" kern="1200">
+                <a:solidFill>
+                  <a:schemeClr val="tx1"/>
+                </a:solidFill>
+                <a:latin typeface="+mn-lt"/>
+                <a:ea typeface="+mn-ea"/>
+                <a:cs typeface="+mn-cs"/>
+              </a:defRPr>
+            </a:lvl4pPr>
+            <a:lvl5pPr marL="1828800" indent="0" algn="ctr" defTabSz="914400" rtl="0" eaLnBrk="1" latinLnBrk="0" hangingPunct="1">
+              <a:lnSpc>
+                <a:spcPct val="90000"/>
+              </a:lnSpc>
+              <a:spcBef>
+                <a:spcPts val="500"/>
+              </a:spcBef>
+              <a:buFont typeface="Arial" panose="020B0604020202020204" pitchFamily="34" charset="0"/>
+              <a:buNone/>
+              <a:defRPr sz="1600" kern="1200">
+                <a:solidFill>
+                  <a:schemeClr val="tx1"/>
+                </a:solidFill>
+                <a:latin typeface="+mn-lt"/>
+                <a:ea typeface="+mn-ea"/>
+                <a:cs typeface="+mn-cs"/>
+              </a:defRPr>
+            </a:lvl5pPr>
+            <a:lvl6pPr marL="2286000" indent="0" algn="ctr" defTabSz="914400" rtl="0" eaLnBrk="1" latinLnBrk="0" hangingPunct="1">
+              <a:lnSpc>
+                <a:spcPct val="90000"/>
+              </a:lnSpc>
+              <a:spcBef>
+                <a:spcPts val="500"/>
+              </a:spcBef>
+              <a:buFont typeface="Arial" panose="020B0604020202020204" pitchFamily="34" charset="0"/>
+              <a:buNone/>
+              <a:defRPr sz="1600" kern="1200">
+                <a:solidFill>
+                  <a:schemeClr val="tx1"/>
+                </a:solidFill>
+                <a:latin typeface="+mn-lt"/>
+                <a:ea typeface="+mn-ea"/>
+                <a:cs typeface="+mn-cs"/>
+              </a:defRPr>
+            </a:lvl6pPr>
+            <a:lvl7pPr marL="2743200" indent="0" algn="ctr" defTabSz="914400" rtl="0" eaLnBrk="1" latinLnBrk="0" hangingPunct="1">
+              <a:lnSpc>
+                <a:spcPct val="90000"/>
+              </a:lnSpc>
+              <a:spcBef>
+                <a:spcPts val="500"/>
+              </a:spcBef>
+              <a:buFont typeface="Arial" panose="020B0604020202020204" pitchFamily="34" charset="0"/>
+              <a:buNone/>
+              <a:defRPr sz="1600" kern="1200">
+                <a:solidFill>
+                  <a:schemeClr val="tx1"/>
+                </a:solidFill>
+                <a:latin typeface="+mn-lt"/>
+                <a:ea typeface="+mn-ea"/>
+                <a:cs typeface="+mn-cs"/>
+              </a:defRPr>
+            </a:lvl7pPr>
+            <a:lvl8pPr marL="3200400" indent="0" algn="ctr" defTabSz="914400" rtl="0" eaLnBrk="1" latinLnBrk="0" hangingPunct="1">
+              <a:lnSpc>
+                <a:spcPct val="90000"/>
+              </a:lnSpc>
+              <a:spcBef>
+                <a:spcPts val="500"/>
+              </a:spcBef>
+              <a:buFont typeface="Arial" panose="020B0604020202020204" pitchFamily="34" charset="0"/>
+              <a:buNone/>
+              <a:defRPr sz="1600" kern="1200">
+                <a:solidFill>
+                  <a:schemeClr val="tx1"/>
+                </a:solidFill>
+                <a:latin typeface="+mn-lt"/>
+                <a:ea typeface="+mn-ea"/>
+                <a:cs typeface="+mn-cs"/>
+              </a:defRPr>
+            </a:lvl8pPr>
+            <a:lvl9pPr marL="3657600" indent="0" algn="ctr" defTabSz="914400" rtl="0" eaLnBrk="1" latinLnBrk="0" hangingPunct="1">
+              <a:lnSpc>
+                <a:spcPct val="90000"/>
+              </a:lnSpc>
+              <a:spcBef>
+                <a:spcPts val="500"/>
+              </a:spcBef>
+              <a:buFont typeface="Arial" panose="020B0604020202020204" pitchFamily="34" charset="0"/>
+              <a:buNone/>
+              <a:defRPr sz="1600" kern="1200">
+                <a:solidFill>
+                  <a:schemeClr val="tx1"/>
+                </a:solidFill>
+                <a:latin typeface="+mn-lt"/>
+                <a:ea typeface="+mn-ea"/>
+                <a:cs typeface="+mn-cs"/>
+              </a:defRPr>
+            </a:lvl9pPr>
+          </a:lstStyle>
+          <a:p>
+            <a:r>
+              <a:rPr lang="en-US" sz="1600" dirty="0" err="1"/>
+              <a:t>Pemisahan</a:t>
+            </a:r>
+            <a:r>
+              <a:rPr lang="en-US" sz="1600" dirty="0"/>
+              <a:t> </a:t>
+            </a:r>
+            <a:r>
+              <a:rPr lang="en-US" sz="1600" dirty="0" err="1"/>
+              <a:t>logika</a:t>
+            </a:r>
+            <a:r>
+              <a:rPr lang="en-US" sz="1600" dirty="0"/>
+              <a:t> dan </a:t>
+            </a:r>
+            <a:r>
+              <a:rPr lang="en-US" sz="1600" dirty="0" err="1"/>
+              <a:t>tampilan</a:t>
+            </a:r>
+            <a:r>
+              <a:rPr lang="en-US" sz="1600" dirty="0"/>
+              <a:t> </a:t>
+            </a:r>
+            <a:r>
+              <a:rPr lang="en-US" sz="1600" dirty="0" err="1"/>
+              <a:t>aplikasi</a:t>
+            </a:r>
+            <a:endParaRPr lang="en-ID" sz="1600" dirty="0"/>
+          </a:p>
+        </p:txBody>
+      </p:sp>
+      <p:sp>
+        <p:nvSpPr>
+          <p:cNvPr id="6" name="Subtitle 2">
+            <a:extLst>
+              <a:ext uri="{FF2B5EF4-FFF2-40B4-BE49-F238E27FC236}">
+                <a16:creationId xmlns:a16="http://schemas.microsoft.com/office/drawing/2014/main" id="{019C0047-0910-BFE5-E149-F2C0B2C33E70}"/>
+              </a:ext>
+            </a:extLst>
+          </p:cNvPr>
+          <p:cNvSpPr txBox="1">
+            <a:spLocks/>
+          </p:cNvSpPr>
+          <p:nvPr/>
+        </p:nvSpPr>
+        <p:spPr>
+          <a:xfrm>
+            <a:off x="434438" y="2240899"/>
+            <a:ext cx="3354621" cy="379834"/>
+          </a:xfrm>
+          <a:prstGeom prst="rect">
+            <a:avLst/>
+          </a:prstGeom>
+        </p:spPr>
+        <p:txBody>
+          <a:bodyPr vert="horz" lIns="91440" tIns="45720" rIns="91440" bIns="45720" rtlCol="0">
+            <a:noAutofit/>
+          </a:bodyPr>
+          <a:lstStyle>
+            <a:lvl1pPr marL="0" indent="0" algn="ctr" defTabSz="914400" rtl="0" eaLnBrk="1" latinLnBrk="0" hangingPunct="1">
+              <a:lnSpc>
+                <a:spcPct val="90000"/>
+              </a:lnSpc>
+              <a:spcBef>
+                <a:spcPts val="1000"/>
+              </a:spcBef>
+              <a:buFont typeface="Arial" panose="020B0604020202020204" pitchFamily="34" charset="0"/>
+              <a:buNone/>
+              <a:defRPr sz="2400" kern="1200">
+                <a:solidFill>
+                  <a:schemeClr val="tx1"/>
+                </a:solidFill>
+                <a:latin typeface="+mn-lt"/>
+                <a:ea typeface="+mn-ea"/>
+                <a:cs typeface="+mn-cs"/>
+              </a:defRPr>
+            </a:lvl1pPr>
+            <a:lvl2pPr marL="457200" indent="0" algn="ctr" defTabSz="914400" rtl="0" eaLnBrk="1" latinLnBrk="0" hangingPunct="1">
+              <a:lnSpc>
+                <a:spcPct val="90000"/>
+              </a:lnSpc>
+              <a:spcBef>
+                <a:spcPts val="500"/>
+              </a:spcBef>
+              <a:buFont typeface="Arial" panose="020B0604020202020204" pitchFamily="34" charset="0"/>
+              <a:buNone/>
+              <a:defRPr sz="2000" kern="1200">
+                <a:solidFill>
+                  <a:schemeClr val="tx1"/>
+                </a:solidFill>
+                <a:latin typeface="+mn-lt"/>
+                <a:ea typeface="+mn-ea"/>
+                <a:cs typeface="+mn-cs"/>
+              </a:defRPr>
+            </a:lvl2pPr>
+            <a:lvl3pPr marL="914400" indent="0" algn="ctr" defTabSz="914400" rtl="0" eaLnBrk="1" latinLnBrk="0" hangingPunct="1">
+              <a:lnSpc>
+                <a:spcPct val="90000"/>
+              </a:lnSpc>
+              <a:spcBef>
+                <a:spcPts val="500"/>
+              </a:spcBef>
+              <a:buFont typeface="Arial" panose="020B0604020202020204" pitchFamily="34" charset="0"/>
+              <a:buNone/>
+              <a:defRPr sz="1800" kern="1200">
+                <a:solidFill>
+                  <a:schemeClr val="tx1"/>
+                </a:solidFill>
+                <a:latin typeface="+mn-lt"/>
+                <a:ea typeface="+mn-ea"/>
+                <a:cs typeface="+mn-cs"/>
+              </a:defRPr>
+            </a:lvl3pPr>
+            <a:lvl4pPr marL="1371600" indent="0" algn="ctr" defTabSz="914400" rtl="0" eaLnBrk="1" latinLnBrk="0" hangingPunct="1">
+              <a:lnSpc>
+                <a:spcPct val="90000"/>
+              </a:lnSpc>
+              <a:spcBef>
+                <a:spcPts val="500"/>
+              </a:spcBef>
+              <a:buFont typeface="Arial" panose="020B0604020202020204" pitchFamily="34" charset="0"/>
+              <a:buNone/>
+              <a:defRPr sz="1600" kern="1200">
+                <a:solidFill>
+                  <a:schemeClr val="tx1"/>
+                </a:solidFill>
+                <a:latin typeface="+mn-lt"/>
+                <a:ea typeface="+mn-ea"/>
+                <a:cs typeface="+mn-cs"/>
+              </a:defRPr>
+            </a:lvl4pPr>
+            <a:lvl5pPr marL="1828800" indent="0" algn="ctr" defTabSz="914400" rtl="0" eaLnBrk="1" latinLnBrk="0" hangingPunct="1">
+              <a:lnSpc>
+                <a:spcPct val="90000"/>
+              </a:lnSpc>
+              <a:spcBef>
+                <a:spcPts val="500"/>
+              </a:spcBef>
+              <a:buFont typeface="Arial" panose="020B0604020202020204" pitchFamily="34" charset="0"/>
+              <a:buNone/>
+              <a:defRPr sz="1600" kern="1200">
+                <a:solidFill>
+                  <a:schemeClr val="tx1"/>
+                </a:solidFill>
+                <a:latin typeface="+mn-lt"/>
+                <a:ea typeface="+mn-ea"/>
+                <a:cs typeface="+mn-cs"/>
+              </a:defRPr>
+            </a:lvl5pPr>
+            <a:lvl6pPr marL="2286000" indent="0" algn="ctr" defTabSz="914400" rtl="0" eaLnBrk="1" latinLnBrk="0" hangingPunct="1">
+              <a:lnSpc>
+                <a:spcPct val="90000"/>
+              </a:lnSpc>
+              <a:spcBef>
+                <a:spcPts val="500"/>
+              </a:spcBef>
+              <a:buFont typeface="Arial" panose="020B0604020202020204" pitchFamily="34" charset="0"/>
+              <a:buNone/>
+              <a:defRPr sz="1600" kern="1200">
+                <a:solidFill>
+                  <a:schemeClr val="tx1"/>
+                </a:solidFill>
+                <a:latin typeface="+mn-lt"/>
+                <a:ea typeface="+mn-ea"/>
+                <a:cs typeface="+mn-cs"/>
+              </a:defRPr>
+            </a:lvl6pPr>
+            <a:lvl7pPr marL="2743200" indent="0" algn="ctr" defTabSz="914400" rtl="0" eaLnBrk="1" latinLnBrk="0" hangingPunct="1">
+              <a:lnSpc>
+                <a:spcPct val="90000"/>
+              </a:lnSpc>
+              <a:spcBef>
+                <a:spcPts val="500"/>
+              </a:spcBef>
+              <a:buFont typeface="Arial" panose="020B0604020202020204" pitchFamily="34" charset="0"/>
+              <a:buNone/>
+              <a:defRPr sz="1600" kern="1200">
+                <a:solidFill>
+                  <a:schemeClr val="tx1"/>
+                </a:solidFill>
+                <a:latin typeface="+mn-lt"/>
+                <a:ea typeface="+mn-ea"/>
+                <a:cs typeface="+mn-cs"/>
+              </a:defRPr>
+            </a:lvl7pPr>
+            <a:lvl8pPr marL="3200400" indent="0" algn="ctr" defTabSz="914400" rtl="0" eaLnBrk="1" latinLnBrk="0" hangingPunct="1">
+              <a:lnSpc>
+                <a:spcPct val="90000"/>
+              </a:lnSpc>
+              <a:spcBef>
+                <a:spcPts val="500"/>
+              </a:spcBef>
+              <a:buFont typeface="Arial" panose="020B0604020202020204" pitchFamily="34" charset="0"/>
+              <a:buNone/>
+              <a:defRPr sz="1600" kern="1200">
+                <a:solidFill>
+                  <a:schemeClr val="tx1"/>
+                </a:solidFill>
+                <a:latin typeface="+mn-lt"/>
+                <a:ea typeface="+mn-ea"/>
+                <a:cs typeface="+mn-cs"/>
+              </a:defRPr>
+            </a:lvl8pPr>
+            <a:lvl9pPr marL="3657600" indent="0" algn="ctr" defTabSz="914400" rtl="0" eaLnBrk="1" latinLnBrk="0" hangingPunct="1">
+              <a:lnSpc>
+                <a:spcPct val="90000"/>
+              </a:lnSpc>
+              <a:spcBef>
+                <a:spcPts val="500"/>
+              </a:spcBef>
+              <a:buFont typeface="Arial" panose="020B0604020202020204" pitchFamily="34" charset="0"/>
+              <a:buNone/>
+              <a:defRPr sz="1600" kern="1200">
+                <a:solidFill>
+                  <a:schemeClr val="tx1"/>
+                </a:solidFill>
+                <a:latin typeface="+mn-lt"/>
+                <a:ea typeface="+mn-ea"/>
+                <a:cs typeface="+mn-cs"/>
+              </a:defRPr>
+            </a:lvl9pPr>
+          </a:lstStyle>
+          <a:p>
+            <a:pPr marL="285750" indent="-285750" algn="just">
+              <a:buFont typeface="Arial" panose="020B0604020202020204" pitchFamily="34" charset="0"/>
+              <a:buChar char="•"/>
+            </a:pPr>
+            <a:r>
+              <a:rPr lang="en-US" sz="1600" dirty="0" err="1"/>
+              <a:t>Representasi</a:t>
+            </a:r>
+            <a:r>
+              <a:rPr lang="en-US" sz="1600" dirty="0"/>
+              <a:t> data (</a:t>
+            </a:r>
+            <a:r>
+              <a:rPr lang="en-US" sz="1600" dirty="0" err="1"/>
+              <a:t>entitas</a:t>
+            </a:r>
+            <a:r>
+              <a:rPr lang="en-US" sz="1600" dirty="0"/>
+              <a:t>) yang </a:t>
+            </a:r>
+            <a:r>
+              <a:rPr lang="en-US" sz="1600" dirty="0" err="1"/>
+              <a:t>digunakan</a:t>
+            </a:r>
+            <a:r>
+              <a:rPr lang="en-US" sz="1600" dirty="0"/>
+              <a:t> </a:t>
+            </a:r>
+            <a:r>
+              <a:rPr lang="en-US" sz="1600" dirty="0" err="1"/>
+              <a:t>untuk</a:t>
+            </a:r>
+            <a:r>
+              <a:rPr lang="en-US" sz="1600" dirty="0"/>
+              <a:t> logic</a:t>
+            </a:r>
+          </a:p>
+          <a:p>
+            <a:pPr marL="285750" indent="-285750" algn="just">
+              <a:buFont typeface="Arial" panose="020B0604020202020204" pitchFamily="34" charset="0"/>
+              <a:buChar char="•"/>
+            </a:pPr>
+            <a:r>
+              <a:rPr lang="en-US" sz="1600" dirty="0" err="1"/>
+              <a:t>Biasanya</a:t>
+            </a:r>
+            <a:r>
+              <a:rPr lang="en-US" sz="1600" dirty="0"/>
+              <a:t> </a:t>
+            </a:r>
+            <a:r>
+              <a:rPr lang="en-US" sz="1600" dirty="0" err="1"/>
+              <a:t>terdiri</a:t>
+            </a:r>
+            <a:r>
+              <a:rPr lang="en-US" sz="1600" dirty="0"/>
+              <a:t> </a:t>
+            </a:r>
+            <a:r>
+              <a:rPr lang="en-US" sz="1600" dirty="0" err="1"/>
+              <a:t>dari</a:t>
+            </a:r>
+            <a:r>
+              <a:rPr lang="en-US" sz="1600" dirty="0"/>
+              <a:t> data class pada </a:t>
+            </a:r>
+            <a:r>
+              <a:rPr lang="en-US" sz="1600" dirty="0" err="1"/>
+              <a:t>kotlin</a:t>
+            </a:r>
+            <a:endParaRPr lang="en-ID" sz="1600" dirty="0"/>
+          </a:p>
+        </p:txBody>
+      </p:sp>
+      <p:sp>
+        <p:nvSpPr>
+          <p:cNvPr id="7" name="Subtitle 2">
+            <a:extLst>
+              <a:ext uri="{FF2B5EF4-FFF2-40B4-BE49-F238E27FC236}">
+                <a16:creationId xmlns:a16="http://schemas.microsoft.com/office/drawing/2014/main" id="{511FC919-EBFC-1FBD-FBB2-7F68F23C2ECC}"/>
+              </a:ext>
+            </a:extLst>
+          </p:cNvPr>
+          <p:cNvSpPr txBox="1">
+            <a:spLocks/>
+          </p:cNvSpPr>
+          <p:nvPr/>
+        </p:nvSpPr>
+        <p:spPr>
+          <a:xfrm>
+            <a:off x="4061836" y="2251781"/>
+            <a:ext cx="2847703" cy="379834"/>
+          </a:xfrm>
+          <a:prstGeom prst="rect">
+            <a:avLst/>
+          </a:prstGeom>
+        </p:spPr>
+        <p:txBody>
+          <a:bodyPr vert="horz" lIns="91440" tIns="45720" rIns="91440" bIns="45720" rtlCol="0">
+            <a:noAutofit/>
+          </a:bodyPr>
+          <a:lstStyle>
+            <a:lvl1pPr marL="0" indent="0" algn="ctr" defTabSz="914400" rtl="0" eaLnBrk="1" latinLnBrk="0" hangingPunct="1">
+              <a:lnSpc>
+                <a:spcPct val="90000"/>
+              </a:lnSpc>
+              <a:spcBef>
+                <a:spcPts val="1000"/>
+              </a:spcBef>
+              <a:buFont typeface="Arial" panose="020B0604020202020204" pitchFamily="34" charset="0"/>
+              <a:buNone/>
+              <a:defRPr sz="2400" kern="1200">
+                <a:solidFill>
+                  <a:schemeClr val="tx1"/>
+                </a:solidFill>
+                <a:latin typeface="+mn-lt"/>
+                <a:ea typeface="+mn-ea"/>
+                <a:cs typeface="+mn-cs"/>
+              </a:defRPr>
+            </a:lvl1pPr>
+            <a:lvl2pPr marL="457200" indent="0" algn="ctr" defTabSz="914400" rtl="0" eaLnBrk="1" latinLnBrk="0" hangingPunct="1">
+              <a:lnSpc>
+                <a:spcPct val="90000"/>
+              </a:lnSpc>
+              <a:spcBef>
+                <a:spcPts val="500"/>
+              </a:spcBef>
+              <a:buFont typeface="Arial" panose="020B0604020202020204" pitchFamily="34" charset="0"/>
+              <a:buNone/>
+              <a:defRPr sz="2000" kern="1200">
+                <a:solidFill>
+                  <a:schemeClr val="tx1"/>
+                </a:solidFill>
+                <a:latin typeface="+mn-lt"/>
+                <a:ea typeface="+mn-ea"/>
+                <a:cs typeface="+mn-cs"/>
+              </a:defRPr>
+            </a:lvl2pPr>
+            <a:lvl3pPr marL="914400" indent="0" algn="ctr" defTabSz="914400" rtl="0" eaLnBrk="1" latinLnBrk="0" hangingPunct="1">
+              <a:lnSpc>
+                <a:spcPct val="90000"/>
+              </a:lnSpc>
+              <a:spcBef>
+                <a:spcPts val="500"/>
+              </a:spcBef>
+              <a:buFont typeface="Arial" panose="020B0604020202020204" pitchFamily="34" charset="0"/>
+              <a:buNone/>
+              <a:defRPr sz="1800" kern="1200">
+                <a:solidFill>
+                  <a:schemeClr val="tx1"/>
+                </a:solidFill>
+                <a:latin typeface="+mn-lt"/>
+                <a:ea typeface="+mn-ea"/>
+                <a:cs typeface="+mn-cs"/>
+              </a:defRPr>
+            </a:lvl3pPr>
+            <a:lvl4pPr marL="1371600" indent="0" algn="ctr" defTabSz="914400" rtl="0" eaLnBrk="1" latinLnBrk="0" hangingPunct="1">
+              <a:lnSpc>
+                <a:spcPct val="90000"/>
+              </a:lnSpc>
+              <a:spcBef>
+                <a:spcPts val="500"/>
+              </a:spcBef>
+              <a:buFont typeface="Arial" panose="020B0604020202020204" pitchFamily="34" charset="0"/>
+              <a:buNone/>
+              <a:defRPr sz="1600" kern="1200">
+                <a:solidFill>
+                  <a:schemeClr val="tx1"/>
+                </a:solidFill>
+                <a:latin typeface="+mn-lt"/>
+                <a:ea typeface="+mn-ea"/>
+                <a:cs typeface="+mn-cs"/>
+              </a:defRPr>
+            </a:lvl4pPr>
+            <a:lvl5pPr marL="1828800" indent="0" algn="ctr" defTabSz="914400" rtl="0" eaLnBrk="1" latinLnBrk="0" hangingPunct="1">
+              <a:lnSpc>
+                <a:spcPct val="90000"/>
+              </a:lnSpc>
+              <a:spcBef>
+                <a:spcPts val="500"/>
+              </a:spcBef>
+              <a:buFont typeface="Arial" panose="020B0604020202020204" pitchFamily="34" charset="0"/>
+              <a:buNone/>
+              <a:defRPr sz="1600" kern="1200">
+                <a:solidFill>
+                  <a:schemeClr val="tx1"/>
+                </a:solidFill>
+                <a:latin typeface="+mn-lt"/>
+                <a:ea typeface="+mn-ea"/>
+                <a:cs typeface="+mn-cs"/>
+              </a:defRPr>
+            </a:lvl5pPr>
+            <a:lvl6pPr marL="2286000" indent="0" algn="ctr" defTabSz="914400" rtl="0" eaLnBrk="1" latinLnBrk="0" hangingPunct="1">
+              <a:lnSpc>
+                <a:spcPct val="90000"/>
+              </a:lnSpc>
+              <a:spcBef>
+                <a:spcPts val="500"/>
+              </a:spcBef>
+              <a:buFont typeface="Arial" panose="020B0604020202020204" pitchFamily="34" charset="0"/>
+              <a:buNone/>
+              <a:defRPr sz="1600" kern="1200">
+                <a:solidFill>
+                  <a:schemeClr val="tx1"/>
+                </a:solidFill>
+                <a:latin typeface="+mn-lt"/>
+                <a:ea typeface="+mn-ea"/>
+                <a:cs typeface="+mn-cs"/>
+              </a:defRPr>
+            </a:lvl6pPr>
+            <a:lvl7pPr marL="2743200" indent="0" algn="ctr" defTabSz="914400" rtl="0" eaLnBrk="1" latinLnBrk="0" hangingPunct="1">
+              <a:lnSpc>
+                <a:spcPct val="90000"/>
+              </a:lnSpc>
+              <a:spcBef>
+                <a:spcPts val="500"/>
+              </a:spcBef>
+              <a:buFont typeface="Arial" panose="020B0604020202020204" pitchFamily="34" charset="0"/>
+              <a:buNone/>
+              <a:defRPr sz="1600" kern="1200">
+                <a:solidFill>
+                  <a:schemeClr val="tx1"/>
+                </a:solidFill>
+                <a:latin typeface="+mn-lt"/>
+                <a:ea typeface="+mn-ea"/>
+                <a:cs typeface="+mn-cs"/>
+              </a:defRPr>
+            </a:lvl7pPr>
+            <a:lvl8pPr marL="3200400" indent="0" algn="ctr" defTabSz="914400" rtl="0" eaLnBrk="1" latinLnBrk="0" hangingPunct="1">
+              <a:lnSpc>
+                <a:spcPct val="90000"/>
+              </a:lnSpc>
+              <a:spcBef>
+                <a:spcPts val="500"/>
+              </a:spcBef>
+              <a:buFont typeface="Arial" panose="020B0604020202020204" pitchFamily="34" charset="0"/>
+              <a:buNone/>
+              <a:defRPr sz="1600" kern="1200">
+                <a:solidFill>
+                  <a:schemeClr val="tx1"/>
+                </a:solidFill>
+                <a:latin typeface="+mn-lt"/>
+                <a:ea typeface="+mn-ea"/>
+                <a:cs typeface="+mn-cs"/>
+              </a:defRPr>
+            </a:lvl8pPr>
+            <a:lvl9pPr marL="3657600" indent="0" algn="ctr" defTabSz="914400" rtl="0" eaLnBrk="1" latinLnBrk="0" hangingPunct="1">
+              <a:lnSpc>
+                <a:spcPct val="90000"/>
+              </a:lnSpc>
+              <a:spcBef>
+                <a:spcPts val="500"/>
+              </a:spcBef>
+              <a:buFont typeface="Arial" panose="020B0604020202020204" pitchFamily="34" charset="0"/>
+              <a:buNone/>
+              <a:defRPr sz="1600" kern="1200">
+                <a:solidFill>
+                  <a:schemeClr val="tx1"/>
+                </a:solidFill>
+                <a:latin typeface="+mn-lt"/>
+                <a:ea typeface="+mn-ea"/>
+                <a:cs typeface="+mn-cs"/>
+              </a:defRPr>
+            </a:lvl9pPr>
+          </a:lstStyle>
+          <a:p>
+            <a:pPr marL="285750" indent="-285750" algn="just">
+              <a:buFont typeface="Arial" panose="020B0604020202020204" pitchFamily="34" charset="0"/>
+              <a:buChar char="•"/>
+            </a:pPr>
+            <a:r>
+              <a:rPr lang="en-US" sz="1600" dirty="0" err="1"/>
+              <a:t>Berisikan</a:t>
+            </a:r>
+            <a:r>
+              <a:rPr lang="en-US" sz="1600" dirty="0"/>
+              <a:t> UI </a:t>
+            </a:r>
+            <a:r>
+              <a:rPr lang="en-US" sz="1600" dirty="0" err="1"/>
+              <a:t>dari</a:t>
+            </a:r>
+            <a:r>
+              <a:rPr lang="en-US" sz="1600" dirty="0"/>
+              <a:t> </a:t>
+            </a:r>
+            <a:r>
+              <a:rPr lang="en-US" sz="1600" dirty="0" err="1"/>
+              <a:t>aplikasi</a:t>
+            </a:r>
+            <a:endParaRPr lang="en-US" sz="1600" dirty="0"/>
+          </a:p>
+          <a:p>
+            <a:pPr marL="285750" indent="-285750" algn="just">
+              <a:buFont typeface="Arial" panose="020B0604020202020204" pitchFamily="34" charset="0"/>
+              <a:buChar char="•"/>
+            </a:pPr>
+            <a:r>
+              <a:rPr lang="en-US" sz="1600" dirty="0" err="1"/>
+              <a:t>Mengatur</a:t>
+            </a:r>
+            <a:r>
+              <a:rPr lang="en-US" sz="1600" dirty="0"/>
+              <a:t> </a:t>
+            </a:r>
+            <a:r>
+              <a:rPr lang="en-US" sz="1600" dirty="0" err="1"/>
+              <a:t>bagaimana</a:t>
+            </a:r>
+            <a:r>
+              <a:rPr lang="en-US" sz="1600" dirty="0"/>
+              <a:t> </a:t>
+            </a:r>
+            <a:r>
+              <a:rPr lang="en-US" sz="1600" dirty="0" err="1"/>
+              <a:t>informasi</a:t>
+            </a:r>
+            <a:r>
+              <a:rPr lang="en-US" sz="1600" dirty="0"/>
+              <a:t> </a:t>
+            </a:r>
+            <a:r>
+              <a:rPr lang="en-US" sz="1600" dirty="0" err="1"/>
+              <a:t>akan</a:t>
+            </a:r>
+            <a:r>
+              <a:rPr lang="en-US" sz="1600" dirty="0"/>
+              <a:t> </a:t>
+            </a:r>
+            <a:r>
+              <a:rPr lang="en-US" sz="1600" dirty="0" err="1"/>
+              <a:t>ditampilkan</a:t>
+            </a:r>
+            <a:r>
+              <a:rPr lang="en-US" sz="1600" dirty="0"/>
+              <a:t> </a:t>
+            </a:r>
+            <a:endParaRPr lang="en-ID" sz="1600" dirty="0"/>
+          </a:p>
+        </p:txBody>
+      </p:sp>
+      <p:sp>
+        <p:nvSpPr>
+          <p:cNvPr id="8" name="Subtitle 2">
+            <a:extLst>
+              <a:ext uri="{FF2B5EF4-FFF2-40B4-BE49-F238E27FC236}">
+                <a16:creationId xmlns:a16="http://schemas.microsoft.com/office/drawing/2014/main" id="{DFD6E947-308A-18B0-6E86-3F0EFF38854E}"/>
+              </a:ext>
+            </a:extLst>
+          </p:cNvPr>
+          <p:cNvSpPr txBox="1">
+            <a:spLocks/>
+          </p:cNvSpPr>
+          <p:nvPr/>
+        </p:nvSpPr>
+        <p:spPr>
+          <a:xfrm>
+            <a:off x="7477446" y="2240899"/>
+            <a:ext cx="3354621" cy="379834"/>
+          </a:xfrm>
+          <a:prstGeom prst="rect">
+            <a:avLst/>
+          </a:prstGeom>
+        </p:spPr>
+        <p:txBody>
+          <a:bodyPr vert="horz" lIns="91440" tIns="45720" rIns="91440" bIns="45720" rtlCol="0">
+            <a:noAutofit/>
+          </a:bodyPr>
+          <a:lstStyle>
+            <a:lvl1pPr marL="0" indent="0" algn="ctr" defTabSz="914400" rtl="0" eaLnBrk="1" latinLnBrk="0" hangingPunct="1">
+              <a:lnSpc>
+                <a:spcPct val="90000"/>
+              </a:lnSpc>
+              <a:spcBef>
+                <a:spcPts val="1000"/>
+              </a:spcBef>
+              <a:buFont typeface="Arial" panose="020B0604020202020204" pitchFamily="34" charset="0"/>
+              <a:buNone/>
+              <a:defRPr sz="2400" kern="1200">
+                <a:solidFill>
+                  <a:schemeClr val="tx1"/>
+                </a:solidFill>
+                <a:latin typeface="+mn-lt"/>
+                <a:ea typeface="+mn-ea"/>
+                <a:cs typeface="+mn-cs"/>
+              </a:defRPr>
+            </a:lvl1pPr>
+            <a:lvl2pPr marL="457200" indent="0" algn="ctr" defTabSz="914400" rtl="0" eaLnBrk="1" latinLnBrk="0" hangingPunct="1">
+              <a:lnSpc>
+                <a:spcPct val="90000"/>
+              </a:lnSpc>
+              <a:spcBef>
+                <a:spcPts val="500"/>
+              </a:spcBef>
+              <a:buFont typeface="Arial" panose="020B0604020202020204" pitchFamily="34" charset="0"/>
+              <a:buNone/>
+              <a:defRPr sz="2000" kern="1200">
+                <a:solidFill>
+                  <a:schemeClr val="tx1"/>
+                </a:solidFill>
+                <a:latin typeface="+mn-lt"/>
+                <a:ea typeface="+mn-ea"/>
+                <a:cs typeface="+mn-cs"/>
+              </a:defRPr>
+            </a:lvl2pPr>
+            <a:lvl3pPr marL="914400" indent="0" algn="ctr" defTabSz="914400" rtl="0" eaLnBrk="1" latinLnBrk="0" hangingPunct="1">
+              <a:lnSpc>
+                <a:spcPct val="90000"/>
+              </a:lnSpc>
+              <a:spcBef>
+                <a:spcPts val="500"/>
+              </a:spcBef>
+              <a:buFont typeface="Arial" panose="020B0604020202020204" pitchFamily="34" charset="0"/>
+              <a:buNone/>
+              <a:defRPr sz="1800" kern="1200">
+                <a:solidFill>
+                  <a:schemeClr val="tx1"/>
+                </a:solidFill>
+                <a:latin typeface="+mn-lt"/>
+                <a:ea typeface="+mn-ea"/>
+                <a:cs typeface="+mn-cs"/>
+              </a:defRPr>
+            </a:lvl3pPr>
+            <a:lvl4pPr marL="1371600" indent="0" algn="ctr" defTabSz="914400" rtl="0" eaLnBrk="1" latinLnBrk="0" hangingPunct="1">
+              <a:lnSpc>
+                <a:spcPct val="90000"/>
+              </a:lnSpc>
+              <a:spcBef>
+                <a:spcPts val="500"/>
+              </a:spcBef>
+              <a:buFont typeface="Arial" panose="020B0604020202020204" pitchFamily="34" charset="0"/>
+              <a:buNone/>
+              <a:defRPr sz="1600" kern="1200">
+                <a:solidFill>
+                  <a:schemeClr val="tx1"/>
+                </a:solidFill>
+                <a:latin typeface="+mn-lt"/>
+                <a:ea typeface="+mn-ea"/>
+                <a:cs typeface="+mn-cs"/>
+              </a:defRPr>
+            </a:lvl4pPr>
+            <a:lvl5pPr marL="1828800" indent="0" algn="ctr" defTabSz="914400" rtl="0" eaLnBrk="1" latinLnBrk="0" hangingPunct="1">
+              <a:lnSpc>
+                <a:spcPct val="90000"/>
+              </a:lnSpc>
+              <a:spcBef>
+                <a:spcPts val="500"/>
+              </a:spcBef>
+              <a:buFont typeface="Arial" panose="020B0604020202020204" pitchFamily="34" charset="0"/>
+              <a:buNone/>
+              <a:defRPr sz="1600" kern="1200">
+                <a:solidFill>
+                  <a:schemeClr val="tx1"/>
+                </a:solidFill>
+                <a:latin typeface="+mn-lt"/>
+                <a:ea typeface="+mn-ea"/>
+                <a:cs typeface="+mn-cs"/>
+              </a:defRPr>
+            </a:lvl5pPr>
+            <a:lvl6pPr marL="2286000" indent="0" algn="ctr" defTabSz="914400" rtl="0" eaLnBrk="1" latinLnBrk="0" hangingPunct="1">
+              <a:lnSpc>
+                <a:spcPct val="90000"/>
+              </a:lnSpc>
+              <a:spcBef>
+                <a:spcPts val="500"/>
+              </a:spcBef>
+              <a:buFont typeface="Arial" panose="020B0604020202020204" pitchFamily="34" charset="0"/>
+              <a:buNone/>
+              <a:defRPr sz="1600" kern="1200">
+                <a:solidFill>
+                  <a:schemeClr val="tx1"/>
+                </a:solidFill>
+                <a:latin typeface="+mn-lt"/>
+                <a:ea typeface="+mn-ea"/>
+                <a:cs typeface="+mn-cs"/>
+              </a:defRPr>
+            </a:lvl6pPr>
+            <a:lvl7pPr marL="2743200" indent="0" algn="ctr" defTabSz="914400" rtl="0" eaLnBrk="1" latinLnBrk="0" hangingPunct="1">
+              <a:lnSpc>
+                <a:spcPct val="90000"/>
+              </a:lnSpc>
+              <a:spcBef>
+                <a:spcPts val="500"/>
+              </a:spcBef>
+              <a:buFont typeface="Arial" panose="020B0604020202020204" pitchFamily="34" charset="0"/>
+              <a:buNone/>
+              <a:defRPr sz="1600" kern="1200">
+                <a:solidFill>
+                  <a:schemeClr val="tx1"/>
+                </a:solidFill>
+                <a:latin typeface="+mn-lt"/>
+                <a:ea typeface="+mn-ea"/>
+                <a:cs typeface="+mn-cs"/>
+              </a:defRPr>
+            </a:lvl7pPr>
+            <a:lvl8pPr marL="3200400" indent="0" algn="ctr" defTabSz="914400" rtl="0" eaLnBrk="1" latinLnBrk="0" hangingPunct="1">
+              <a:lnSpc>
+                <a:spcPct val="90000"/>
+              </a:lnSpc>
+              <a:spcBef>
+                <a:spcPts val="500"/>
+              </a:spcBef>
+              <a:buFont typeface="Arial" panose="020B0604020202020204" pitchFamily="34" charset="0"/>
+              <a:buNone/>
+              <a:defRPr sz="1600" kern="1200">
+                <a:solidFill>
+                  <a:schemeClr val="tx1"/>
+                </a:solidFill>
+                <a:latin typeface="+mn-lt"/>
+                <a:ea typeface="+mn-ea"/>
+                <a:cs typeface="+mn-cs"/>
+              </a:defRPr>
+            </a:lvl8pPr>
+            <a:lvl9pPr marL="3657600" indent="0" algn="ctr" defTabSz="914400" rtl="0" eaLnBrk="1" latinLnBrk="0" hangingPunct="1">
+              <a:lnSpc>
+                <a:spcPct val="90000"/>
+              </a:lnSpc>
+              <a:spcBef>
+                <a:spcPts val="500"/>
+              </a:spcBef>
+              <a:buFont typeface="Arial" panose="020B0604020202020204" pitchFamily="34" charset="0"/>
+              <a:buNone/>
+              <a:defRPr sz="1600" kern="1200">
+                <a:solidFill>
+                  <a:schemeClr val="tx1"/>
+                </a:solidFill>
+                <a:latin typeface="+mn-lt"/>
+                <a:ea typeface="+mn-ea"/>
+                <a:cs typeface="+mn-cs"/>
+              </a:defRPr>
+            </a:lvl9pPr>
+          </a:lstStyle>
+          <a:p>
+            <a:pPr marL="285750" indent="-285750" algn="just">
+              <a:buFont typeface="Arial" panose="020B0604020202020204" pitchFamily="34" charset="0"/>
+              <a:buChar char="•"/>
+            </a:pPr>
+            <a:r>
+              <a:rPr lang="en-US" sz="1600" dirty="0" err="1"/>
+              <a:t>Berinteraksi</a:t>
+            </a:r>
+            <a:r>
+              <a:rPr lang="en-US" sz="1600" dirty="0"/>
+              <a:t> </a:t>
+            </a:r>
+            <a:r>
+              <a:rPr lang="en-US" sz="1600" dirty="0" err="1"/>
+              <a:t>dengan</a:t>
+            </a:r>
+            <a:r>
+              <a:rPr lang="en-US" sz="1600" dirty="0"/>
+              <a:t> model </a:t>
+            </a:r>
+            <a:r>
+              <a:rPr lang="en-US" sz="1600" dirty="0" err="1"/>
+              <a:t>untuk</a:t>
+            </a:r>
+            <a:r>
+              <a:rPr lang="en-US" sz="1600" dirty="0"/>
+              <a:t> </a:t>
+            </a:r>
+            <a:r>
+              <a:rPr lang="en-US" sz="1600" dirty="0" err="1"/>
+              <a:t>mendapatkan</a:t>
+            </a:r>
+            <a:r>
+              <a:rPr lang="en-US" sz="1600" dirty="0"/>
+              <a:t> data </a:t>
+            </a:r>
+            <a:r>
+              <a:rPr lang="en-US" sz="1600" dirty="0" err="1"/>
+              <a:t>untuk</a:t>
+            </a:r>
+            <a:r>
+              <a:rPr lang="en-US" sz="1600" dirty="0"/>
+              <a:t> </a:t>
+            </a:r>
+            <a:r>
+              <a:rPr lang="en-US" sz="1600" dirty="0" err="1"/>
+              <a:t>ditampilkan</a:t>
+            </a:r>
+            <a:r>
+              <a:rPr lang="en-US" sz="1600" dirty="0"/>
+              <a:t> </a:t>
+            </a:r>
+            <a:r>
+              <a:rPr lang="en-US" sz="1600" dirty="0" err="1"/>
+              <a:t>ke</a:t>
+            </a:r>
+            <a:r>
+              <a:rPr lang="en-US" sz="1600" dirty="0"/>
+              <a:t> view</a:t>
+            </a:r>
+            <a:endParaRPr lang="en-ID" sz="1600" dirty="0"/>
+          </a:p>
+        </p:txBody>
+      </p:sp>
+      <p:sp>
+        <p:nvSpPr>
+          <p:cNvPr id="9" name="Subtitle 2">
+            <a:extLst>
+              <a:ext uri="{FF2B5EF4-FFF2-40B4-BE49-F238E27FC236}">
+                <a16:creationId xmlns:a16="http://schemas.microsoft.com/office/drawing/2014/main" id="{EB634770-3C10-4E4E-D7C5-1EC018F1FF06}"/>
+              </a:ext>
+            </a:extLst>
+          </p:cNvPr>
+          <p:cNvSpPr txBox="1">
+            <a:spLocks/>
+          </p:cNvSpPr>
+          <p:nvPr/>
+        </p:nvSpPr>
+        <p:spPr>
+          <a:xfrm>
+            <a:off x="1356779" y="4359380"/>
+            <a:ext cx="1308428" cy="379834"/>
+          </a:xfrm>
+          <a:prstGeom prst="rect">
+            <a:avLst/>
+          </a:prstGeom>
+          <a:ln w="12700">
+            <a:noFill/>
+          </a:ln>
+        </p:spPr>
+        <p:txBody>
+          <a:bodyPr vert="horz" lIns="91440" tIns="45720" rIns="91440" bIns="45720" rtlCol="0">
+            <a:noAutofit/>
+          </a:bodyPr>
+          <a:lstStyle>
+            <a:lvl1pPr marL="0" indent="0" algn="ctr" defTabSz="914400" rtl="0" eaLnBrk="1" latinLnBrk="0" hangingPunct="1">
+              <a:lnSpc>
+                <a:spcPct val="90000"/>
+              </a:lnSpc>
+              <a:spcBef>
+                <a:spcPts val="1000"/>
+              </a:spcBef>
+              <a:buFont typeface="Arial" panose="020B0604020202020204" pitchFamily="34" charset="0"/>
+              <a:buNone/>
+              <a:defRPr sz="2400" kern="1200">
+                <a:solidFill>
+                  <a:schemeClr val="tx1"/>
+                </a:solidFill>
+                <a:latin typeface="+mn-lt"/>
+                <a:ea typeface="+mn-ea"/>
+                <a:cs typeface="+mn-cs"/>
+              </a:defRPr>
+            </a:lvl1pPr>
+            <a:lvl2pPr marL="457200" indent="0" algn="ctr" defTabSz="914400" rtl="0" eaLnBrk="1" latinLnBrk="0" hangingPunct="1">
+              <a:lnSpc>
+                <a:spcPct val="90000"/>
+              </a:lnSpc>
+              <a:spcBef>
+                <a:spcPts val="500"/>
+              </a:spcBef>
+              <a:buFont typeface="Arial" panose="020B0604020202020204" pitchFamily="34" charset="0"/>
+              <a:buNone/>
+              <a:defRPr sz="2000" kern="1200">
+                <a:solidFill>
+                  <a:schemeClr val="tx1"/>
+                </a:solidFill>
+                <a:latin typeface="+mn-lt"/>
+                <a:ea typeface="+mn-ea"/>
+                <a:cs typeface="+mn-cs"/>
+              </a:defRPr>
+            </a:lvl2pPr>
+            <a:lvl3pPr marL="914400" indent="0" algn="ctr" defTabSz="914400" rtl="0" eaLnBrk="1" latinLnBrk="0" hangingPunct="1">
+              <a:lnSpc>
+                <a:spcPct val="90000"/>
+              </a:lnSpc>
+              <a:spcBef>
+                <a:spcPts val="500"/>
+              </a:spcBef>
+              <a:buFont typeface="Arial" panose="020B0604020202020204" pitchFamily="34" charset="0"/>
+              <a:buNone/>
+              <a:defRPr sz="1800" kern="1200">
+                <a:solidFill>
+                  <a:schemeClr val="tx1"/>
+                </a:solidFill>
+                <a:latin typeface="+mn-lt"/>
+                <a:ea typeface="+mn-ea"/>
+                <a:cs typeface="+mn-cs"/>
+              </a:defRPr>
+            </a:lvl3pPr>
+            <a:lvl4pPr marL="1371600" indent="0" algn="ctr" defTabSz="914400" rtl="0" eaLnBrk="1" latinLnBrk="0" hangingPunct="1">
+              <a:lnSpc>
+                <a:spcPct val="90000"/>
+              </a:lnSpc>
+              <a:spcBef>
+                <a:spcPts val="500"/>
+              </a:spcBef>
+              <a:buFont typeface="Arial" panose="020B0604020202020204" pitchFamily="34" charset="0"/>
+              <a:buNone/>
+              <a:defRPr sz="1600" kern="1200">
+                <a:solidFill>
+                  <a:schemeClr val="tx1"/>
+                </a:solidFill>
+                <a:latin typeface="+mn-lt"/>
+                <a:ea typeface="+mn-ea"/>
+                <a:cs typeface="+mn-cs"/>
+              </a:defRPr>
+            </a:lvl4pPr>
+            <a:lvl5pPr marL="1828800" indent="0" algn="ctr" defTabSz="914400" rtl="0" eaLnBrk="1" latinLnBrk="0" hangingPunct="1">
+              <a:lnSpc>
+                <a:spcPct val="90000"/>
+              </a:lnSpc>
+              <a:spcBef>
+                <a:spcPts val="500"/>
+              </a:spcBef>
+              <a:buFont typeface="Arial" panose="020B0604020202020204" pitchFamily="34" charset="0"/>
+              <a:buNone/>
+              <a:defRPr sz="1600" kern="1200">
+                <a:solidFill>
+                  <a:schemeClr val="tx1"/>
+                </a:solidFill>
+                <a:latin typeface="+mn-lt"/>
+                <a:ea typeface="+mn-ea"/>
+                <a:cs typeface="+mn-cs"/>
+              </a:defRPr>
+            </a:lvl5pPr>
+            <a:lvl6pPr marL="2286000" indent="0" algn="ctr" defTabSz="914400" rtl="0" eaLnBrk="1" latinLnBrk="0" hangingPunct="1">
+              <a:lnSpc>
+                <a:spcPct val="90000"/>
+              </a:lnSpc>
+              <a:spcBef>
+                <a:spcPts val="500"/>
+              </a:spcBef>
+              <a:buFont typeface="Arial" panose="020B0604020202020204" pitchFamily="34" charset="0"/>
+              <a:buNone/>
+              <a:defRPr sz="1600" kern="1200">
+                <a:solidFill>
+                  <a:schemeClr val="tx1"/>
+                </a:solidFill>
+                <a:latin typeface="+mn-lt"/>
+                <a:ea typeface="+mn-ea"/>
+                <a:cs typeface="+mn-cs"/>
+              </a:defRPr>
+            </a:lvl6pPr>
+            <a:lvl7pPr marL="2743200" indent="0" algn="ctr" defTabSz="914400" rtl="0" eaLnBrk="1" latinLnBrk="0" hangingPunct="1">
+              <a:lnSpc>
+                <a:spcPct val="90000"/>
+              </a:lnSpc>
+              <a:spcBef>
+                <a:spcPts val="500"/>
+              </a:spcBef>
+              <a:buFont typeface="Arial" panose="020B0604020202020204" pitchFamily="34" charset="0"/>
+              <a:buNone/>
+              <a:defRPr sz="1600" kern="1200">
+                <a:solidFill>
+                  <a:schemeClr val="tx1"/>
+                </a:solidFill>
+                <a:latin typeface="+mn-lt"/>
+                <a:ea typeface="+mn-ea"/>
+                <a:cs typeface="+mn-cs"/>
+              </a:defRPr>
+            </a:lvl7pPr>
+            <a:lvl8pPr marL="3200400" indent="0" algn="ctr" defTabSz="914400" rtl="0" eaLnBrk="1" latinLnBrk="0" hangingPunct="1">
+              <a:lnSpc>
+                <a:spcPct val="90000"/>
+              </a:lnSpc>
+              <a:spcBef>
+                <a:spcPts val="500"/>
+              </a:spcBef>
+              <a:buFont typeface="Arial" panose="020B0604020202020204" pitchFamily="34" charset="0"/>
+              <a:buNone/>
+              <a:defRPr sz="1600" kern="1200">
+                <a:solidFill>
+                  <a:schemeClr val="tx1"/>
+                </a:solidFill>
+                <a:latin typeface="+mn-lt"/>
+                <a:ea typeface="+mn-ea"/>
+                <a:cs typeface="+mn-cs"/>
+              </a:defRPr>
+            </a:lvl8pPr>
+            <a:lvl9pPr marL="3657600" indent="0" algn="ctr" defTabSz="914400" rtl="0" eaLnBrk="1" latinLnBrk="0" hangingPunct="1">
+              <a:lnSpc>
+                <a:spcPct val="90000"/>
+              </a:lnSpc>
+              <a:spcBef>
+                <a:spcPts val="500"/>
+              </a:spcBef>
+              <a:buFont typeface="Arial" panose="020B0604020202020204" pitchFamily="34" charset="0"/>
+              <a:buNone/>
+              <a:defRPr sz="1600" kern="1200">
+                <a:solidFill>
+                  <a:schemeClr val="tx1"/>
+                </a:solidFill>
+                <a:latin typeface="+mn-lt"/>
+                <a:ea typeface="+mn-ea"/>
+                <a:cs typeface="+mn-cs"/>
+              </a:defRPr>
+            </a:lvl9pPr>
+          </a:lstStyle>
+          <a:p>
+            <a:r>
+              <a:rPr lang="en-US" sz="2000" dirty="0"/>
+              <a:t>Live Data</a:t>
+            </a:r>
+          </a:p>
+          <a:p>
+            <a:endParaRPr lang="en-US" sz="2000" dirty="0"/>
+          </a:p>
+        </p:txBody>
+      </p:sp>
+      <p:sp>
+        <p:nvSpPr>
+          <p:cNvPr id="10" name="Subtitle 2">
+            <a:extLst>
+              <a:ext uri="{FF2B5EF4-FFF2-40B4-BE49-F238E27FC236}">
+                <a16:creationId xmlns:a16="http://schemas.microsoft.com/office/drawing/2014/main" id="{9E880578-1A89-F014-8E2E-AF754F9DA5AA}"/>
+              </a:ext>
+            </a:extLst>
+          </p:cNvPr>
+          <p:cNvSpPr txBox="1">
+            <a:spLocks/>
+          </p:cNvSpPr>
+          <p:nvPr/>
+        </p:nvSpPr>
+        <p:spPr>
+          <a:xfrm>
+            <a:off x="4372356" y="4357428"/>
+            <a:ext cx="1308428" cy="379834"/>
+          </a:xfrm>
+          <a:prstGeom prst="rect">
+            <a:avLst/>
+          </a:prstGeom>
+          <a:ln w="12700">
+            <a:noFill/>
+          </a:ln>
+        </p:spPr>
+        <p:txBody>
+          <a:bodyPr vert="horz" lIns="91440" tIns="45720" rIns="91440" bIns="45720" rtlCol="0">
+            <a:noAutofit/>
+          </a:bodyPr>
+          <a:lstStyle>
+            <a:lvl1pPr marL="0" indent="0" algn="ctr" defTabSz="914400" rtl="0" eaLnBrk="1" latinLnBrk="0" hangingPunct="1">
+              <a:lnSpc>
+                <a:spcPct val="90000"/>
+              </a:lnSpc>
+              <a:spcBef>
+                <a:spcPts val="1000"/>
+              </a:spcBef>
+              <a:buFont typeface="Arial" panose="020B0604020202020204" pitchFamily="34" charset="0"/>
+              <a:buNone/>
+              <a:defRPr sz="2400" kern="1200">
+                <a:solidFill>
+                  <a:schemeClr val="tx1"/>
+                </a:solidFill>
+                <a:latin typeface="+mn-lt"/>
+                <a:ea typeface="+mn-ea"/>
+                <a:cs typeface="+mn-cs"/>
+              </a:defRPr>
+            </a:lvl1pPr>
+            <a:lvl2pPr marL="457200" indent="0" algn="ctr" defTabSz="914400" rtl="0" eaLnBrk="1" latinLnBrk="0" hangingPunct="1">
+              <a:lnSpc>
+                <a:spcPct val="90000"/>
+              </a:lnSpc>
+              <a:spcBef>
+                <a:spcPts val="500"/>
+              </a:spcBef>
+              <a:buFont typeface="Arial" panose="020B0604020202020204" pitchFamily="34" charset="0"/>
+              <a:buNone/>
+              <a:defRPr sz="2000" kern="1200">
+                <a:solidFill>
+                  <a:schemeClr val="tx1"/>
+                </a:solidFill>
+                <a:latin typeface="+mn-lt"/>
+                <a:ea typeface="+mn-ea"/>
+                <a:cs typeface="+mn-cs"/>
+              </a:defRPr>
+            </a:lvl2pPr>
+            <a:lvl3pPr marL="914400" indent="0" algn="ctr" defTabSz="914400" rtl="0" eaLnBrk="1" latinLnBrk="0" hangingPunct="1">
+              <a:lnSpc>
+                <a:spcPct val="90000"/>
+              </a:lnSpc>
+              <a:spcBef>
+                <a:spcPts val="500"/>
+              </a:spcBef>
+              <a:buFont typeface="Arial" panose="020B0604020202020204" pitchFamily="34" charset="0"/>
+              <a:buNone/>
+              <a:defRPr sz="1800" kern="1200">
+                <a:solidFill>
+                  <a:schemeClr val="tx1"/>
+                </a:solidFill>
+                <a:latin typeface="+mn-lt"/>
+                <a:ea typeface="+mn-ea"/>
+                <a:cs typeface="+mn-cs"/>
+              </a:defRPr>
+            </a:lvl3pPr>
+            <a:lvl4pPr marL="1371600" indent="0" algn="ctr" defTabSz="914400" rtl="0" eaLnBrk="1" latinLnBrk="0" hangingPunct="1">
+              <a:lnSpc>
+                <a:spcPct val="90000"/>
+              </a:lnSpc>
+              <a:spcBef>
+                <a:spcPts val="500"/>
+              </a:spcBef>
+              <a:buFont typeface="Arial" panose="020B0604020202020204" pitchFamily="34" charset="0"/>
+              <a:buNone/>
+              <a:defRPr sz="1600" kern="1200">
+                <a:solidFill>
+                  <a:schemeClr val="tx1"/>
+                </a:solidFill>
+                <a:latin typeface="+mn-lt"/>
+                <a:ea typeface="+mn-ea"/>
+                <a:cs typeface="+mn-cs"/>
+              </a:defRPr>
+            </a:lvl4pPr>
+            <a:lvl5pPr marL="1828800" indent="0" algn="ctr" defTabSz="914400" rtl="0" eaLnBrk="1" latinLnBrk="0" hangingPunct="1">
+              <a:lnSpc>
+                <a:spcPct val="90000"/>
+              </a:lnSpc>
+              <a:spcBef>
+                <a:spcPts val="500"/>
+              </a:spcBef>
+              <a:buFont typeface="Arial" panose="020B0604020202020204" pitchFamily="34" charset="0"/>
+              <a:buNone/>
+              <a:defRPr sz="1600" kern="1200">
+                <a:solidFill>
+                  <a:schemeClr val="tx1"/>
+                </a:solidFill>
+                <a:latin typeface="+mn-lt"/>
+                <a:ea typeface="+mn-ea"/>
+                <a:cs typeface="+mn-cs"/>
+              </a:defRPr>
+            </a:lvl5pPr>
+            <a:lvl6pPr marL="2286000" indent="0" algn="ctr" defTabSz="914400" rtl="0" eaLnBrk="1" latinLnBrk="0" hangingPunct="1">
+              <a:lnSpc>
+                <a:spcPct val="90000"/>
+              </a:lnSpc>
+              <a:spcBef>
+                <a:spcPts val="500"/>
+              </a:spcBef>
+              <a:buFont typeface="Arial" panose="020B0604020202020204" pitchFamily="34" charset="0"/>
+              <a:buNone/>
+              <a:defRPr sz="1600" kern="1200">
+                <a:solidFill>
+                  <a:schemeClr val="tx1"/>
+                </a:solidFill>
+                <a:latin typeface="+mn-lt"/>
+                <a:ea typeface="+mn-ea"/>
+                <a:cs typeface="+mn-cs"/>
+              </a:defRPr>
+            </a:lvl6pPr>
+            <a:lvl7pPr marL="2743200" indent="0" algn="ctr" defTabSz="914400" rtl="0" eaLnBrk="1" latinLnBrk="0" hangingPunct="1">
+              <a:lnSpc>
+                <a:spcPct val="90000"/>
+              </a:lnSpc>
+              <a:spcBef>
+                <a:spcPts val="500"/>
+              </a:spcBef>
+              <a:buFont typeface="Arial" panose="020B0604020202020204" pitchFamily="34" charset="0"/>
+              <a:buNone/>
+              <a:defRPr sz="1600" kern="1200">
+                <a:solidFill>
+                  <a:schemeClr val="tx1"/>
+                </a:solidFill>
+                <a:latin typeface="+mn-lt"/>
+                <a:ea typeface="+mn-ea"/>
+                <a:cs typeface="+mn-cs"/>
+              </a:defRPr>
+            </a:lvl7pPr>
+            <a:lvl8pPr marL="3200400" indent="0" algn="ctr" defTabSz="914400" rtl="0" eaLnBrk="1" latinLnBrk="0" hangingPunct="1">
+              <a:lnSpc>
+                <a:spcPct val="90000"/>
+              </a:lnSpc>
+              <a:spcBef>
+                <a:spcPts val="500"/>
+              </a:spcBef>
+              <a:buFont typeface="Arial" panose="020B0604020202020204" pitchFamily="34" charset="0"/>
+              <a:buNone/>
+              <a:defRPr sz="1600" kern="1200">
+                <a:solidFill>
+                  <a:schemeClr val="tx1"/>
+                </a:solidFill>
+                <a:latin typeface="+mn-lt"/>
+                <a:ea typeface="+mn-ea"/>
+                <a:cs typeface="+mn-cs"/>
+              </a:defRPr>
+            </a:lvl8pPr>
+            <a:lvl9pPr marL="3657600" indent="0" algn="ctr" defTabSz="914400" rtl="0" eaLnBrk="1" latinLnBrk="0" hangingPunct="1">
+              <a:lnSpc>
+                <a:spcPct val="90000"/>
+              </a:lnSpc>
+              <a:spcBef>
+                <a:spcPts val="500"/>
+              </a:spcBef>
+              <a:buFont typeface="Arial" panose="020B0604020202020204" pitchFamily="34" charset="0"/>
+              <a:buNone/>
+              <a:defRPr sz="1600" kern="1200">
+                <a:solidFill>
+                  <a:schemeClr val="tx1"/>
+                </a:solidFill>
+                <a:latin typeface="+mn-lt"/>
+                <a:ea typeface="+mn-ea"/>
+                <a:cs typeface="+mn-cs"/>
+              </a:defRPr>
+            </a:lvl9pPr>
+          </a:lstStyle>
+          <a:p>
+            <a:r>
+              <a:rPr lang="en-US" sz="2000" dirty="0"/>
+              <a:t>Repository </a:t>
+            </a:r>
+            <a:endParaRPr lang="en-ID" sz="2000" dirty="0"/>
+          </a:p>
+        </p:txBody>
+      </p:sp>
+      <p:sp>
+        <p:nvSpPr>
+          <p:cNvPr id="11" name="Subtitle 2">
+            <a:extLst>
+              <a:ext uri="{FF2B5EF4-FFF2-40B4-BE49-F238E27FC236}">
+                <a16:creationId xmlns:a16="http://schemas.microsoft.com/office/drawing/2014/main" id="{4430C864-B1AD-CA06-2508-D7BCC4602924}"/>
+              </a:ext>
+            </a:extLst>
+          </p:cNvPr>
+          <p:cNvSpPr txBox="1">
+            <a:spLocks/>
+          </p:cNvSpPr>
+          <p:nvPr/>
+        </p:nvSpPr>
+        <p:spPr>
+          <a:xfrm>
+            <a:off x="6845827" y="4357428"/>
+            <a:ext cx="1308428" cy="379834"/>
+          </a:xfrm>
+          <a:prstGeom prst="rect">
+            <a:avLst/>
+          </a:prstGeom>
+          <a:ln w="12700">
+            <a:noFill/>
+          </a:ln>
+        </p:spPr>
+        <p:txBody>
+          <a:bodyPr vert="horz" lIns="91440" tIns="45720" rIns="91440" bIns="45720" rtlCol="0">
+            <a:noAutofit/>
+          </a:bodyPr>
+          <a:lstStyle>
+            <a:lvl1pPr marL="0" indent="0" algn="ctr" defTabSz="914400" rtl="0" eaLnBrk="1" latinLnBrk="0" hangingPunct="1">
+              <a:lnSpc>
+                <a:spcPct val="90000"/>
+              </a:lnSpc>
+              <a:spcBef>
+                <a:spcPts val="1000"/>
+              </a:spcBef>
+              <a:buFont typeface="Arial" panose="020B0604020202020204" pitchFamily="34" charset="0"/>
+              <a:buNone/>
+              <a:defRPr sz="2400" kern="1200">
+                <a:solidFill>
+                  <a:schemeClr val="tx1"/>
+                </a:solidFill>
+                <a:latin typeface="+mn-lt"/>
+                <a:ea typeface="+mn-ea"/>
+                <a:cs typeface="+mn-cs"/>
+              </a:defRPr>
+            </a:lvl1pPr>
+            <a:lvl2pPr marL="457200" indent="0" algn="ctr" defTabSz="914400" rtl="0" eaLnBrk="1" latinLnBrk="0" hangingPunct="1">
+              <a:lnSpc>
+                <a:spcPct val="90000"/>
+              </a:lnSpc>
+              <a:spcBef>
+                <a:spcPts val="500"/>
+              </a:spcBef>
+              <a:buFont typeface="Arial" panose="020B0604020202020204" pitchFamily="34" charset="0"/>
+              <a:buNone/>
+              <a:defRPr sz="2000" kern="1200">
+                <a:solidFill>
+                  <a:schemeClr val="tx1"/>
+                </a:solidFill>
+                <a:latin typeface="+mn-lt"/>
+                <a:ea typeface="+mn-ea"/>
+                <a:cs typeface="+mn-cs"/>
+              </a:defRPr>
+            </a:lvl2pPr>
+            <a:lvl3pPr marL="914400" indent="0" algn="ctr" defTabSz="914400" rtl="0" eaLnBrk="1" latinLnBrk="0" hangingPunct="1">
+              <a:lnSpc>
+                <a:spcPct val="90000"/>
+              </a:lnSpc>
+              <a:spcBef>
+                <a:spcPts val="500"/>
+              </a:spcBef>
+              <a:buFont typeface="Arial" panose="020B0604020202020204" pitchFamily="34" charset="0"/>
+              <a:buNone/>
+              <a:defRPr sz="1800" kern="1200">
+                <a:solidFill>
+                  <a:schemeClr val="tx1"/>
+                </a:solidFill>
+                <a:latin typeface="+mn-lt"/>
+                <a:ea typeface="+mn-ea"/>
+                <a:cs typeface="+mn-cs"/>
+              </a:defRPr>
+            </a:lvl3pPr>
+            <a:lvl4pPr marL="1371600" indent="0" algn="ctr" defTabSz="914400" rtl="0" eaLnBrk="1" latinLnBrk="0" hangingPunct="1">
+              <a:lnSpc>
+                <a:spcPct val="90000"/>
+              </a:lnSpc>
+              <a:spcBef>
+                <a:spcPts val="500"/>
+              </a:spcBef>
+              <a:buFont typeface="Arial" panose="020B0604020202020204" pitchFamily="34" charset="0"/>
+              <a:buNone/>
+              <a:defRPr sz="1600" kern="1200">
+                <a:solidFill>
+                  <a:schemeClr val="tx1"/>
+                </a:solidFill>
+                <a:latin typeface="+mn-lt"/>
+                <a:ea typeface="+mn-ea"/>
+                <a:cs typeface="+mn-cs"/>
+              </a:defRPr>
+            </a:lvl4pPr>
+            <a:lvl5pPr marL="1828800" indent="0" algn="ctr" defTabSz="914400" rtl="0" eaLnBrk="1" latinLnBrk="0" hangingPunct="1">
+              <a:lnSpc>
+                <a:spcPct val="90000"/>
+              </a:lnSpc>
+              <a:spcBef>
+                <a:spcPts val="500"/>
+              </a:spcBef>
+              <a:buFont typeface="Arial" panose="020B0604020202020204" pitchFamily="34" charset="0"/>
+              <a:buNone/>
+              <a:defRPr sz="1600" kern="1200">
+                <a:solidFill>
+                  <a:schemeClr val="tx1"/>
+                </a:solidFill>
+                <a:latin typeface="+mn-lt"/>
+                <a:ea typeface="+mn-ea"/>
+                <a:cs typeface="+mn-cs"/>
+              </a:defRPr>
+            </a:lvl5pPr>
+            <a:lvl6pPr marL="2286000" indent="0" algn="ctr" defTabSz="914400" rtl="0" eaLnBrk="1" latinLnBrk="0" hangingPunct="1">
+              <a:lnSpc>
+                <a:spcPct val="90000"/>
+              </a:lnSpc>
+              <a:spcBef>
+                <a:spcPts val="500"/>
+              </a:spcBef>
+              <a:buFont typeface="Arial" panose="020B0604020202020204" pitchFamily="34" charset="0"/>
+              <a:buNone/>
+              <a:defRPr sz="1600" kern="1200">
+                <a:solidFill>
+                  <a:schemeClr val="tx1"/>
+                </a:solidFill>
+                <a:latin typeface="+mn-lt"/>
+                <a:ea typeface="+mn-ea"/>
+                <a:cs typeface="+mn-cs"/>
+              </a:defRPr>
+            </a:lvl6pPr>
+            <a:lvl7pPr marL="2743200" indent="0" algn="ctr" defTabSz="914400" rtl="0" eaLnBrk="1" latinLnBrk="0" hangingPunct="1">
+              <a:lnSpc>
+                <a:spcPct val="90000"/>
+              </a:lnSpc>
+              <a:spcBef>
+                <a:spcPts val="500"/>
+              </a:spcBef>
+              <a:buFont typeface="Arial" panose="020B0604020202020204" pitchFamily="34" charset="0"/>
+              <a:buNone/>
+              <a:defRPr sz="1600" kern="1200">
+                <a:solidFill>
+                  <a:schemeClr val="tx1"/>
+                </a:solidFill>
+                <a:latin typeface="+mn-lt"/>
+                <a:ea typeface="+mn-ea"/>
+                <a:cs typeface="+mn-cs"/>
+              </a:defRPr>
+            </a:lvl7pPr>
+            <a:lvl8pPr marL="3200400" indent="0" algn="ctr" defTabSz="914400" rtl="0" eaLnBrk="1" latinLnBrk="0" hangingPunct="1">
+              <a:lnSpc>
+                <a:spcPct val="90000"/>
+              </a:lnSpc>
+              <a:spcBef>
+                <a:spcPts val="500"/>
+              </a:spcBef>
+              <a:buFont typeface="Arial" panose="020B0604020202020204" pitchFamily="34" charset="0"/>
+              <a:buNone/>
+              <a:defRPr sz="1600" kern="1200">
+                <a:solidFill>
+                  <a:schemeClr val="tx1"/>
+                </a:solidFill>
+                <a:latin typeface="+mn-lt"/>
+                <a:ea typeface="+mn-ea"/>
+                <a:cs typeface="+mn-cs"/>
+              </a:defRPr>
+            </a:lvl8pPr>
+            <a:lvl9pPr marL="3657600" indent="0" algn="ctr" defTabSz="914400" rtl="0" eaLnBrk="1" latinLnBrk="0" hangingPunct="1">
+              <a:lnSpc>
+                <a:spcPct val="90000"/>
+              </a:lnSpc>
+              <a:spcBef>
+                <a:spcPts val="500"/>
+              </a:spcBef>
+              <a:buFont typeface="Arial" panose="020B0604020202020204" pitchFamily="34" charset="0"/>
+              <a:buNone/>
+              <a:defRPr sz="1600" kern="1200">
+                <a:solidFill>
+                  <a:schemeClr val="tx1"/>
+                </a:solidFill>
+                <a:latin typeface="+mn-lt"/>
+                <a:ea typeface="+mn-ea"/>
+                <a:cs typeface="+mn-cs"/>
+              </a:defRPr>
+            </a:lvl9pPr>
+          </a:lstStyle>
+          <a:p>
+            <a:r>
+              <a:rPr lang="en-US" sz="2000" dirty="0"/>
+              <a:t>Room</a:t>
+            </a:r>
+            <a:endParaRPr lang="en-ID" sz="2000" dirty="0"/>
+          </a:p>
+        </p:txBody>
+      </p:sp>
+      <p:sp>
+        <p:nvSpPr>
+          <p:cNvPr id="12" name="Subtitle 2">
+            <a:extLst>
+              <a:ext uri="{FF2B5EF4-FFF2-40B4-BE49-F238E27FC236}">
+                <a16:creationId xmlns:a16="http://schemas.microsoft.com/office/drawing/2014/main" id="{BB20991E-956C-3C0A-5783-96F66303A6B5}"/>
+              </a:ext>
+            </a:extLst>
+          </p:cNvPr>
+          <p:cNvSpPr txBox="1">
+            <a:spLocks/>
+          </p:cNvSpPr>
+          <p:nvPr/>
+        </p:nvSpPr>
+        <p:spPr>
+          <a:xfrm>
+            <a:off x="9319298" y="4357428"/>
+            <a:ext cx="1308428" cy="379834"/>
+          </a:xfrm>
+          <a:prstGeom prst="rect">
+            <a:avLst/>
+          </a:prstGeom>
+          <a:ln w="12700">
+            <a:noFill/>
+          </a:ln>
+        </p:spPr>
+        <p:txBody>
+          <a:bodyPr vert="horz" lIns="91440" tIns="45720" rIns="91440" bIns="45720" rtlCol="0">
+            <a:noAutofit/>
+          </a:bodyPr>
+          <a:lstStyle>
+            <a:lvl1pPr marL="0" indent="0" algn="ctr" defTabSz="914400" rtl="0" eaLnBrk="1" latinLnBrk="0" hangingPunct="1">
+              <a:lnSpc>
+                <a:spcPct val="90000"/>
+              </a:lnSpc>
+              <a:spcBef>
+                <a:spcPts val="1000"/>
+              </a:spcBef>
+              <a:buFont typeface="Arial" panose="020B0604020202020204" pitchFamily="34" charset="0"/>
+              <a:buNone/>
+              <a:defRPr sz="2400" kern="1200">
+                <a:solidFill>
+                  <a:schemeClr val="tx1"/>
+                </a:solidFill>
+                <a:latin typeface="+mn-lt"/>
+                <a:ea typeface="+mn-ea"/>
+                <a:cs typeface="+mn-cs"/>
+              </a:defRPr>
+            </a:lvl1pPr>
+            <a:lvl2pPr marL="457200" indent="0" algn="ctr" defTabSz="914400" rtl="0" eaLnBrk="1" latinLnBrk="0" hangingPunct="1">
+              <a:lnSpc>
+                <a:spcPct val="90000"/>
+              </a:lnSpc>
+              <a:spcBef>
+                <a:spcPts val="500"/>
+              </a:spcBef>
+              <a:buFont typeface="Arial" panose="020B0604020202020204" pitchFamily="34" charset="0"/>
+              <a:buNone/>
+              <a:defRPr sz="2000" kern="1200">
+                <a:solidFill>
+                  <a:schemeClr val="tx1"/>
+                </a:solidFill>
+                <a:latin typeface="+mn-lt"/>
+                <a:ea typeface="+mn-ea"/>
+                <a:cs typeface="+mn-cs"/>
+              </a:defRPr>
+            </a:lvl2pPr>
+            <a:lvl3pPr marL="914400" indent="0" algn="ctr" defTabSz="914400" rtl="0" eaLnBrk="1" latinLnBrk="0" hangingPunct="1">
+              <a:lnSpc>
+                <a:spcPct val="90000"/>
+              </a:lnSpc>
+              <a:spcBef>
+                <a:spcPts val="500"/>
+              </a:spcBef>
+              <a:buFont typeface="Arial" panose="020B0604020202020204" pitchFamily="34" charset="0"/>
+              <a:buNone/>
+              <a:defRPr sz="1800" kern="1200">
+                <a:solidFill>
+                  <a:schemeClr val="tx1"/>
+                </a:solidFill>
+                <a:latin typeface="+mn-lt"/>
+                <a:ea typeface="+mn-ea"/>
+                <a:cs typeface="+mn-cs"/>
+              </a:defRPr>
+            </a:lvl3pPr>
+            <a:lvl4pPr marL="1371600" indent="0" algn="ctr" defTabSz="914400" rtl="0" eaLnBrk="1" latinLnBrk="0" hangingPunct="1">
+              <a:lnSpc>
+                <a:spcPct val="90000"/>
+              </a:lnSpc>
+              <a:spcBef>
+                <a:spcPts val="500"/>
+              </a:spcBef>
+              <a:buFont typeface="Arial" panose="020B0604020202020204" pitchFamily="34" charset="0"/>
+              <a:buNone/>
+              <a:defRPr sz="1600" kern="1200">
+                <a:solidFill>
+                  <a:schemeClr val="tx1"/>
+                </a:solidFill>
+                <a:latin typeface="+mn-lt"/>
+                <a:ea typeface="+mn-ea"/>
+                <a:cs typeface="+mn-cs"/>
+              </a:defRPr>
+            </a:lvl4pPr>
+            <a:lvl5pPr marL="1828800" indent="0" algn="ctr" defTabSz="914400" rtl="0" eaLnBrk="1" latinLnBrk="0" hangingPunct="1">
+              <a:lnSpc>
+                <a:spcPct val="90000"/>
+              </a:lnSpc>
+              <a:spcBef>
+                <a:spcPts val="500"/>
+              </a:spcBef>
+              <a:buFont typeface="Arial" panose="020B0604020202020204" pitchFamily="34" charset="0"/>
+              <a:buNone/>
+              <a:defRPr sz="1600" kern="1200">
+                <a:solidFill>
+                  <a:schemeClr val="tx1"/>
+                </a:solidFill>
+                <a:latin typeface="+mn-lt"/>
+                <a:ea typeface="+mn-ea"/>
+                <a:cs typeface="+mn-cs"/>
+              </a:defRPr>
+            </a:lvl5pPr>
+            <a:lvl6pPr marL="2286000" indent="0" algn="ctr" defTabSz="914400" rtl="0" eaLnBrk="1" latinLnBrk="0" hangingPunct="1">
+              <a:lnSpc>
+                <a:spcPct val="90000"/>
+              </a:lnSpc>
+              <a:spcBef>
+                <a:spcPts val="500"/>
+              </a:spcBef>
+              <a:buFont typeface="Arial" panose="020B0604020202020204" pitchFamily="34" charset="0"/>
+              <a:buNone/>
+              <a:defRPr sz="1600" kern="1200">
+                <a:solidFill>
+                  <a:schemeClr val="tx1"/>
+                </a:solidFill>
+                <a:latin typeface="+mn-lt"/>
+                <a:ea typeface="+mn-ea"/>
+                <a:cs typeface="+mn-cs"/>
+              </a:defRPr>
+            </a:lvl6pPr>
+            <a:lvl7pPr marL="2743200" indent="0" algn="ctr" defTabSz="914400" rtl="0" eaLnBrk="1" latinLnBrk="0" hangingPunct="1">
+              <a:lnSpc>
+                <a:spcPct val="90000"/>
+              </a:lnSpc>
+              <a:spcBef>
+                <a:spcPts val="500"/>
+              </a:spcBef>
+              <a:buFont typeface="Arial" panose="020B0604020202020204" pitchFamily="34" charset="0"/>
+              <a:buNone/>
+              <a:defRPr sz="1600" kern="1200">
+                <a:solidFill>
+                  <a:schemeClr val="tx1"/>
+                </a:solidFill>
+                <a:latin typeface="+mn-lt"/>
+                <a:ea typeface="+mn-ea"/>
+                <a:cs typeface="+mn-cs"/>
+              </a:defRPr>
+            </a:lvl7pPr>
+            <a:lvl8pPr marL="3200400" indent="0" algn="ctr" defTabSz="914400" rtl="0" eaLnBrk="1" latinLnBrk="0" hangingPunct="1">
+              <a:lnSpc>
+                <a:spcPct val="90000"/>
+              </a:lnSpc>
+              <a:spcBef>
+                <a:spcPts val="500"/>
+              </a:spcBef>
+              <a:buFont typeface="Arial" panose="020B0604020202020204" pitchFamily="34" charset="0"/>
+              <a:buNone/>
+              <a:defRPr sz="1600" kern="1200">
+                <a:solidFill>
+                  <a:schemeClr val="tx1"/>
+                </a:solidFill>
+                <a:latin typeface="+mn-lt"/>
+                <a:ea typeface="+mn-ea"/>
+                <a:cs typeface="+mn-cs"/>
+              </a:defRPr>
+            </a:lvl8pPr>
+            <a:lvl9pPr marL="3657600" indent="0" algn="ctr" defTabSz="914400" rtl="0" eaLnBrk="1" latinLnBrk="0" hangingPunct="1">
+              <a:lnSpc>
+                <a:spcPct val="90000"/>
+              </a:lnSpc>
+              <a:spcBef>
+                <a:spcPts val="500"/>
+              </a:spcBef>
+              <a:buFont typeface="Arial" panose="020B0604020202020204" pitchFamily="34" charset="0"/>
+              <a:buNone/>
+              <a:defRPr sz="1600" kern="1200">
+                <a:solidFill>
+                  <a:schemeClr val="tx1"/>
+                </a:solidFill>
+                <a:latin typeface="+mn-lt"/>
+                <a:ea typeface="+mn-ea"/>
+                <a:cs typeface="+mn-cs"/>
+              </a:defRPr>
+            </a:lvl9pPr>
+          </a:lstStyle>
+          <a:p>
+            <a:r>
+              <a:rPr lang="en-US" sz="2000" dirty="0"/>
+              <a:t>Rest Client</a:t>
+            </a:r>
+            <a:endParaRPr lang="en-ID" sz="2000" dirty="0"/>
+          </a:p>
+        </p:txBody>
+      </p:sp>
+      <p:sp>
+        <p:nvSpPr>
+          <p:cNvPr id="13" name="Subtitle 2">
+            <a:extLst>
+              <a:ext uri="{FF2B5EF4-FFF2-40B4-BE49-F238E27FC236}">
+                <a16:creationId xmlns:a16="http://schemas.microsoft.com/office/drawing/2014/main" id="{D41AC547-1618-9DB3-274E-6C723B7C2B35}"/>
+              </a:ext>
+            </a:extLst>
+          </p:cNvPr>
+          <p:cNvSpPr txBox="1">
+            <a:spLocks/>
+          </p:cNvSpPr>
+          <p:nvPr/>
+        </p:nvSpPr>
+        <p:spPr>
+          <a:xfrm>
+            <a:off x="626202" y="4893088"/>
+            <a:ext cx="2851599" cy="379834"/>
+          </a:xfrm>
+          <a:prstGeom prst="rect">
+            <a:avLst/>
+          </a:prstGeom>
+          <a:ln w="12700">
+            <a:noFill/>
+          </a:ln>
+        </p:spPr>
+        <p:txBody>
+          <a:bodyPr vert="horz" lIns="91440" tIns="45720" rIns="91440" bIns="45720" rtlCol="0">
+            <a:noAutofit/>
+          </a:bodyPr>
+          <a:lstStyle>
+            <a:lvl1pPr marL="0" indent="0" algn="ctr" defTabSz="914400" rtl="0" eaLnBrk="1" latinLnBrk="0" hangingPunct="1">
+              <a:lnSpc>
+                <a:spcPct val="90000"/>
+              </a:lnSpc>
+              <a:spcBef>
+                <a:spcPts val="1000"/>
+              </a:spcBef>
+              <a:buFont typeface="Arial" panose="020B0604020202020204" pitchFamily="34" charset="0"/>
+              <a:buNone/>
+              <a:defRPr sz="2400" kern="1200">
+                <a:solidFill>
+                  <a:schemeClr val="tx1"/>
+                </a:solidFill>
+                <a:latin typeface="+mn-lt"/>
+                <a:ea typeface="+mn-ea"/>
+                <a:cs typeface="+mn-cs"/>
+              </a:defRPr>
+            </a:lvl1pPr>
+            <a:lvl2pPr marL="457200" indent="0" algn="ctr" defTabSz="914400" rtl="0" eaLnBrk="1" latinLnBrk="0" hangingPunct="1">
+              <a:lnSpc>
+                <a:spcPct val="90000"/>
+              </a:lnSpc>
+              <a:spcBef>
+                <a:spcPts val="500"/>
+              </a:spcBef>
+              <a:buFont typeface="Arial" panose="020B0604020202020204" pitchFamily="34" charset="0"/>
+              <a:buNone/>
+              <a:defRPr sz="2000" kern="1200">
+                <a:solidFill>
+                  <a:schemeClr val="tx1"/>
+                </a:solidFill>
+                <a:latin typeface="+mn-lt"/>
+                <a:ea typeface="+mn-ea"/>
+                <a:cs typeface="+mn-cs"/>
+              </a:defRPr>
+            </a:lvl2pPr>
+            <a:lvl3pPr marL="914400" indent="0" algn="ctr" defTabSz="914400" rtl="0" eaLnBrk="1" latinLnBrk="0" hangingPunct="1">
+              <a:lnSpc>
+                <a:spcPct val="90000"/>
+              </a:lnSpc>
+              <a:spcBef>
+                <a:spcPts val="500"/>
+              </a:spcBef>
+              <a:buFont typeface="Arial" panose="020B0604020202020204" pitchFamily="34" charset="0"/>
+              <a:buNone/>
+              <a:defRPr sz="1800" kern="1200">
+                <a:solidFill>
+                  <a:schemeClr val="tx1"/>
+                </a:solidFill>
+                <a:latin typeface="+mn-lt"/>
+                <a:ea typeface="+mn-ea"/>
+                <a:cs typeface="+mn-cs"/>
+              </a:defRPr>
+            </a:lvl3pPr>
+            <a:lvl4pPr marL="1371600" indent="0" algn="ctr" defTabSz="914400" rtl="0" eaLnBrk="1" latinLnBrk="0" hangingPunct="1">
+              <a:lnSpc>
+                <a:spcPct val="90000"/>
+              </a:lnSpc>
+              <a:spcBef>
+                <a:spcPts val="500"/>
+              </a:spcBef>
+              <a:buFont typeface="Arial" panose="020B0604020202020204" pitchFamily="34" charset="0"/>
+              <a:buNone/>
+              <a:defRPr sz="1600" kern="1200">
+                <a:solidFill>
+                  <a:schemeClr val="tx1"/>
+                </a:solidFill>
+                <a:latin typeface="+mn-lt"/>
+                <a:ea typeface="+mn-ea"/>
+                <a:cs typeface="+mn-cs"/>
+              </a:defRPr>
+            </a:lvl4pPr>
+            <a:lvl5pPr marL="1828800" indent="0" algn="ctr" defTabSz="914400" rtl="0" eaLnBrk="1" latinLnBrk="0" hangingPunct="1">
+              <a:lnSpc>
+                <a:spcPct val="90000"/>
+              </a:lnSpc>
+              <a:spcBef>
+                <a:spcPts val="500"/>
+              </a:spcBef>
+              <a:buFont typeface="Arial" panose="020B0604020202020204" pitchFamily="34" charset="0"/>
+              <a:buNone/>
+              <a:defRPr sz="1600" kern="1200">
+                <a:solidFill>
+                  <a:schemeClr val="tx1"/>
+                </a:solidFill>
+                <a:latin typeface="+mn-lt"/>
+                <a:ea typeface="+mn-ea"/>
+                <a:cs typeface="+mn-cs"/>
+              </a:defRPr>
+            </a:lvl5pPr>
+            <a:lvl6pPr marL="2286000" indent="0" algn="ctr" defTabSz="914400" rtl="0" eaLnBrk="1" latinLnBrk="0" hangingPunct="1">
+              <a:lnSpc>
+                <a:spcPct val="90000"/>
+              </a:lnSpc>
+              <a:spcBef>
+                <a:spcPts val="500"/>
+              </a:spcBef>
+              <a:buFont typeface="Arial" panose="020B0604020202020204" pitchFamily="34" charset="0"/>
+              <a:buNone/>
+              <a:defRPr sz="1600" kern="1200">
+                <a:solidFill>
+                  <a:schemeClr val="tx1"/>
+                </a:solidFill>
+                <a:latin typeface="+mn-lt"/>
+                <a:ea typeface="+mn-ea"/>
+                <a:cs typeface="+mn-cs"/>
+              </a:defRPr>
+            </a:lvl6pPr>
+            <a:lvl7pPr marL="2743200" indent="0" algn="ctr" defTabSz="914400" rtl="0" eaLnBrk="1" latinLnBrk="0" hangingPunct="1">
+              <a:lnSpc>
+                <a:spcPct val="90000"/>
+              </a:lnSpc>
+              <a:spcBef>
+                <a:spcPts val="500"/>
+              </a:spcBef>
+              <a:buFont typeface="Arial" panose="020B0604020202020204" pitchFamily="34" charset="0"/>
+              <a:buNone/>
+              <a:defRPr sz="1600" kern="1200">
+                <a:solidFill>
+                  <a:schemeClr val="tx1"/>
+                </a:solidFill>
+                <a:latin typeface="+mn-lt"/>
+                <a:ea typeface="+mn-ea"/>
+                <a:cs typeface="+mn-cs"/>
+              </a:defRPr>
+            </a:lvl7pPr>
+            <a:lvl8pPr marL="3200400" indent="0" algn="ctr" defTabSz="914400" rtl="0" eaLnBrk="1" latinLnBrk="0" hangingPunct="1">
+              <a:lnSpc>
+                <a:spcPct val="90000"/>
+              </a:lnSpc>
+              <a:spcBef>
+                <a:spcPts val="500"/>
+              </a:spcBef>
+              <a:buFont typeface="Arial" panose="020B0604020202020204" pitchFamily="34" charset="0"/>
+              <a:buNone/>
+              <a:defRPr sz="1600" kern="1200">
+                <a:solidFill>
+                  <a:schemeClr val="tx1"/>
+                </a:solidFill>
+                <a:latin typeface="+mn-lt"/>
+                <a:ea typeface="+mn-ea"/>
+                <a:cs typeface="+mn-cs"/>
+              </a:defRPr>
+            </a:lvl8pPr>
+            <a:lvl9pPr marL="3657600" indent="0" algn="ctr" defTabSz="914400" rtl="0" eaLnBrk="1" latinLnBrk="0" hangingPunct="1">
+              <a:lnSpc>
+                <a:spcPct val="90000"/>
+              </a:lnSpc>
+              <a:spcBef>
+                <a:spcPts val="500"/>
+              </a:spcBef>
+              <a:buFont typeface="Arial" panose="020B0604020202020204" pitchFamily="34" charset="0"/>
+              <a:buNone/>
+              <a:defRPr sz="1600" kern="1200">
+                <a:solidFill>
+                  <a:schemeClr val="tx1"/>
+                </a:solidFill>
+                <a:latin typeface="+mn-lt"/>
+                <a:ea typeface="+mn-ea"/>
+                <a:cs typeface="+mn-cs"/>
+              </a:defRPr>
+            </a:lvl9pPr>
+          </a:lstStyle>
+          <a:p>
+            <a:pPr marL="0" rtl="0" eaLnBrk="1" latinLnBrk="0" hangingPunct="1">
+              <a:spcBef>
+                <a:spcPts val="0"/>
+              </a:spcBef>
+              <a:spcAft>
+                <a:spcPts val="0"/>
+              </a:spcAft>
+            </a:pPr>
+            <a:r>
+              <a:rPr lang="en-US" sz="1800" kern="1200" dirty="0">
+                <a:solidFill>
+                  <a:srgbClr val="000000"/>
+                </a:solidFill>
+                <a:effectLst/>
+                <a:latin typeface="Calibri" panose="020F0502020204030204" pitchFamily="34" charset="0"/>
+                <a:ea typeface="+mn-ea"/>
+                <a:cs typeface="+mn-cs"/>
+              </a:rPr>
+              <a:t>Data yang </a:t>
+            </a:r>
+            <a:r>
+              <a:rPr lang="en-US" sz="1800" kern="1200" dirty="0" err="1">
+                <a:solidFill>
+                  <a:srgbClr val="000000"/>
+                </a:solidFill>
+                <a:effectLst/>
+                <a:latin typeface="Calibri" panose="020F0502020204030204" pitchFamily="34" charset="0"/>
+                <a:ea typeface="+mn-ea"/>
+                <a:cs typeface="+mn-cs"/>
+              </a:rPr>
+              <a:t>dapat</a:t>
+            </a:r>
+            <a:r>
+              <a:rPr lang="en-US" sz="1800" kern="1200" dirty="0">
+                <a:solidFill>
+                  <a:srgbClr val="000000"/>
+                </a:solidFill>
+                <a:effectLst/>
+                <a:latin typeface="Calibri" panose="020F0502020204030204" pitchFamily="34" charset="0"/>
+                <a:ea typeface="+mn-ea"/>
+                <a:cs typeface="+mn-cs"/>
+              </a:rPr>
+              <a:t> </a:t>
+            </a:r>
+            <a:r>
+              <a:rPr lang="en-US" sz="1800" kern="1200" dirty="0" err="1">
+                <a:solidFill>
+                  <a:srgbClr val="000000"/>
+                </a:solidFill>
+                <a:effectLst/>
+                <a:latin typeface="Calibri" panose="020F0502020204030204" pitchFamily="34" charset="0"/>
+                <a:ea typeface="+mn-ea"/>
+                <a:cs typeface="+mn-cs"/>
+              </a:rPr>
+              <a:t>dilakukan</a:t>
+            </a:r>
+            <a:r>
+              <a:rPr lang="en-US" sz="1800" kern="1200" dirty="0">
+                <a:solidFill>
+                  <a:srgbClr val="000000"/>
+                </a:solidFill>
+                <a:effectLst/>
+                <a:latin typeface="Calibri" panose="020F0502020204030204" pitchFamily="34" charset="0"/>
+                <a:ea typeface="+mn-ea"/>
+                <a:cs typeface="+mn-cs"/>
+              </a:rPr>
+              <a:t> </a:t>
+            </a:r>
+            <a:r>
+              <a:rPr lang="en-US" sz="1800" i="1" kern="1200" dirty="0">
+                <a:solidFill>
+                  <a:srgbClr val="FF0000"/>
+                </a:solidFill>
+                <a:effectLst/>
+                <a:latin typeface="Calibri" panose="020F0502020204030204" pitchFamily="34" charset="0"/>
+                <a:ea typeface="+mn-ea"/>
+                <a:cs typeface="+mn-cs"/>
+              </a:rPr>
+              <a:t>observe</a:t>
+            </a:r>
+            <a:r>
+              <a:rPr lang="en-US" sz="1800" i="1" kern="1200" dirty="0">
+                <a:solidFill>
+                  <a:srgbClr val="000000"/>
+                </a:solidFill>
+                <a:effectLst/>
+                <a:latin typeface="Calibri" panose="020F0502020204030204" pitchFamily="34" charset="0"/>
+                <a:ea typeface="+mn-ea"/>
+                <a:cs typeface="+mn-cs"/>
+              </a:rPr>
+              <a:t>,</a:t>
+            </a:r>
+            <a:r>
+              <a:rPr lang="en-US" sz="1800" kern="1200" dirty="0">
+                <a:solidFill>
+                  <a:srgbClr val="000000"/>
+                </a:solidFill>
+                <a:effectLst/>
+                <a:latin typeface="Calibri" panose="020F0502020204030204" pitchFamily="34" charset="0"/>
+                <a:ea typeface="+mn-ea"/>
+                <a:cs typeface="+mn-cs"/>
+              </a:rPr>
+              <a:t> </a:t>
+            </a:r>
+            <a:r>
+              <a:rPr lang="en-US" sz="1800" kern="1200" dirty="0" err="1">
+                <a:solidFill>
+                  <a:srgbClr val="000000"/>
+                </a:solidFill>
+                <a:effectLst/>
+                <a:latin typeface="Calibri" panose="020F0502020204030204" pitchFamily="34" charset="0"/>
+                <a:ea typeface="+mn-ea"/>
+                <a:cs typeface="+mn-cs"/>
+              </a:rPr>
+              <a:t>memegang</a:t>
+            </a:r>
+            <a:r>
+              <a:rPr lang="en-US" sz="1800" kern="1200" dirty="0">
+                <a:solidFill>
+                  <a:srgbClr val="000000"/>
+                </a:solidFill>
+                <a:effectLst/>
+                <a:latin typeface="Calibri" panose="020F0502020204030204" pitchFamily="34" charset="0"/>
+                <a:ea typeface="+mn-ea"/>
+                <a:cs typeface="+mn-cs"/>
+              </a:rPr>
+              <a:t> data </a:t>
+            </a:r>
+            <a:r>
+              <a:rPr lang="en-US" sz="1800" kern="1200" dirty="0" err="1">
+                <a:solidFill>
+                  <a:srgbClr val="000000"/>
+                </a:solidFill>
+                <a:effectLst/>
+                <a:latin typeface="Calibri" panose="020F0502020204030204" pitchFamily="34" charset="0"/>
+                <a:ea typeface="+mn-ea"/>
+                <a:cs typeface="+mn-cs"/>
+              </a:rPr>
+              <a:t>terbaru</a:t>
+            </a:r>
+            <a:r>
+              <a:rPr lang="en-US" sz="1800" kern="1200" dirty="0">
+                <a:solidFill>
+                  <a:srgbClr val="000000"/>
+                </a:solidFill>
+                <a:effectLst/>
+                <a:latin typeface="Calibri" panose="020F0502020204030204" pitchFamily="34" charset="0"/>
+                <a:ea typeface="+mn-ea"/>
+                <a:cs typeface="+mn-cs"/>
+              </a:rPr>
+              <a:t> </a:t>
+            </a:r>
+            <a:r>
+              <a:rPr lang="en-US" sz="1800" kern="1200" dirty="0" err="1">
+                <a:solidFill>
+                  <a:srgbClr val="000000"/>
+                </a:solidFill>
+                <a:effectLst/>
+                <a:latin typeface="Calibri" panose="020F0502020204030204" pitchFamily="34" charset="0"/>
+                <a:ea typeface="+mn-ea"/>
+                <a:cs typeface="+mn-cs"/>
+              </a:rPr>
+              <a:t>utk</a:t>
+            </a:r>
+            <a:r>
+              <a:rPr lang="en-US" sz="1800" kern="1200" dirty="0">
+                <a:solidFill>
+                  <a:srgbClr val="000000"/>
+                </a:solidFill>
+                <a:effectLst/>
+                <a:latin typeface="Calibri" panose="020F0502020204030204" pitchFamily="34" charset="0"/>
+                <a:ea typeface="+mn-ea"/>
+                <a:cs typeface="+mn-cs"/>
+              </a:rPr>
+              <a:t> </a:t>
+            </a:r>
+            <a:r>
+              <a:rPr lang="en-US" sz="1800" kern="1200" dirty="0">
+                <a:solidFill>
+                  <a:srgbClr val="FF0000"/>
+                </a:solidFill>
+                <a:effectLst/>
+                <a:latin typeface="Calibri" panose="020F0502020204030204" pitchFamily="34" charset="0"/>
+                <a:ea typeface="+mn-ea"/>
+                <a:cs typeface="+mn-cs"/>
+              </a:rPr>
+              <a:t>observer</a:t>
+            </a:r>
+            <a:endParaRPr lang="en-ID" sz="1600" dirty="0">
+              <a:solidFill>
+                <a:srgbClr val="FF0000"/>
+              </a:solidFill>
+              <a:effectLst/>
+            </a:endParaRPr>
+          </a:p>
+        </p:txBody>
+      </p:sp>
+      <p:sp>
+        <p:nvSpPr>
+          <p:cNvPr id="16" name="Subtitle 2">
+            <a:extLst>
+              <a:ext uri="{FF2B5EF4-FFF2-40B4-BE49-F238E27FC236}">
+                <a16:creationId xmlns:a16="http://schemas.microsoft.com/office/drawing/2014/main" id="{1BD91843-0817-0B59-BC27-4DA8DAEB0B4E}"/>
+              </a:ext>
+            </a:extLst>
+          </p:cNvPr>
+          <p:cNvSpPr txBox="1">
+            <a:spLocks/>
+          </p:cNvSpPr>
+          <p:nvPr/>
+        </p:nvSpPr>
+        <p:spPr>
+          <a:xfrm>
+            <a:off x="3477801" y="4903970"/>
+            <a:ext cx="2851599" cy="379834"/>
+          </a:xfrm>
+          <a:prstGeom prst="rect">
+            <a:avLst/>
+          </a:prstGeom>
+          <a:ln w="12700">
+            <a:noFill/>
+          </a:ln>
+        </p:spPr>
+        <p:txBody>
+          <a:bodyPr vert="horz" lIns="91440" tIns="45720" rIns="91440" bIns="45720" rtlCol="0">
+            <a:noAutofit/>
+          </a:bodyPr>
+          <a:lstStyle>
+            <a:lvl1pPr marL="0" indent="0" algn="ctr" defTabSz="914400" rtl="0" eaLnBrk="1" latinLnBrk="0" hangingPunct="1">
+              <a:lnSpc>
+                <a:spcPct val="90000"/>
+              </a:lnSpc>
+              <a:spcBef>
+                <a:spcPts val="1000"/>
+              </a:spcBef>
+              <a:buFont typeface="Arial" panose="020B0604020202020204" pitchFamily="34" charset="0"/>
+              <a:buNone/>
+              <a:defRPr sz="2400" kern="1200">
+                <a:solidFill>
+                  <a:schemeClr val="tx1"/>
+                </a:solidFill>
+                <a:latin typeface="+mn-lt"/>
+                <a:ea typeface="+mn-ea"/>
+                <a:cs typeface="+mn-cs"/>
+              </a:defRPr>
+            </a:lvl1pPr>
+            <a:lvl2pPr marL="457200" indent="0" algn="ctr" defTabSz="914400" rtl="0" eaLnBrk="1" latinLnBrk="0" hangingPunct="1">
+              <a:lnSpc>
+                <a:spcPct val="90000"/>
+              </a:lnSpc>
+              <a:spcBef>
+                <a:spcPts val="500"/>
+              </a:spcBef>
+              <a:buFont typeface="Arial" panose="020B0604020202020204" pitchFamily="34" charset="0"/>
+              <a:buNone/>
+              <a:defRPr sz="2000" kern="1200">
+                <a:solidFill>
+                  <a:schemeClr val="tx1"/>
+                </a:solidFill>
+                <a:latin typeface="+mn-lt"/>
+                <a:ea typeface="+mn-ea"/>
+                <a:cs typeface="+mn-cs"/>
+              </a:defRPr>
+            </a:lvl2pPr>
+            <a:lvl3pPr marL="914400" indent="0" algn="ctr" defTabSz="914400" rtl="0" eaLnBrk="1" latinLnBrk="0" hangingPunct="1">
+              <a:lnSpc>
+                <a:spcPct val="90000"/>
+              </a:lnSpc>
+              <a:spcBef>
+                <a:spcPts val="500"/>
+              </a:spcBef>
+              <a:buFont typeface="Arial" panose="020B0604020202020204" pitchFamily="34" charset="0"/>
+              <a:buNone/>
+              <a:defRPr sz="1800" kern="1200">
+                <a:solidFill>
+                  <a:schemeClr val="tx1"/>
+                </a:solidFill>
+                <a:latin typeface="+mn-lt"/>
+                <a:ea typeface="+mn-ea"/>
+                <a:cs typeface="+mn-cs"/>
+              </a:defRPr>
+            </a:lvl3pPr>
+            <a:lvl4pPr marL="1371600" indent="0" algn="ctr" defTabSz="914400" rtl="0" eaLnBrk="1" latinLnBrk="0" hangingPunct="1">
+              <a:lnSpc>
+                <a:spcPct val="90000"/>
+              </a:lnSpc>
+              <a:spcBef>
+                <a:spcPts val="500"/>
+              </a:spcBef>
+              <a:buFont typeface="Arial" panose="020B0604020202020204" pitchFamily="34" charset="0"/>
+              <a:buNone/>
+              <a:defRPr sz="1600" kern="1200">
+                <a:solidFill>
+                  <a:schemeClr val="tx1"/>
+                </a:solidFill>
+                <a:latin typeface="+mn-lt"/>
+                <a:ea typeface="+mn-ea"/>
+                <a:cs typeface="+mn-cs"/>
+              </a:defRPr>
+            </a:lvl4pPr>
+            <a:lvl5pPr marL="1828800" indent="0" algn="ctr" defTabSz="914400" rtl="0" eaLnBrk="1" latinLnBrk="0" hangingPunct="1">
+              <a:lnSpc>
+                <a:spcPct val="90000"/>
+              </a:lnSpc>
+              <a:spcBef>
+                <a:spcPts val="500"/>
+              </a:spcBef>
+              <a:buFont typeface="Arial" panose="020B0604020202020204" pitchFamily="34" charset="0"/>
+              <a:buNone/>
+              <a:defRPr sz="1600" kern="1200">
+                <a:solidFill>
+                  <a:schemeClr val="tx1"/>
+                </a:solidFill>
+                <a:latin typeface="+mn-lt"/>
+                <a:ea typeface="+mn-ea"/>
+                <a:cs typeface="+mn-cs"/>
+              </a:defRPr>
+            </a:lvl5pPr>
+            <a:lvl6pPr marL="2286000" indent="0" algn="ctr" defTabSz="914400" rtl="0" eaLnBrk="1" latinLnBrk="0" hangingPunct="1">
+              <a:lnSpc>
+                <a:spcPct val="90000"/>
+              </a:lnSpc>
+              <a:spcBef>
+                <a:spcPts val="500"/>
+              </a:spcBef>
+              <a:buFont typeface="Arial" panose="020B0604020202020204" pitchFamily="34" charset="0"/>
+              <a:buNone/>
+              <a:defRPr sz="1600" kern="1200">
+                <a:solidFill>
+                  <a:schemeClr val="tx1"/>
+                </a:solidFill>
+                <a:latin typeface="+mn-lt"/>
+                <a:ea typeface="+mn-ea"/>
+                <a:cs typeface="+mn-cs"/>
+              </a:defRPr>
+            </a:lvl6pPr>
+            <a:lvl7pPr marL="2743200" indent="0" algn="ctr" defTabSz="914400" rtl="0" eaLnBrk="1" latinLnBrk="0" hangingPunct="1">
+              <a:lnSpc>
+                <a:spcPct val="90000"/>
+              </a:lnSpc>
+              <a:spcBef>
+                <a:spcPts val="500"/>
+              </a:spcBef>
+              <a:buFont typeface="Arial" panose="020B0604020202020204" pitchFamily="34" charset="0"/>
+              <a:buNone/>
+              <a:defRPr sz="1600" kern="1200">
+                <a:solidFill>
+                  <a:schemeClr val="tx1"/>
+                </a:solidFill>
+                <a:latin typeface="+mn-lt"/>
+                <a:ea typeface="+mn-ea"/>
+                <a:cs typeface="+mn-cs"/>
+              </a:defRPr>
+            </a:lvl7pPr>
+            <a:lvl8pPr marL="3200400" indent="0" algn="ctr" defTabSz="914400" rtl="0" eaLnBrk="1" latinLnBrk="0" hangingPunct="1">
+              <a:lnSpc>
+                <a:spcPct val="90000"/>
+              </a:lnSpc>
+              <a:spcBef>
+                <a:spcPts val="500"/>
+              </a:spcBef>
+              <a:buFont typeface="Arial" panose="020B0604020202020204" pitchFamily="34" charset="0"/>
+              <a:buNone/>
+              <a:defRPr sz="1600" kern="1200">
+                <a:solidFill>
+                  <a:schemeClr val="tx1"/>
+                </a:solidFill>
+                <a:latin typeface="+mn-lt"/>
+                <a:ea typeface="+mn-ea"/>
+                <a:cs typeface="+mn-cs"/>
+              </a:defRPr>
+            </a:lvl8pPr>
+            <a:lvl9pPr marL="3657600" indent="0" algn="ctr" defTabSz="914400" rtl="0" eaLnBrk="1" latinLnBrk="0" hangingPunct="1">
+              <a:lnSpc>
+                <a:spcPct val="90000"/>
+              </a:lnSpc>
+              <a:spcBef>
+                <a:spcPts val="500"/>
+              </a:spcBef>
+              <a:buFont typeface="Arial" panose="020B0604020202020204" pitchFamily="34" charset="0"/>
+              <a:buNone/>
+              <a:defRPr sz="1600" kern="1200">
+                <a:solidFill>
+                  <a:schemeClr val="tx1"/>
+                </a:solidFill>
+                <a:latin typeface="+mn-lt"/>
+                <a:ea typeface="+mn-ea"/>
+                <a:cs typeface="+mn-cs"/>
+              </a:defRPr>
+            </a:lvl9pPr>
+          </a:lstStyle>
+          <a:p>
+            <a:pPr marL="0" rtl="0" eaLnBrk="1" latinLnBrk="0" hangingPunct="1">
+              <a:spcBef>
+                <a:spcPts val="0"/>
+              </a:spcBef>
+              <a:spcAft>
+                <a:spcPts val="0"/>
+              </a:spcAft>
+            </a:pPr>
+            <a:r>
+              <a:rPr lang="en-US" sz="1800" kern="1200" dirty="0" err="1">
+                <a:solidFill>
+                  <a:srgbClr val="000000"/>
+                </a:solidFill>
+                <a:effectLst/>
+                <a:latin typeface="Calibri" panose="020F0502020204030204" pitchFamily="34" charset="0"/>
+                <a:ea typeface="+mn-ea"/>
+                <a:cs typeface="+mn-cs"/>
+              </a:rPr>
+              <a:t>Mengelola</a:t>
+            </a:r>
+            <a:r>
+              <a:rPr lang="en-US" sz="1800" dirty="0">
+                <a:solidFill>
+                  <a:srgbClr val="000000"/>
+                </a:solidFill>
+                <a:latin typeface="Calibri" panose="020F0502020204030204" pitchFamily="34" charset="0"/>
+              </a:rPr>
+              <a:t> </a:t>
+            </a:r>
+            <a:r>
+              <a:rPr lang="en-US" sz="1800" dirty="0" err="1">
+                <a:solidFill>
+                  <a:srgbClr val="FF0000"/>
+                </a:solidFill>
+                <a:latin typeface="Calibri" panose="020F0502020204030204" pitchFamily="34" charset="0"/>
+              </a:rPr>
+              <a:t>banyak</a:t>
+            </a:r>
+            <a:r>
+              <a:rPr lang="en-US" sz="1800" dirty="0">
+                <a:solidFill>
+                  <a:srgbClr val="FF0000"/>
+                </a:solidFill>
+                <a:latin typeface="Calibri" panose="020F0502020204030204" pitchFamily="34" charset="0"/>
+              </a:rPr>
+              <a:t> </a:t>
+            </a:r>
+            <a:r>
+              <a:rPr lang="en-US" sz="1800" dirty="0" err="1">
+                <a:solidFill>
+                  <a:srgbClr val="FF0000"/>
+                </a:solidFill>
+                <a:latin typeface="Calibri" panose="020F0502020204030204" pitchFamily="34" charset="0"/>
+              </a:rPr>
+              <a:t>sumber</a:t>
+            </a:r>
+            <a:r>
+              <a:rPr lang="en-US" sz="1800" dirty="0">
+                <a:solidFill>
+                  <a:srgbClr val="FF0000"/>
+                </a:solidFill>
+                <a:latin typeface="Calibri" panose="020F0502020204030204" pitchFamily="34" charset="0"/>
+              </a:rPr>
+              <a:t> data</a:t>
+            </a:r>
+            <a:r>
+              <a:rPr lang="en-US" sz="1800" dirty="0">
+                <a:solidFill>
+                  <a:srgbClr val="000000"/>
+                </a:solidFill>
+                <a:latin typeface="Calibri" panose="020F0502020204030204" pitchFamily="34" charset="0"/>
+              </a:rPr>
+              <a:t> (local dan network)</a:t>
+            </a:r>
+            <a:endParaRPr lang="en-ID" sz="1600" dirty="0">
+              <a:solidFill>
+                <a:srgbClr val="FF0000"/>
+              </a:solidFill>
+              <a:effectLst/>
+            </a:endParaRPr>
+          </a:p>
+        </p:txBody>
+      </p:sp>
+      <p:sp>
+        <p:nvSpPr>
+          <p:cNvPr id="18" name="Subtitle 2">
+            <a:extLst>
+              <a:ext uri="{FF2B5EF4-FFF2-40B4-BE49-F238E27FC236}">
+                <a16:creationId xmlns:a16="http://schemas.microsoft.com/office/drawing/2014/main" id="{8497EA46-1118-1DA6-478F-D8A324214F8F}"/>
+              </a:ext>
+            </a:extLst>
+          </p:cNvPr>
+          <p:cNvSpPr txBox="1">
+            <a:spLocks/>
+          </p:cNvSpPr>
+          <p:nvPr/>
+        </p:nvSpPr>
+        <p:spPr>
+          <a:xfrm>
+            <a:off x="6095992" y="4905603"/>
+            <a:ext cx="2851599" cy="379834"/>
+          </a:xfrm>
+          <a:prstGeom prst="rect">
+            <a:avLst/>
+          </a:prstGeom>
+          <a:ln w="12700">
+            <a:noFill/>
+          </a:ln>
+        </p:spPr>
+        <p:txBody>
+          <a:bodyPr vert="horz" lIns="91440" tIns="45720" rIns="91440" bIns="45720" rtlCol="0">
+            <a:noAutofit/>
+          </a:bodyPr>
+          <a:lstStyle>
+            <a:lvl1pPr marL="0" indent="0" algn="ctr" defTabSz="914400" rtl="0" eaLnBrk="1" latinLnBrk="0" hangingPunct="1">
+              <a:lnSpc>
+                <a:spcPct val="90000"/>
+              </a:lnSpc>
+              <a:spcBef>
+                <a:spcPts val="1000"/>
+              </a:spcBef>
+              <a:buFont typeface="Arial" panose="020B0604020202020204" pitchFamily="34" charset="0"/>
+              <a:buNone/>
+              <a:defRPr sz="2400" kern="1200">
+                <a:solidFill>
+                  <a:schemeClr val="tx1"/>
+                </a:solidFill>
+                <a:latin typeface="+mn-lt"/>
+                <a:ea typeface="+mn-ea"/>
+                <a:cs typeface="+mn-cs"/>
+              </a:defRPr>
+            </a:lvl1pPr>
+            <a:lvl2pPr marL="457200" indent="0" algn="ctr" defTabSz="914400" rtl="0" eaLnBrk="1" latinLnBrk="0" hangingPunct="1">
+              <a:lnSpc>
+                <a:spcPct val="90000"/>
+              </a:lnSpc>
+              <a:spcBef>
+                <a:spcPts val="500"/>
+              </a:spcBef>
+              <a:buFont typeface="Arial" panose="020B0604020202020204" pitchFamily="34" charset="0"/>
+              <a:buNone/>
+              <a:defRPr sz="2000" kern="1200">
+                <a:solidFill>
+                  <a:schemeClr val="tx1"/>
+                </a:solidFill>
+                <a:latin typeface="+mn-lt"/>
+                <a:ea typeface="+mn-ea"/>
+                <a:cs typeface="+mn-cs"/>
+              </a:defRPr>
+            </a:lvl2pPr>
+            <a:lvl3pPr marL="914400" indent="0" algn="ctr" defTabSz="914400" rtl="0" eaLnBrk="1" latinLnBrk="0" hangingPunct="1">
+              <a:lnSpc>
+                <a:spcPct val="90000"/>
+              </a:lnSpc>
+              <a:spcBef>
+                <a:spcPts val="500"/>
+              </a:spcBef>
+              <a:buFont typeface="Arial" panose="020B0604020202020204" pitchFamily="34" charset="0"/>
+              <a:buNone/>
+              <a:defRPr sz="1800" kern="1200">
+                <a:solidFill>
+                  <a:schemeClr val="tx1"/>
+                </a:solidFill>
+                <a:latin typeface="+mn-lt"/>
+                <a:ea typeface="+mn-ea"/>
+                <a:cs typeface="+mn-cs"/>
+              </a:defRPr>
+            </a:lvl3pPr>
+            <a:lvl4pPr marL="1371600" indent="0" algn="ctr" defTabSz="914400" rtl="0" eaLnBrk="1" latinLnBrk="0" hangingPunct="1">
+              <a:lnSpc>
+                <a:spcPct val="90000"/>
+              </a:lnSpc>
+              <a:spcBef>
+                <a:spcPts val="500"/>
+              </a:spcBef>
+              <a:buFont typeface="Arial" panose="020B0604020202020204" pitchFamily="34" charset="0"/>
+              <a:buNone/>
+              <a:defRPr sz="1600" kern="1200">
+                <a:solidFill>
+                  <a:schemeClr val="tx1"/>
+                </a:solidFill>
+                <a:latin typeface="+mn-lt"/>
+                <a:ea typeface="+mn-ea"/>
+                <a:cs typeface="+mn-cs"/>
+              </a:defRPr>
+            </a:lvl4pPr>
+            <a:lvl5pPr marL="1828800" indent="0" algn="ctr" defTabSz="914400" rtl="0" eaLnBrk="1" latinLnBrk="0" hangingPunct="1">
+              <a:lnSpc>
+                <a:spcPct val="90000"/>
+              </a:lnSpc>
+              <a:spcBef>
+                <a:spcPts val="500"/>
+              </a:spcBef>
+              <a:buFont typeface="Arial" panose="020B0604020202020204" pitchFamily="34" charset="0"/>
+              <a:buNone/>
+              <a:defRPr sz="1600" kern="1200">
+                <a:solidFill>
+                  <a:schemeClr val="tx1"/>
+                </a:solidFill>
+                <a:latin typeface="+mn-lt"/>
+                <a:ea typeface="+mn-ea"/>
+                <a:cs typeface="+mn-cs"/>
+              </a:defRPr>
+            </a:lvl5pPr>
+            <a:lvl6pPr marL="2286000" indent="0" algn="ctr" defTabSz="914400" rtl="0" eaLnBrk="1" latinLnBrk="0" hangingPunct="1">
+              <a:lnSpc>
+                <a:spcPct val="90000"/>
+              </a:lnSpc>
+              <a:spcBef>
+                <a:spcPts val="500"/>
+              </a:spcBef>
+              <a:buFont typeface="Arial" panose="020B0604020202020204" pitchFamily="34" charset="0"/>
+              <a:buNone/>
+              <a:defRPr sz="1600" kern="1200">
+                <a:solidFill>
+                  <a:schemeClr val="tx1"/>
+                </a:solidFill>
+                <a:latin typeface="+mn-lt"/>
+                <a:ea typeface="+mn-ea"/>
+                <a:cs typeface="+mn-cs"/>
+              </a:defRPr>
+            </a:lvl6pPr>
+            <a:lvl7pPr marL="2743200" indent="0" algn="ctr" defTabSz="914400" rtl="0" eaLnBrk="1" latinLnBrk="0" hangingPunct="1">
+              <a:lnSpc>
+                <a:spcPct val="90000"/>
+              </a:lnSpc>
+              <a:spcBef>
+                <a:spcPts val="500"/>
+              </a:spcBef>
+              <a:buFont typeface="Arial" panose="020B0604020202020204" pitchFamily="34" charset="0"/>
+              <a:buNone/>
+              <a:defRPr sz="1600" kern="1200">
+                <a:solidFill>
+                  <a:schemeClr val="tx1"/>
+                </a:solidFill>
+                <a:latin typeface="+mn-lt"/>
+                <a:ea typeface="+mn-ea"/>
+                <a:cs typeface="+mn-cs"/>
+              </a:defRPr>
+            </a:lvl7pPr>
+            <a:lvl8pPr marL="3200400" indent="0" algn="ctr" defTabSz="914400" rtl="0" eaLnBrk="1" latinLnBrk="0" hangingPunct="1">
+              <a:lnSpc>
+                <a:spcPct val="90000"/>
+              </a:lnSpc>
+              <a:spcBef>
+                <a:spcPts val="500"/>
+              </a:spcBef>
+              <a:buFont typeface="Arial" panose="020B0604020202020204" pitchFamily="34" charset="0"/>
+              <a:buNone/>
+              <a:defRPr sz="1600" kern="1200">
+                <a:solidFill>
+                  <a:schemeClr val="tx1"/>
+                </a:solidFill>
+                <a:latin typeface="+mn-lt"/>
+                <a:ea typeface="+mn-ea"/>
+                <a:cs typeface="+mn-cs"/>
+              </a:defRPr>
+            </a:lvl8pPr>
+            <a:lvl9pPr marL="3657600" indent="0" algn="ctr" defTabSz="914400" rtl="0" eaLnBrk="1" latinLnBrk="0" hangingPunct="1">
+              <a:lnSpc>
+                <a:spcPct val="90000"/>
+              </a:lnSpc>
+              <a:spcBef>
+                <a:spcPts val="500"/>
+              </a:spcBef>
+              <a:buFont typeface="Arial" panose="020B0604020202020204" pitchFamily="34" charset="0"/>
+              <a:buNone/>
+              <a:defRPr sz="1600" kern="1200">
+                <a:solidFill>
+                  <a:schemeClr val="tx1"/>
+                </a:solidFill>
+                <a:latin typeface="+mn-lt"/>
+                <a:ea typeface="+mn-ea"/>
+                <a:cs typeface="+mn-cs"/>
+              </a:defRPr>
+            </a:lvl9pPr>
+          </a:lstStyle>
+          <a:p>
+            <a:pPr marL="0" rtl="0" eaLnBrk="1" latinLnBrk="0" hangingPunct="1">
+              <a:spcBef>
+                <a:spcPts val="0"/>
+              </a:spcBef>
+              <a:spcAft>
+                <a:spcPts val="0"/>
+              </a:spcAft>
+            </a:pPr>
+            <a:r>
+              <a:rPr lang="en-US" sz="1800" kern="1200" dirty="0" err="1">
+                <a:solidFill>
+                  <a:srgbClr val="000000"/>
+                </a:solidFill>
+                <a:effectLst/>
+                <a:latin typeface="Calibri" panose="020F0502020204030204" pitchFamily="34" charset="0"/>
+                <a:ea typeface="+mn-ea"/>
+                <a:cs typeface="+mn-cs"/>
+              </a:rPr>
+              <a:t>Sumber</a:t>
+            </a:r>
+            <a:r>
+              <a:rPr lang="en-US" sz="1800" kern="1200" dirty="0">
+                <a:solidFill>
+                  <a:srgbClr val="000000"/>
+                </a:solidFill>
+                <a:effectLst/>
+                <a:latin typeface="Calibri" panose="020F0502020204030204" pitchFamily="34" charset="0"/>
+                <a:ea typeface="+mn-ea"/>
+                <a:cs typeface="+mn-cs"/>
+              </a:rPr>
+              <a:t> data </a:t>
+            </a:r>
+            <a:r>
+              <a:rPr lang="en-US" sz="1800" kern="1200" dirty="0" err="1">
+                <a:solidFill>
+                  <a:srgbClr val="000000"/>
+                </a:solidFill>
+                <a:effectLst/>
+                <a:latin typeface="Calibri" panose="020F0502020204030204" pitchFamily="34" charset="0"/>
+                <a:ea typeface="+mn-ea"/>
+                <a:cs typeface="+mn-cs"/>
+              </a:rPr>
+              <a:t>dari</a:t>
+            </a:r>
+            <a:r>
+              <a:rPr lang="en-US" sz="1800" kern="1200" dirty="0">
+                <a:solidFill>
+                  <a:srgbClr val="000000"/>
+                </a:solidFill>
+                <a:effectLst/>
+                <a:latin typeface="Calibri" panose="020F0502020204030204" pitchFamily="34" charset="0"/>
+                <a:ea typeface="+mn-ea"/>
+                <a:cs typeface="+mn-cs"/>
+              </a:rPr>
+              <a:t> </a:t>
+            </a:r>
+            <a:r>
+              <a:rPr lang="en-US" sz="1800" kern="1200" dirty="0" err="1">
+                <a:solidFill>
+                  <a:srgbClr val="FF0000"/>
+                </a:solidFill>
+                <a:effectLst/>
+                <a:latin typeface="Calibri" panose="020F0502020204030204" pitchFamily="34" charset="0"/>
+                <a:ea typeface="+mn-ea"/>
+                <a:cs typeface="+mn-cs"/>
+              </a:rPr>
+              <a:t>lokal</a:t>
+            </a:r>
+            <a:r>
+              <a:rPr lang="en-US" sz="1800" kern="1200" dirty="0">
+                <a:solidFill>
+                  <a:srgbClr val="000000"/>
+                </a:solidFill>
+                <a:effectLst/>
+                <a:latin typeface="Calibri" panose="020F0502020204030204" pitchFamily="34" charset="0"/>
+                <a:ea typeface="+mn-ea"/>
+                <a:cs typeface="+mn-cs"/>
+              </a:rPr>
+              <a:t> (</a:t>
+            </a:r>
+            <a:r>
+              <a:rPr lang="en-US" sz="1800" kern="1200" dirty="0" err="1">
+                <a:solidFill>
+                  <a:srgbClr val="000000"/>
+                </a:solidFill>
+                <a:effectLst/>
+                <a:latin typeface="Calibri" panose="020F0502020204030204" pitchFamily="34" charset="0"/>
+                <a:ea typeface="+mn-ea"/>
+                <a:cs typeface="+mn-cs"/>
+              </a:rPr>
+              <a:t>representasi</a:t>
+            </a:r>
+            <a:r>
+              <a:rPr lang="en-US" sz="1800" kern="1200" dirty="0">
+                <a:solidFill>
+                  <a:srgbClr val="000000"/>
+                </a:solidFill>
+                <a:effectLst/>
+                <a:latin typeface="Calibri" panose="020F0502020204030204" pitchFamily="34" charset="0"/>
+                <a:ea typeface="+mn-ea"/>
+                <a:cs typeface="+mn-cs"/>
+              </a:rPr>
+              <a:t> </a:t>
+            </a:r>
+            <a:r>
+              <a:rPr lang="en-US" sz="1800" kern="1200" dirty="0" err="1">
+                <a:solidFill>
+                  <a:srgbClr val="000000"/>
+                </a:solidFill>
+                <a:effectLst/>
+                <a:latin typeface="Calibri" panose="020F0502020204030204" pitchFamily="34" charset="0"/>
+                <a:ea typeface="+mn-ea"/>
+                <a:cs typeface="+mn-cs"/>
+              </a:rPr>
+              <a:t>dari</a:t>
+            </a:r>
+            <a:r>
+              <a:rPr lang="en-US" sz="1800" kern="1200" dirty="0">
+                <a:solidFill>
+                  <a:srgbClr val="000000"/>
+                </a:solidFill>
+                <a:effectLst/>
+                <a:latin typeface="Calibri" panose="020F0502020204030204" pitchFamily="34" charset="0"/>
+                <a:ea typeface="+mn-ea"/>
+                <a:cs typeface="+mn-cs"/>
+              </a:rPr>
+              <a:t> SQLite)</a:t>
+            </a:r>
+            <a:endParaRPr lang="en-ID" sz="1600" dirty="0">
+              <a:solidFill>
+                <a:srgbClr val="FF0000"/>
+              </a:solidFill>
+              <a:effectLst/>
+            </a:endParaRPr>
+          </a:p>
+        </p:txBody>
+      </p:sp>
+      <p:sp>
+        <p:nvSpPr>
+          <p:cNvPr id="19" name="Subtitle 2">
+            <a:extLst>
+              <a:ext uri="{FF2B5EF4-FFF2-40B4-BE49-F238E27FC236}">
+                <a16:creationId xmlns:a16="http://schemas.microsoft.com/office/drawing/2014/main" id="{23FD6DAE-33B8-5D6F-AE57-D769031EAE8C}"/>
+              </a:ext>
+            </a:extLst>
+          </p:cNvPr>
+          <p:cNvSpPr txBox="1">
+            <a:spLocks/>
+          </p:cNvSpPr>
+          <p:nvPr/>
+        </p:nvSpPr>
+        <p:spPr>
+          <a:xfrm>
+            <a:off x="8547712" y="4903970"/>
+            <a:ext cx="2851599" cy="379834"/>
+          </a:xfrm>
+          <a:prstGeom prst="rect">
+            <a:avLst/>
+          </a:prstGeom>
+          <a:ln w="12700">
+            <a:noFill/>
+          </a:ln>
+        </p:spPr>
+        <p:txBody>
+          <a:bodyPr vert="horz" lIns="91440" tIns="45720" rIns="91440" bIns="45720" rtlCol="0">
+            <a:noAutofit/>
+          </a:bodyPr>
+          <a:lstStyle>
+            <a:lvl1pPr marL="0" indent="0" algn="ctr" defTabSz="914400" rtl="0" eaLnBrk="1" latinLnBrk="0" hangingPunct="1">
+              <a:lnSpc>
+                <a:spcPct val="90000"/>
+              </a:lnSpc>
+              <a:spcBef>
+                <a:spcPts val="1000"/>
+              </a:spcBef>
+              <a:buFont typeface="Arial" panose="020B0604020202020204" pitchFamily="34" charset="0"/>
+              <a:buNone/>
+              <a:defRPr sz="2400" kern="1200">
+                <a:solidFill>
+                  <a:schemeClr val="tx1"/>
+                </a:solidFill>
+                <a:latin typeface="+mn-lt"/>
+                <a:ea typeface="+mn-ea"/>
+                <a:cs typeface="+mn-cs"/>
+              </a:defRPr>
+            </a:lvl1pPr>
+            <a:lvl2pPr marL="457200" indent="0" algn="ctr" defTabSz="914400" rtl="0" eaLnBrk="1" latinLnBrk="0" hangingPunct="1">
+              <a:lnSpc>
+                <a:spcPct val="90000"/>
+              </a:lnSpc>
+              <a:spcBef>
+                <a:spcPts val="500"/>
+              </a:spcBef>
+              <a:buFont typeface="Arial" panose="020B0604020202020204" pitchFamily="34" charset="0"/>
+              <a:buNone/>
+              <a:defRPr sz="2000" kern="1200">
+                <a:solidFill>
+                  <a:schemeClr val="tx1"/>
+                </a:solidFill>
+                <a:latin typeface="+mn-lt"/>
+                <a:ea typeface="+mn-ea"/>
+                <a:cs typeface="+mn-cs"/>
+              </a:defRPr>
+            </a:lvl2pPr>
+            <a:lvl3pPr marL="914400" indent="0" algn="ctr" defTabSz="914400" rtl="0" eaLnBrk="1" latinLnBrk="0" hangingPunct="1">
+              <a:lnSpc>
+                <a:spcPct val="90000"/>
+              </a:lnSpc>
+              <a:spcBef>
+                <a:spcPts val="500"/>
+              </a:spcBef>
+              <a:buFont typeface="Arial" panose="020B0604020202020204" pitchFamily="34" charset="0"/>
+              <a:buNone/>
+              <a:defRPr sz="1800" kern="1200">
+                <a:solidFill>
+                  <a:schemeClr val="tx1"/>
+                </a:solidFill>
+                <a:latin typeface="+mn-lt"/>
+                <a:ea typeface="+mn-ea"/>
+                <a:cs typeface="+mn-cs"/>
+              </a:defRPr>
+            </a:lvl3pPr>
+            <a:lvl4pPr marL="1371600" indent="0" algn="ctr" defTabSz="914400" rtl="0" eaLnBrk="1" latinLnBrk="0" hangingPunct="1">
+              <a:lnSpc>
+                <a:spcPct val="90000"/>
+              </a:lnSpc>
+              <a:spcBef>
+                <a:spcPts val="500"/>
+              </a:spcBef>
+              <a:buFont typeface="Arial" panose="020B0604020202020204" pitchFamily="34" charset="0"/>
+              <a:buNone/>
+              <a:defRPr sz="1600" kern="1200">
+                <a:solidFill>
+                  <a:schemeClr val="tx1"/>
+                </a:solidFill>
+                <a:latin typeface="+mn-lt"/>
+                <a:ea typeface="+mn-ea"/>
+                <a:cs typeface="+mn-cs"/>
+              </a:defRPr>
+            </a:lvl4pPr>
+            <a:lvl5pPr marL="1828800" indent="0" algn="ctr" defTabSz="914400" rtl="0" eaLnBrk="1" latinLnBrk="0" hangingPunct="1">
+              <a:lnSpc>
+                <a:spcPct val="90000"/>
+              </a:lnSpc>
+              <a:spcBef>
+                <a:spcPts val="500"/>
+              </a:spcBef>
+              <a:buFont typeface="Arial" panose="020B0604020202020204" pitchFamily="34" charset="0"/>
+              <a:buNone/>
+              <a:defRPr sz="1600" kern="1200">
+                <a:solidFill>
+                  <a:schemeClr val="tx1"/>
+                </a:solidFill>
+                <a:latin typeface="+mn-lt"/>
+                <a:ea typeface="+mn-ea"/>
+                <a:cs typeface="+mn-cs"/>
+              </a:defRPr>
+            </a:lvl5pPr>
+            <a:lvl6pPr marL="2286000" indent="0" algn="ctr" defTabSz="914400" rtl="0" eaLnBrk="1" latinLnBrk="0" hangingPunct="1">
+              <a:lnSpc>
+                <a:spcPct val="90000"/>
+              </a:lnSpc>
+              <a:spcBef>
+                <a:spcPts val="500"/>
+              </a:spcBef>
+              <a:buFont typeface="Arial" panose="020B0604020202020204" pitchFamily="34" charset="0"/>
+              <a:buNone/>
+              <a:defRPr sz="1600" kern="1200">
+                <a:solidFill>
+                  <a:schemeClr val="tx1"/>
+                </a:solidFill>
+                <a:latin typeface="+mn-lt"/>
+                <a:ea typeface="+mn-ea"/>
+                <a:cs typeface="+mn-cs"/>
+              </a:defRPr>
+            </a:lvl6pPr>
+            <a:lvl7pPr marL="2743200" indent="0" algn="ctr" defTabSz="914400" rtl="0" eaLnBrk="1" latinLnBrk="0" hangingPunct="1">
+              <a:lnSpc>
+                <a:spcPct val="90000"/>
+              </a:lnSpc>
+              <a:spcBef>
+                <a:spcPts val="500"/>
+              </a:spcBef>
+              <a:buFont typeface="Arial" panose="020B0604020202020204" pitchFamily="34" charset="0"/>
+              <a:buNone/>
+              <a:defRPr sz="1600" kern="1200">
+                <a:solidFill>
+                  <a:schemeClr val="tx1"/>
+                </a:solidFill>
+                <a:latin typeface="+mn-lt"/>
+                <a:ea typeface="+mn-ea"/>
+                <a:cs typeface="+mn-cs"/>
+              </a:defRPr>
+            </a:lvl7pPr>
+            <a:lvl8pPr marL="3200400" indent="0" algn="ctr" defTabSz="914400" rtl="0" eaLnBrk="1" latinLnBrk="0" hangingPunct="1">
+              <a:lnSpc>
+                <a:spcPct val="90000"/>
+              </a:lnSpc>
+              <a:spcBef>
+                <a:spcPts val="500"/>
+              </a:spcBef>
+              <a:buFont typeface="Arial" panose="020B0604020202020204" pitchFamily="34" charset="0"/>
+              <a:buNone/>
+              <a:defRPr sz="1600" kern="1200">
+                <a:solidFill>
+                  <a:schemeClr val="tx1"/>
+                </a:solidFill>
+                <a:latin typeface="+mn-lt"/>
+                <a:ea typeface="+mn-ea"/>
+                <a:cs typeface="+mn-cs"/>
+              </a:defRPr>
+            </a:lvl8pPr>
+            <a:lvl9pPr marL="3657600" indent="0" algn="ctr" defTabSz="914400" rtl="0" eaLnBrk="1" latinLnBrk="0" hangingPunct="1">
+              <a:lnSpc>
+                <a:spcPct val="90000"/>
+              </a:lnSpc>
+              <a:spcBef>
+                <a:spcPts val="500"/>
+              </a:spcBef>
+              <a:buFont typeface="Arial" panose="020B0604020202020204" pitchFamily="34" charset="0"/>
+              <a:buNone/>
+              <a:defRPr sz="1600" kern="1200">
+                <a:solidFill>
+                  <a:schemeClr val="tx1"/>
+                </a:solidFill>
+                <a:latin typeface="+mn-lt"/>
+                <a:ea typeface="+mn-ea"/>
+                <a:cs typeface="+mn-cs"/>
+              </a:defRPr>
+            </a:lvl9pPr>
+          </a:lstStyle>
+          <a:p>
+            <a:pPr marL="0" rtl="0" eaLnBrk="1" latinLnBrk="0" hangingPunct="1">
+              <a:spcBef>
+                <a:spcPts val="0"/>
+              </a:spcBef>
+              <a:spcAft>
+                <a:spcPts val="0"/>
+              </a:spcAft>
+            </a:pPr>
+            <a:r>
+              <a:rPr lang="en-US" sz="1800" kern="1200" dirty="0" err="1">
+                <a:solidFill>
+                  <a:srgbClr val="000000"/>
+                </a:solidFill>
+                <a:effectLst/>
+                <a:latin typeface="Calibri" panose="020F0502020204030204" pitchFamily="34" charset="0"/>
+                <a:ea typeface="+mn-ea"/>
+                <a:cs typeface="+mn-cs"/>
+              </a:rPr>
+              <a:t>Sumber</a:t>
+            </a:r>
+            <a:r>
+              <a:rPr lang="en-US" sz="1800" kern="1200" dirty="0">
+                <a:solidFill>
+                  <a:srgbClr val="000000"/>
+                </a:solidFill>
+                <a:effectLst/>
+                <a:latin typeface="Calibri" panose="020F0502020204030204" pitchFamily="34" charset="0"/>
+                <a:ea typeface="+mn-ea"/>
+                <a:cs typeface="+mn-cs"/>
+              </a:rPr>
+              <a:t> data </a:t>
+            </a:r>
+            <a:r>
+              <a:rPr lang="en-US" sz="1800" kern="1200" dirty="0" err="1">
+                <a:solidFill>
+                  <a:srgbClr val="000000"/>
+                </a:solidFill>
+                <a:effectLst/>
+                <a:latin typeface="Calibri" panose="020F0502020204030204" pitchFamily="34" charset="0"/>
+                <a:ea typeface="+mn-ea"/>
+                <a:cs typeface="+mn-cs"/>
+              </a:rPr>
+              <a:t>dari</a:t>
+            </a:r>
+            <a:r>
+              <a:rPr lang="en-US" sz="1800" kern="1200" dirty="0">
+                <a:solidFill>
+                  <a:srgbClr val="000000"/>
+                </a:solidFill>
+                <a:effectLst/>
+                <a:latin typeface="Calibri" panose="020F0502020204030204" pitchFamily="34" charset="0"/>
+                <a:ea typeface="+mn-ea"/>
+                <a:cs typeface="+mn-cs"/>
+              </a:rPr>
+              <a:t> </a:t>
+            </a:r>
+            <a:r>
+              <a:rPr lang="en-US" sz="1800" kern="1200" dirty="0">
+                <a:solidFill>
+                  <a:srgbClr val="FF0000"/>
+                </a:solidFill>
+                <a:effectLst/>
+                <a:latin typeface="Calibri" panose="020F0502020204030204" pitchFamily="34" charset="0"/>
+                <a:ea typeface="+mn-ea"/>
+                <a:cs typeface="+mn-cs"/>
+              </a:rPr>
+              <a:t>network</a:t>
+            </a:r>
+            <a:r>
+              <a:rPr lang="en-US" sz="1800" kern="1200" dirty="0">
+                <a:solidFill>
+                  <a:srgbClr val="000000"/>
+                </a:solidFill>
+                <a:effectLst/>
+                <a:latin typeface="Calibri" panose="020F0502020204030204" pitchFamily="34" charset="0"/>
+                <a:ea typeface="+mn-ea"/>
+                <a:cs typeface="+mn-cs"/>
+              </a:rPr>
+              <a:t> (rest API, Firebase </a:t>
+            </a:r>
+            <a:r>
+              <a:rPr lang="en-US" sz="1800" kern="1200" dirty="0" err="1">
+                <a:solidFill>
+                  <a:srgbClr val="000000"/>
+                </a:solidFill>
+                <a:effectLst/>
+                <a:latin typeface="Calibri" panose="020F0502020204030204" pitchFamily="34" charset="0"/>
+                <a:ea typeface="+mn-ea"/>
+                <a:cs typeface="+mn-cs"/>
+              </a:rPr>
+              <a:t>dll</a:t>
+            </a:r>
+            <a:r>
+              <a:rPr lang="en-US" sz="1800" kern="1200" dirty="0">
+                <a:solidFill>
+                  <a:srgbClr val="000000"/>
+                </a:solidFill>
+                <a:effectLst/>
+                <a:latin typeface="Calibri" panose="020F0502020204030204" pitchFamily="34" charset="0"/>
+                <a:ea typeface="+mn-ea"/>
+                <a:cs typeface="+mn-cs"/>
+              </a:rPr>
+              <a:t>)</a:t>
+            </a:r>
+            <a:endParaRPr lang="en-ID" sz="1600" dirty="0">
+              <a:solidFill>
+                <a:srgbClr val="FF0000"/>
+              </a:solidFill>
+              <a:effectLst/>
+            </a:endParaRPr>
+          </a:p>
+        </p:txBody>
+      </p:sp>
+    </p:spTree>
+    <p:extLst>
+      <p:ext uri="{BB962C8B-B14F-4D97-AF65-F5344CB8AC3E}">
+        <p14:creationId xmlns:p14="http://schemas.microsoft.com/office/powerpoint/2010/main" val="1246508900"/>
+      </p:ext>
+    </p:extLst>
+  </p:cSld>
+  <p:clrMapOvr>
+    <a:masterClrMapping/>
+  </p:clrMapOvr>
+</p:sld>
+</file>
+
+<file path=ppt/slides/slide6.xml><?xml version="1.0" encoding="utf-8"?>
+<p:sld xmlns:a="http://schemas.openxmlformats.org/drawingml/2006/main" xmlns:r="http://schemas.openxmlformats.org/officeDocument/2006/relationships" xmlns:p="http://schemas.openxmlformats.org/presentationml/2006/main">
+  <p:cSld>
+    <p:spTree>
+      <p:nvGrpSpPr>
+        <p:cNvPr id="1" name=""/>
+        <p:cNvGrpSpPr/>
+        <p:nvPr/>
+      </p:nvGrpSpPr>
+      <p:grpSpPr>
+        <a:xfrm>
+          <a:off x="0" y="0"/>
+          <a:ext cx="0" cy="0"/>
+          <a:chOff x="0" y="0"/>
+          <a:chExt cx="0" cy="0"/>
+        </a:xfrm>
+      </p:grpSpPr>
+      <p:sp>
+        <p:nvSpPr>
+          <p:cNvPr id="3" name="Subtitle 2">
+            <a:extLst>
+              <a:ext uri="{FF2B5EF4-FFF2-40B4-BE49-F238E27FC236}">
+                <a16:creationId xmlns:a16="http://schemas.microsoft.com/office/drawing/2014/main" id="{EF7BF7DD-2CB0-8996-ADC2-1B8C41794351}"/>
+              </a:ext>
+            </a:extLst>
+          </p:cNvPr>
+          <p:cNvSpPr>
+            <a:spLocks noGrp="1"/>
+          </p:cNvSpPr>
+          <p:nvPr>
+            <p:ph type="subTitle" idx="1"/>
+          </p:nvPr>
+        </p:nvSpPr>
+        <p:spPr>
+          <a:xfrm>
+            <a:off x="4714539" y="311838"/>
+            <a:ext cx="2762907" cy="368982"/>
+          </a:xfrm>
+          <a:ln w="12700">
+            <a:solidFill>
+              <a:schemeClr val="tx1"/>
+            </a:solidFill>
+          </a:ln>
+        </p:spPr>
+        <p:txBody>
+          <a:bodyPr>
+            <a:normAutofit fontScale="85000" lnSpcReduction="10000"/>
+          </a:bodyPr>
+          <a:lstStyle/>
+          <a:p>
+            <a:r>
+              <a:rPr lang="en-US" b="1" dirty="0"/>
+              <a:t>Repository &amp; Live Data</a:t>
+            </a:r>
+          </a:p>
+        </p:txBody>
+      </p:sp>
+      <p:sp>
+        <p:nvSpPr>
+          <p:cNvPr id="58" name="Subtitle 2">
+            <a:extLst>
+              <a:ext uri="{FF2B5EF4-FFF2-40B4-BE49-F238E27FC236}">
+                <a16:creationId xmlns:a16="http://schemas.microsoft.com/office/drawing/2014/main" id="{E1F8C54F-6400-A7AD-7895-7299D98A147F}"/>
+              </a:ext>
+            </a:extLst>
+          </p:cNvPr>
+          <p:cNvSpPr txBox="1">
+            <a:spLocks/>
+          </p:cNvSpPr>
+          <p:nvPr/>
+        </p:nvSpPr>
+        <p:spPr>
+          <a:xfrm>
+            <a:off x="785455" y="2055455"/>
+            <a:ext cx="3231478" cy="601833"/>
+          </a:xfrm>
+          <a:prstGeom prst="rect">
+            <a:avLst/>
+          </a:prstGeom>
+        </p:spPr>
+        <p:txBody>
+          <a:bodyPr vert="horz" lIns="91440" tIns="45720" rIns="91440" bIns="45720" rtlCol="0">
+            <a:noAutofit/>
+          </a:bodyPr>
+          <a:lstStyle>
+            <a:lvl1pPr marL="0" indent="0" algn="ctr" defTabSz="914400" rtl="0" eaLnBrk="1" latinLnBrk="0" hangingPunct="1">
+              <a:lnSpc>
+                <a:spcPct val="90000"/>
+              </a:lnSpc>
+              <a:spcBef>
+                <a:spcPts val="1000"/>
+              </a:spcBef>
+              <a:buFont typeface="Arial" panose="020B0604020202020204" pitchFamily="34" charset="0"/>
+              <a:buNone/>
+              <a:defRPr sz="2400" kern="1200">
+                <a:solidFill>
+                  <a:schemeClr val="tx1"/>
+                </a:solidFill>
+                <a:latin typeface="+mn-lt"/>
+                <a:ea typeface="+mn-ea"/>
+                <a:cs typeface="+mn-cs"/>
+              </a:defRPr>
+            </a:lvl1pPr>
+            <a:lvl2pPr marL="457200" indent="0" algn="ctr" defTabSz="914400" rtl="0" eaLnBrk="1" latinLnBrk="0" hangingPunct="1">
+              <a:lnSpc>
+                <a:spcPct val="90000"/>
+              </a:lnSpc>
+              <a:spcBef>
+                <a:spcPts val="500"/>
+              </a:spcBef>
+              <a:buFont typeface="Arial" panose="020B0604020202020204" pitchFamily="34" charset="0"/>
+              <a:buNone/>
+              <a:defRPr sz="2000" kern="1200">
+                <a:solidFill>
+                  <a:schemeClr val="tx1"/>
+                </a:solidFill>
+                <a:latin typeface="+mn-lt"/>
+                <a:ea typeface="+mn-ea"/>
+                <a:cs typeface="+mn-cs"/>
+              </a:defRPr>
+            </a:lvl2pPr>
+            <a:lvl3pPr marL="914400" indent="0" algn="ctr" defTabSz="914400" rtl="0" eaLnBrk="1" latinLnBrk="0" hangingPunct="1">
+              <a:lnSpc>
+                <a:spcPct val="90000"/>
+              </a:lnSpc>
+              <a:spcBef>
+                <a:spcPts val="500"/>
+              </a:spcBef>
+              <a:buFont typeface="Arial" panose="020B0604020202020204" pitchFamily="34" charset="0"/>
+              <a:buNone/>
+              <a:defRPr sz="1800" kern="1200">
+                <a:solidFill>
+                  <a:schemeClr val="tx1"/>
+                </a:solidFill>
+                <a:latin typeface="+mn-lt"/>
+                <a:ea typeface="+mn-ea"/>
+                <a:cs typeface="+mn-cs"/>
+              </a:defRPr>
+            </a:lvl3pPr>
+            <a:lvl4pPr marL="1371600" indent="0" algn="ctr" defTabSz="914400" rtl="0" eaLnBrk="1" latinLnBrk="0" hangingPunct="1">
+              <a:lnSpc>
+                <a:spcPct val="90000"/>
+              </a:lnSpc>
+              <a:spcBef>
+                <a:spcPts val="500"/>
+              </a:spcBef>
+              <a:buFont typeface="Arial" panose="020B0604020202020204" pitchFamily="34" charset="0"/>
+              <a:buNone/>
+              <a:defRPr sz="1600" kern="1200">
+                <a:solidFill>
+                  <a:schemeClr val="tx1"/>
+                </a:solidFill>
+                <a:latin typeface="+mn-lt"/>
+                <a:ea typeface="+mn-ea"/>
+                <a:cs typeface="+mn-cs"/>
+              </a:defRPr>
+            </a:lvl4pPr>
+            <a:lvl5pPr marL="1828800" indent="0" algn="ctr" defTabSz="914400" rtl="0" eaLnBrk="1" latinLnBrk="0" hangingPunct="1">
+              <a:lnSpc>
+                <a:spcPct val="90000"/>
+              </a:lnSpc>
+              <a:spcBef>
+                <a:spcPts val="500"/>
+              </a:spcBef>
+              <a:buFont typeface="Arial" panose="020B0604020202020204" pitchFamily="34" charset="0"/>
+              <a:buNone/>
+              <a:defRPr sz="1600" kern="1200">
+                <a:solidFill>
+                  <a:schemeClr val="tx1"/>
+                </a:solidFill>
+                <a:latin typeface="+mn-lt"/>
+                <a:ea typeface="+mn-ea"/>
+                <a:cs typeface="+mn-cs"/>
+              </a:defRPr>
+            </a:lvl5pPr>
+            <a:lvl6pPr marL="2286000" indent="0" algn="ctr" defTabSz="914400" rtl="0" eaLnBrk="1" latinLnBrk="0" hangingPunct="1">
+              <a:lnSpc>
+                <a:spcPct val="90000"/>
+              </a:lnSpc>
+              <a:spcBef>
+                <a:spcPts val="500"/>
+              </a:spcBef>
+              <a:buFont typeface="Arial" panose="020B0604020202020204" pitchFamily="34" charset="0"/>
+              <a:buNone/>
+              <a:defRPr sz="1600" kern="1200">
+                <a:solidFill>
+                  <a:schemeClr val="tx1"/>
+                </a:solidFill>
+                <a:latin typeface="+mn-lt"/>
+                <a:ea typeface="+mn-ea"/>
+                <a:cs typeface="+mn-cs"/>
+              </a:defRPr>
+            </a:lvl6pPr>
+            <a:lvl7pPr marL="2743200" indent="0" algn="ctr" defTabSz="914400" rtl="0" eaLnBrk="1" latinLnBrk="0" hangingPunct="1">
+              <a:lnSpc>
+                <a:spcPct val="90000"/>
+              </a:lnSpc>
+              <a:spcBef>
+                <a:spcPts val="500"/>
+              </a:spcBef>
+              <a:buFont typeface="Arial" panose="020B0604020202020204" pitchFamily="34" charset="0"/>
+              <a:buNone/>
+              <a:defRPr sz="1600" kern="1200">
+                <a:solidFill>
+                  <a:schemeClr val="tx1"/>
+                </a:solidFill>
+                <a:latin typeface="+mn-lt"/>
+                <a:ea typeface="+mn-ea"/>
+                <a:cs typeface="+mn-cs"/>
+              </a:defRPr>
+            </a:lvl7pPr>
+            <a:lvl8pPr marL="3200400" indent="0" algn="ctr" defTabSz="914400" rtl="0" eaLnBrk="1" latinLnBrk="0" hangingPunct="1">
+              <a:lnSpc>
+                <a:spcPct val="90000"/>
+              </a:lnSpc>
+              <a:spcBef>
+                <a:spcPts val="500"/>
+              </a:spcBef>
+              <a:buFont typeface="Arial" panose="020B0604020202020204" pitchFamily="34" charset="0"/>
+              <a:buNone/>
+              <a:defRPr sz="1600" kern="1200">
+                <a:solidFill>
+                  <a:schemeClr val="tx1"/>
+                </a:solidFill>
+                <a:latin typeface="+mn-lt"/>
+                <a:ea typeface="+mn-ea"/>
+                <a:cs typeface="+mn-cs"/>
+              </a:defRPr>
+            </a:lvl8pPr>
+            <a:lvl9pPr marL="3657600" indent="0" algn="ctr" defTabSz="914400" rtl="0" eaLnBrk="1" latinLnBrk="0" hangingPunct="1">
+              <a:lnSpc>
+                <a:spcPct val="90000"/>
+              </a:lnSpc>
+              <a:spcBef>
+                <a:spcPts val="500"/>
+              </a:spcBef>
+              <a:buFont typeface="Arial" panose="020B0604020202020204" pitchFamily="34" charset="0"/>
+              <a:buNone/>
+              <a:defRPr sz="1600" kern="1200">
+                <a:solidFill>
+                  <a:schemeClr val="tx1"/>
+                </a:solidFill>
+                <a:latin typeface="+mn-lt"/>
+                <a:ea typeface="+mn-ea"/>
+                <a:cs typeface="+mn-cs"/>
+              </a:defRPr>
+            </a:lvl9pPr>
+          </a:lstStyle>
+          <a:p>
+            <a:pPr marL="342900" indent="-342900">
+              <a:buFont typeface="Arial" panose="020B0604020202020204" pitchFamily="34" charset="0"/>
+              <a:buChar char="•"/>
+            </a:pPr>
+            <a:r>
+              <a:rPr lang="en-US" sz="2000" b="1" dirty="0"/>
+              <a:t>Repository</a:t>
+            </a:r>
+          </a:p>
+          <a:p>
+            <a:pPr marL="457200" indent="-457200" algn="just">
+              <a:buFont typeface="+mj-lt"/>
+              <a:buAutoNum type="arabicPeriod"/>
+            </a:pPr>
+            <a:r>
+              <a:rPr lang="en-US" sz="2000" i="1" dirty="0"/>
+              <a:t>Pattern </a:t>
+            </a:r>
+            <a:r>
+              <a:rPr lang="en-US" sz="2000" dirty="0" err="1"/>
+              <a:t>untuk</a:t>
+            </a:r>
+            <a:r>
+              <a:rPr lang="en-US" sz="2000" dirty="0"/>
+              <a:t> </a:t>
+            </a:r>
+            <a:r>
+              <a:rPr lang="en-US" sz="2000" dirty="0" err="1"/>
+              <a:t>mengatur</a:t>
+            </a:r>
+            <a:r>
+              <a:rPr lang="en-US" sz="2000" dirty="0"/>
+              <a:t> </a:t>
+            </a:r>
+            <a:r>
+              <a:rPr lang="en-US" sz="2000" dirty="0" err="1"/>
+              <a:t>sumber</a:t>
+            </a:r>
+            <a:r>
+              <a:rPr lang="en-US" sz="2000" dirty="0"/>
+              <a:t> data, </a:t>
+            </a:r>
+            <a:r>
+              <a:rPr lang="en-US" sz="2000" dirty="0" err="1"/>
+              <a:t>misalnya</a:t>
+            </a:r>
+            <a:r>
+              <a:rPr lang="en-US" sz="2000" dirty="0"/>
+              <a:t>, </a:t>
+            </a:r>
+            <a:r>
+              <a:rPr lang="en-US" sz="2000" dirty="0" err="1"/>
+              <a:t>aplikasi</a:t>
+            </a:r>
+            <a:r>
+              <a:rPr lang="en-US" sz="2000" dirty="0"/>
+              <a:t> </a:t>
+            </a:r>
+            <a:r>
+              <a:rPr lang="en-US" sz="2000" dirty="0" err="1"/>
+              <a:t>dapat</a:t>
+            </a:r>
+            <a:r>
+              <a:rPr lang="en-US" sz="2000" dirty="0"/>
+              <a:t> </a:t>
+            </a:r>
+            <a:r>
+              <a:rPr lang="en-US" sz="2000" dirty="0" err="1"/>
+              <a:t>mengambil</a:t>
+            </a:r>
+            <a:r>
+              <a:rPr lang="en-US" sz="2000" dirty="0"/>
+              <a:t> data </a:t>
+            </a:r>
+            <a:r>
+              <a:rPr lang="en-US" sz="2000" dirty="0" err="1"/>
+              <a:t>dari</a:t>
+            </a:r>
+            <a:r>
+              <a:rPr lang="en-US" sz="2000" dirty="0"/>
+              <a:t> server </a:t>
+            </a:r>
+            <a:r>
+              <a:rPr lang="en-US" sz="2000" dirty="0" err="1"/>
+              <a:t>ketika</a:t>
+            </a:r>
+            <a:r>
+              <a:rPr lang="en-US" sz="2000" dirty="0"/>
+              <a:t> </a:t>
+            </a:r>
+            <a:r>
+              <a:rPr lang="en-US" sz="2000" i="1" dirty="0"/>
+              <a:t>online</a:t>
+            </a:r>
+            <a:r>
+              <a:rPr lang="en-US" sz="2000" dirty="0"/>
+              <a:t> dan </a:t>
+            </a:r>
+            <a:r>
+              <a:rPr lang="en-US" sz="2000" dirty="0" err="1"/>
+              <a:t>akan</a:t>
+            </a:r>
+            <a:r>
+              <a:rPr lang="en-US" sz="2000" dirty="0"/>
+              <a:t> </a:t>
+            </a:r>
+            <a:r>
+              <a:rPr lang="en-US" sz="2000" dirty="0" err="1"/>
+              <a:t>menggunakan</a:t>
+            </a:r>
+            <a:r>
+              <a:rPr lang="en-US" sz="2000" dirty="0"/>
+              <a:t> local database </a:t>
+            </a:r>
+            <a:r>
+              <a:rPr lang="en-US" sz="2000" dirty="0" err="1"/>
+              <a:t>untuk</a:t>
+            </a:r>
+            <a:r>
+              <a:rPr lang="en-US" sz="2000" dirty="0"/>
+              <a:t> </a:t>
+            </a:r>
+            <a:r>
+              <a:rPr lang="en-US" sz="2000" dirty="0" err="1"/>
+              <a:t>menjaga</a:t>
+            </a:r>
+            <a:r>
+              <a:rPr lang="en-US" sz="2000" dirty="0"/>
+              <a:t> data </a:t>
+            </a:r>
+            <a:r>
+              <a:rPr lang="en-US" sz="2000" dirty="0" err="1"/>
+              <a:t>tetap</a:t>
+            </a:r>
+            <a:r>
+              <a:rPr lang="en-US" sz="2000" dirty="0"/>
+              <a:t> </a:t>
+            </a:r>
+            <a:r>
+              <a:rPr lang="en-US" sz="2000" dirty="0" err="1"/>
+              <a:t>ada</a:t>
+            </a:r>
+            <a:r>
+              <a:rPr lang="en-US" sz="2000" dirty="0"/>
+              <a:t>.</a:t>
+            </a:r>
+            <a:endParaRPr lang="en-ID" sz="2000" i="1" dirty="0"/>
+          </a:p>
+        </p:txBody>
+      </p:sp>
+      <p:sp>
+        <p:nvSpPr>
+          <p:cNvPr id="15" name="Subtitle 2">
+            <a:extLst>
+              <a:ext uri="{FF2B5EF4-FFF2-40B4-BE49-F238E27FC236}">
+                <a16:creationId xmlns:a16="http://schemas.microsoft.com/office/drawing/2014/main" id="{36099A75-0F1B-E155-9BDD-AD867F09B22E}"/>
+              </a:ext>
+            </a:extLst>
+          </p:cNvPr>
+          <p:cNvSpPr txBox="1">
+            <a:spLocks/>
+          </p:cNvSpPr>
+          <p:nvPr/>
+        </p:nvSpPr>
+        <p:spPr>
+          <a:xfrm>
+            <a:off x="4712477" y="2067506"/>
+            <a:ext cx="2762908" cy="601833"/>
+          </a:xfrm>
+          <a:prstGeom prst="rect">
+            <a:avLst/>
+          </a:prstGeom>
+        </p:spPr>
+        <p:txBody>
+          <a:bodyPr vert="horz" lIns="91440" tIns="45720" rIns="91440" bIns="45720" rtlCol="0">
+            <a:noAutofit/>
+          </a:bodyPr>
+          <a:lstStyle>
+            <a:lvl1pPr marL="0" indent="0" algn="ctr" defTabSz="914400" rtl="0" eaLnBrk="1" latinLnBrk="0" hangingPunct="1">
+              <a:lnSpc>
+                <a:spcPct val="90000"/>
+              </a:lnSpc>
+              <a:spcBef>
+                <a:spcPts val="1000"/>
+              </a:spcBef>
+              <a:buFont typeface="Arial" panose="020B0604020202020204" pitchFamily="34" charset="0"/>
+              <a:buNone/>
+              <a:defRPr sz="2400" kern="1200">
+                <a:solidFill>
+                  <a:schemeClr val="tx1"/>
+                </a:solidFill>
+                <a:latin typeface="+mn-lt"/>
+                <a:ea typeface="+mn-ea"/>
+                <a:cs typeface="+mn-cs"/>
+              </a:defRPr>
+            </a:lvl1pPr>
+            <a:lvl2pPr marL="457200" indent="0" algn="ctr" defTabSz="914400" rtl="0" eaLnBrk="1" latinLnBrk="0" hangingPunct="1">
+              <a:lnSpc>
+                <a:spcPct val="90000"/>
+              </a:lnSpc>
+              <a:spcBef>
+                <a:spcPts val="500"/>
+              </a:spcBef>
+              <a:buFont typeface="Arial" panose="020B0604020202020204" pitchFamily="34" charset="0"/>
+              <a:buNone/>
+              <a:defRPr sz="2000" kern="1200">
+                <a:solidFill>
+                  <a:schemeClr val="tx1"/>
+                </a:solidFill>
+                <a:latin typeface="+mn-lt"/>
+                <a:ea typeface="+mn-ea"/>
+                <a:cs typeface="+mn-cs"/>
+              </a:defRPr>
+            </a:lvl2pPr>
+            <a:lvl3pPr marL="914400" indent="0" algn="ctr" defTabSz="914400" rtl="0" eaLnBrk="1" latinLnBrk="0" hangingPunct="1">
+              <a:lnSpc>
+                <a:spcPct val="90000"/>
+              </a:lnSpc>
+              <a:spcBef>
+                <a:spcPts val="500"/>
+              </a:spcBef>
+              <a:buFont typeface="Arial" panose="020B0604020202020204" pitchFamily="34" charset="0"/>
+              <a:buNone/>
+              <a:defRPr sz="1800" kern="1200">
+                <a:solidFill>
+                  <a:schemeClr val="tx1"/>
+                </a:solidFill>
+                <a:latin typeface="+mn-lt"/>
+                <a:ea typeface="+mn-ea"/>
+                <a:cs typeface="+mn-cs"/>
+              </a:defRPr>
+            </a:lvl3pPr>
+            <a:lvl4pPr marL="1371600" indent="0" algn="ctr" defTabSz="914400" rtl="0" eaLnBrk="1" latinLnBrk="0" hangingPunct="1">
+              <a:lnSpc>
+                <a:spcPct val="90000"/>
+              </a:lnSpc>
+              <a:spcBef>
+                <a:spcPts val="500"/>
+              </a:spcBef>
+              <a:buFont typeface="Arial" panose="020B0604020202020204" pitchFamily="34" charset="0"/>
+              <a:buNone/>
+              <a:defRPr sz="1600" kern="1200">
+                <a:solidFill>
+                  <a:schemeClr val="tx1"/>
+                </a:solidFill>
+                <a:latin typeface="+mn-lt"/>
+                <a:ea typeface="+mn-ea"/>
+                <a:cs typeface="+mn-cs"/>
+              </a:defRPr>
+            </a:lvl4pPr>
+            <a:lvl5pPr marL="1828800" indent="0" algn="ctr" defTabSz="914400" rtl="0" eaLnBrk="1" latinLnBrk="0" hangingPunct="1">
+              <a:lnSpc>
+                <a:spcPct val="90000"/>
+              </a:lnSpc>
+              <a:spcBef>
+                <a:spcPts val="500"/>
+              </a:spcBef>
+              <a:buFont typeface="Arial" panose="020B0604020202020204" pitchFamily="34" charset="0"/>
+              <a:buNone/>
+              <a:defRPr sz="1600" kern="1200">
+                <a:solidFill>
+                  <a:schemeClr val="tx1"/>
+                </a:solidFill>
+                <a:latin typeface="+mn-lt"/>
+                <a:ea typeface="+mn-ea"/>
+                <a:cs typeface="+mn-cs"/>
+              </a:defRPr>
+            </a:lvl5pPr>
+            <a:lvl6pPr marL="2286000" indent="0" algn="ctr" defTabSz="914400" rtl="0" eaLnBrk="1" latinLnBrk="0" hangingPunct="1">
+              <a:lnSpc>
+                <a:spcPct val="90000"/>
+              </a:lnSpc>
+              <a:spcBef>
+                <a:spcPts val="500"/>
+              </a:spcBef>
+              <a:buFont typeface="Arial" panose="020B0604020202020204" pitchFamily="34" charset="0"/>
+              <a:buNone/>
+              <a:defRPr sz="1600" kern="1200">
+                <a:solidFill>
+                  <a:schemeClr val="tx1"/>
+                </a:solidFill>
+                <a:latin typeface="+mn-lt"/>
+                <a:ea typeface="+mn-ea"/>
+                <a:cs typeface="+mn-cs"/>
+              </a:defRPr>
+            </a:lvl6pPr>
+            <a:lvl7pPr marL="2743200" indent="0" algn="ctr" defTabSz="914400" rtl="0" eaLnBrk="1" latinLnBrk="0" hangingPunct="1">
+              <a:lnSpc>
+                <a:spcPct val="90000"/>
+              </a:lnSpc>
+              <a:spcBef>
+                <a:spcPts val="500"/>
+              </a:spcBef>
+              <a:buFont typeface="Arial" panose="020B0604020202020204" pitchFamily="34" charset="0"/>
+              <a:buNone/>
+              <a:defRPr sz="1600" kern="1200">
+                <a:solidFill>
+                  <a:schemeClr val="tx1"/>
+                </a:solidFill>
+                <a:latin typeface="+mn-lt"/>
+                <a:ea typeface="+mn-ea"/>
+                <a:cs typeface="+mn-cs"/>
+              </a:defRPr>
+            </a:lvl7pPr>
+            <a:lvl8pPr marL="3200400" indent="0" algn="ctr" defTabSz="914400" rtl="0" eaLnBrk="1" latinLnBrk="0" hangingPunct="1">
+              <a:lnSpc>
+                <a:spcPct val="90000"/>
+              </a:lnSpc>
+              <a:spcBef>
+                <a:spcPts val="500"/>
+              </a:spcBef>
+              <a:buFont typeface="Arial" panose="020B0604020202020204" pitchFamily="34" charset="0"/>
+              <a:buNone/>
+              <a:defRPr sz="1600" kern="1200">
+                <a:solidFill>
+                  <a:schemeClr val="tx1"/>
+                </a:solidFill>
+                <a:latin typeface="+mn-lt"/>
+                <a:ea typeface="+mn-ea"/>
+                <a:cs typeface="+mn-cs"/>
+              </a:defRPr>
+            </a:lvl8pPr>
+            <a:lvl9pPr marL="3657600" indent="0" algn="ctr" defTabSz="914400" rtl="0" eaLnBrk="1" latinLnBrk="0" hangingPunct="1">
+              <a:lnSpc>
+                <a:spcPct val="90000"/>
+              </a:lnSpc>
+              <a:spcBef>
+                <a:spcPts val="500"/>
+              </a:spcBef>
+              <a:buFont typeface="Arial" panose="020B0604020202020204" pitchFamily="34" charset="0"/>
+              <a:buNone/>
+              <a:defRPr sz="1600" kern="1200">
+                <a:solidFill>
+                  <a:schemeClr val="tx1"/>
+                </a:solidFill>
+                <a:latin typeface="+mn-lt"/>
+                <a:ea typeface="+mn-ea"/>
+                <a:cs typeface="+mn-cs"/>
+              </a:defRPr>
+            </a:lvl9pPr>
+          </a:lstStyle>
+          <a:p>
+            <a:pPr marL="342900" indent="-342900">
+              <a:buFont typeface="Arial" panose="020B0604020202020204" pitchFamily="34" charset="0"/>
+              <a:buChar char="•"/>
+            </a:pPr>
+            <a:r>
+              <a:rPr lang="en-US" sz="2000" b="1" dirty="0"/>
+              <a:t>Dependency injection </a:t>
+            </a:r>
+          </a:p>
+          <a:p>
+            <a:pPr marL="457200" indent="-457200" algn="just">
+              <a:buFont typeface="+mj-lt"/>
+              <a:buAutoNum type="arabicPeriod"/>
+            </a:pPr>
+            <a:r>
+              <a:rPr lang="en-US" sz="2000" dirty="0"/>
+              <a:t>Teknik yang </a:t>
+            </a:r>
+            <a:r>
+              <a:rPr lang="en-US" sz="2000" dirty="0" err="1"/>
+              <a:t>digunakan</a:t>
+            </a:r>
+            <a:r>
+              <a:rPr lang="en-US" sz="2000" dirty="0"/>
+              <a:t> </a:t>
+            </a:r>
+            <a:r>
+              <a:rPr lang="en-US" sz="2000" dirty="0" err="1"/>
+              <a:t>untuk</a:t>
+            </a:r>
+            <a:r>
+              <a:rPr lang="en-US" sz="2000" dirty="0"/>
+              <a:t> </a:t>
+            </a:r>
+            <a:r>
+              <a:rPr lang="en-US" sz="2000" dirty="0" err="1"/>
+              <a:t>memasok</a:t>
+            </a:r>
+            <a:r>
+              <a:rPr lang="en-US" sz="2000" dirty="0"/>
+              <a:t> dependency </a:t>
+            </a:r>
+            <a:r>
+              <a:rPr lang="en-US" sz="2000" dirty="0" err="1"/>
+              <a:t>berupa</a:t>
+            </a:r>
+            <a:r>
+              <a:rPr lang="en-US" sz="2000" dirty="0"/>
+              <a:t> service yang </a:t>
+            </a:r>
+            <a:r>
+              <a:rPr lang="en-US" sz="2000" dirty="0" err="1"/>
+              <a:t>akan</a:t>
+            </a:r>
+            <a:r>
+              <a:rPr lang="en-US" sz="2000" dirty="0"/>
+              <a:t> </a:t>
+            </a:r>
+            <a:r>
+              <a:rPr lang="en-US" sz="2000" dirty="0" err="1"/>
+              <a:t>digunakan</a:t>
+            </a:r>
+            <a:r>
+              <a:rPr lang="en-US" sz="2000" dirty="0"/>
+              <a:t> </a:t>
+            </a:r>
+            <a:r>
+              <a:rPr lang="en-US" sz="2000" dirty="0" err="1"/>
+              <a:t>objek</a:t>
+            </a:r>
+            <a:r>
+              <a:rPr lang="en-US" sz="2000" dirty="0"/>
+              <a:t>/class lain</a:t>
+            </a:r>
+          </a:p>
+          <a:p>
+            <a:pPr marL="457200" indent="-457200" algn="just">
+              <a:buFont typeface="+mj-lt"/>
+              <a:buAutoNum type="arabicPeriod"/>
+            </a:pPr>
+            <a:r>
+              <a:rPr lang="en-US" sz="2000" dirty="0" err="1"/>
+              <a:t>Membuat</a:t>
+            </a:r>
+            <a:r>
+              <a:rPr lang="en-US" sz="2000" dirty="0"/>
+              <a:t> </a:t>
+            </a:r>
+            <a:r>
+              <a:rPr lang="en-US" sz="2000" dirty="0" err="1"/>
+              <a:t>servide</a:t>
+            </a:r>
+            <a:r>
+              <a:rPr lang="en-US" sz="2000" dirty="0"/>
+              <a:t> </a:t>
+            </a:r>
+            <a:r>
+              <a:rPr lang="en-US" sz="2000" dirty="0" err="1"/>
+              <a:t>untuk</a:t>
+            </a:r>
+            <a:r>
+              <a:rPr lang="en-US" sz="2000" dirty="0"/>
+              <a:t> </a:t>
+            </a:r>
+            <a:r>
+              <a:rPr lang="en-US" sz="2000" dirty="0" err="1"/>
+              <a:t>klien</a:t>
+            </a:r>
+            <a:endParaRPr lang="en-ID" sz="2000" dirty="0"/>
+          </a:p>
+        </p:txBody>
+      </p:sp>
+      <p:sp>
+        <p:nvSpPr>
+          <p:cNvPr id="17" name="Rectangle 16">
+            <a:extLst>
+              <a:ext uri="{FF2B5EF4-FFF2-40B4-BE49-F238E27FC236}">
+                <a16:creationId xmlns:a16="http://schemas.microsoft.com/office/drawing/2014/main" id="{EFCBEF7A-3AA8-8F64-C7F5-0A6DC35EA22A}"/>
+              </a:ext>
+            </a:extLst>
+          </p:cNvPr>
+          <p:cNvSpPr/>
+          <p:nvPr/>
+        </p:nvSpPr>
+        <p:spPr>
+          <a:xfrm>
+            <a:off x="4341845" y="1649341"/>
+            <a:ext cx="45719" cy="3559318"/>
+          </a:xfrm>
+          <a:prstGeom prst="rect">
+            <a:avLst/>
+          </a:prstGeom>
+        </p:spPr>
+        <p:style>
+          <a:lnRef idx="2">
+            <a:schemeClr val="dk1">
+              <a:shade val="50000"/>
+            </a:schemeClr>
+          </a:lnRef>
+          <a:fillRef idx="1">
+            <a:schemeClr val="dk1"/>
+          </a:fillRef>
+          <a:effectRef idx="0">
+            <a:schemeClr val="dk1"/>
+          </a:effectRef>
+          <a:fontRef idx="minor">
+            <a:schemeClr val="lt1"/>
+          </a:fontRef>
+        </p:style>
+        <p:txBody>
+          <a:bodyPr rtlCol="0" anchor="ctr"/>
+          <a:lstStyle/>
+          <a:p>
+            <a:pPr algn="ctr"/>
+            <a:endParaRPr lang="en-ID"/>
+          </a:p>
+        </p:txBody>
+      </p:sp>
+      <p:sp>
+        <p:nvSpPr>
+          <p:cNvPr id="2" name="Rectangle 1">
+            <a:extLst>
+              <a:ext uri="{FF2B5EF4-FFF2-40B4-BE49-F238E27FC236}">
+                <a16:creationId xmlns:a16="http://schemas.microsoft.com/office/drawing/2014/main" id="{5A4E31B6-8CBB-9B51-5889-49B12C172EDC}"/>
+              </a:ext>
+            </a:extLst>
+          </p:cNvPr>
+          <p:cNvSpPr/>
+          <p:nvPr/>
+        </p:nvSpPr>
+        <p:spPr>
+          <a:xfrm>
+            <a:off x="7814915" y="1649341"/>
+            <a:ext cx="45719" cy="3559318"/>
+          </a:xfrm>
+          <a:prstGeom prst="rect">
+            <a:avLst/>
+          </a:prstGeom>
+        </p:spPr>
+        <p:style>
+          <a:lnRef idx="2">
+            <a:schemeClr val="dk1">
+              <a:shade val="50000"/>
+            </a:schemeClr>
+          </a:lnRef>
+          <a:fillRef idx="1">
+            <a:schemeClr val="dk1"/>
+          </a:fillRef>
+          <a:effectRef idx="0">
+            <a:schemeClr val="dk1"/>
+          </a:effectRef>
+          <a:fontRef idx="minor">
+            <a:schemeClr val="lt1"/>
+          </a:fontRef>
+        </p:style>
+        <p:txBody>
+          <a:bodyPr rtlCol="0" anchor="ctr"/>
+          <a:lstStyle/>
+          <a:p>
+            <a:pPr algn="ctr"/>
+            <a:endParaRPr lang="en-ID"/>
+          </a:p>
+        </p:txBody>
+      </p:sp>
+      <p:sp>
+        <p:nvSpPr>
+          <p:cNvPr id="4" name="Subtitle 2">
+            <a:extLst>
+              <a:ext uri="{FF2B5EF4-FFF2-40B4-BE49-F238E27FC236}">
+                <a16:creationId xmlns:a16="http://schemas.microsoft.com/office/drawing/2014/main" id="{19C9BAAF-8784-23F4-6DF4-A242B9577339}"/>
+              </a:ext>
+            </a:extLst>
+          </p:cNvPr>
+          <p:cNvSpPr txBox="1">
+            <a:spLocks/>
+          </p:cNvSpPr>
+          <p:nvPr/>
+        </p:nvSpPr>
+        <p:spPr>
+          <a:xfrm>
+            <a:off x="8027955" y="2055454"/>
+            <a:ext cx="2762908" cy="601833"/>
+          </a:xfrm>
+          <a:prstGeom prst="rect">
+            <a:avLst/>
+          </a:prstGeom>
+        </p:spPr>
+        <p:txBody>
+          <a:bodyPr vert="horz" lIns="91440" tIns="45720" rIns="91440" bIns="45720" rtlCol="0">
+            <a:noAutofit/>
+          </a:bodyPr>
+          <a:lstStyle>
+            <a:lvl1pPr marL="0" indent="0" algn="ctr" defTabSz="914400" rtl="0" eaLnBrk="1" latinLnBrk="0" hangingPunct="1">
+              <a:lnSpc>
+                <a:spcPct val="90000"/>
+              </a:lnSpc>
+              <a:spcBef>
+                <a:spcPts val="1000"/>
+              </a:spcBef>
+              <a:buFont typeface="Arial" panose="020B0604020202020204" pitchFamily="34" charset="0"/>
+              <a:buNone/>
+              <a:defRPr sz="2400" kern="1200">
+                <a:solidFill>
+                  <a:schemeClr val="tx1"/>
+                </a:solidFill>
+                <a:latin typeface="+mn-lt"/>
+                <a:ea typeface="+mn-ea"/>
+                <a:cs typeface="+mn-cs"/>
+              </a:defRPr>
+            </a:lvl1pPr>
+            <a:lvl2pPr marL="457200" indent="0" algn="ctr" defTabSz="914400" rtl="0" eaLnBrk="1" latinLnBrk="0" hangingPunct="1">
+              <a:lnSpc>
+                <a:spcPct val="90000"/>
+              </a:lnSpc>
+              <a:spcBef>
+                <a:spcPts val="500"/>
+              </a:spcBef>
+              <a:buFont typeface="Arial" panose="020B0604020202020204" pitchFamily="34" charset="0"/>
+              <a:buNone/>
+              <a:defRPr sz="2000" kern="1200">
+                <a:solidFill>
+                  <a:schemeClr val="tx1"/>
+                </a:solidFill>
+                <a:latin typeface="+mn-lt"/>
+                <a:ea typeface="+mn-ea"/>
+                <a:cs typeface="+mn-cs"/>
+              </a:defRPr>
+            </a:lvl2pPr>
+            <a:lvl3pPr marL="914400" indent="0" algn="ctr" defTabSz="914400" rtl="0" eaLnBrk="1" latinLnBrk="0" hangingPunct="1">
+              <a:lnSpc>
+                <a:spcPct val="90000"/>
+              </a:lnSpc>
+              <a:spcBef>
+                <a:spcPts val="500"/>
+              </a:spcBef>
+              <a:buFont typeface="Arial" panose="020B0604020202020204" pitchFamily="34" charset="0"/>
+              <a:buNone/>
+              <a:defRPr sz="1800" kern="1200">
+                <a:solidFill>
+                  <a:schemeClr val="tx1"/>
+                </a:solidFill>
+                <a:latin typeface="+mn-lt"/>
+                <a:ea typeface="+mn-ea"/>
+                <a:cs typeface="+mn-cs"/>
+              </a:defRPr>
+            </a:lvl3pPr>
+            <a:lvl4pPr marL="1371600" indent="0" algn="ctr" defTabSz="914400" rtl="0" eaLnBrk="1" latinLnBrk="0" hangingPunct="1">
+              <a:lnSpc>
+                <a:spcPct val="90000"/>
+              </a:lnSpc>
+              <a:spcBef>
+                <a:spcPts val="500"/>
+              </a:spcBef>
+              <a:buFont typeface="Arial" panose="020B0604020202020204" pitchFamily="34" charset="0"/>
+              <a:buNone/>
+              <a:defRPr sz="1600" kern="1200">
+                <a:solidFill>
+                  <a:schemeClr val="tx1"/>
+                </a:solidFill>
+                <a:latin typeface="+mn-lt"/>
+                <a:ea typeface="+mn-ea"/>
+                <a:cs typeface="+mn-cs"/>
+              </a:defRPr>
+            </a:lvl4pPr>
+            <a:lvl5pPr marL="1828800" indent="0" algn="ctr" defTabSz="914400" rtl="0" eaLnBrk="1" latinLnBrk="0" hangingPunct="1">
+              <a:lnSpc>
+                <a:spcPct val="90000"/>
+              </a:lnSpc>
+              <a:spcBef>
+                <a:spcPts val="500"/>
+              </a:spcBef>
+              <a:buFont typeface="Arial" panose="020B0604020202020204" pitchFamily="34" charset="0"/>
+              <a:buNone/>
+              <a:defRPr sz="1600" kern="1200">
+                <a:solidFill>
+                  <a:schemeClr val="tx1"/>
+                </a:solidFill>
+                <a:latin typeface="+mn-lt"/>
+                <a:ea typeface="+mn-ea"/>
+                <a:cs typeface="+mn-cs"/>
+              </a:defRPr>
+            </a:lvl5pPr>
+            <a:lvl6pPr marL="2286000" indent="0" algn="ctr" defTabSz="914400" rtl="0" eaLnBrk="1" latinLnBrk="0" hangingPunct="1">
+              <a:lnSpc>
+                <a:spcPct val="90000"/>
+              </a:lnSpc>
+              <a:spcBef>
+                <a:spcPts val="500"/>
+              </a:spcBef>
+              <a:buFont typeface="Arial" panose="020B0604020202020204" pitchFamily="34" charset="0"/>
+              <a:buNone/>
+              <a:defRPr sz="1600" kern="1200">
+                <a:solidFill>
+                  <a:schemeClr val="tx1"/>
+                </a:solidFill>
+                <a:latin typeface="+mn-lt"/>
+                <a:ea typeface="+mn-ea"/>
+                <a:cs typeface="+mn-cs"/>
+              </a:defRPr>
+            </a:lvl6pPr>
+            <a:lvl7pPr marL="2743200" indent="0" algn="ctr" defTabSz="914400" rtl="0" eaLnBrk="1" latinLnBrk="0" hangingPunct="1">
+              <a:lnSpc>
+                <a:spcPct val="90000"/>
+              </a:lnSpc>
+              <a:spcBef>
+                <a:spcPts val="500"/>
+              </a:spcBef>
+              <a:buFont typeface="Arial" panose="020B0604020202020204" pitchFamily="34" charset="0"/>
+              <a:buNone/>
+              <a:defRPr sz="1600" kern="1200">
+                <a:solidFill>
+                  <a:schemeClr val="tx1"/>
+                </a:solidFill>
+                <a:latin typeface="+mn-lt"/>
+                <a:ea typeface="+mn-ea"/>
+                <a:cs typeface="+mn-cs"/>
+              </a:defRPr>
+            </a:lvl7pPr>
+            <a:lvl8pPr marL="3200400" indent="0" algn="ctr" defTabSz="914400" rtl="0" eaLnBrk="1" latinLnBrk="0" hangingPunct="1">
+              <a:lnSpc>
+                <a:spcPct val="90000"/>
+              </a:lnSpc>
+              <a:spcBef>
+                <a:spcPts val="500"/>
+              </a:spcBef>
+              <a:buFont typeface="Arial" panose="020B0604020202020204" pitchFamily="34" charset="0"/>
+              <a:buNone/>
+              <a:defRPr sz="1600" kern="1200">
+                <a:solidFill>
+                  <a:schemeClr val="tx1"/>
+                </a:solidFill>
+                <a:latin typeface="+mn-lt"/>
+                <a:ea typeface="+mn-ea"/>
+                <a:cs typeface="+mn-cs"/>
+              </a:defRPr>
+            </a:lvl8pPr>
+            <a:lvl9pPr marL="3657600" indent="0" algn="ctr" defTabSz="914400" rtl="0" eaLnBrk="1" latinLnBrk="0" hangingPunct="1">
+              <a:lnSpc>
+                <a:spcPct val="90000"/>
+              </a:lnSpc>
+              <a:spcBef>
+                <a:spcPts val="500"/>
+              </a:spcBef>
+              <a:buFont typeface="Arial" panose="020B0604020202020204" pitchFamily="34" charset="0"/>
+              <a:buNone/>
+              <a:defRPr sz="1600" kern="1200">
+                <a:solidFill>
+                  <a:schemeClr val="tx1"/>
+                </a:solidFill>
+                <a:latin typeface="+mn-lt"/>
+                <a:ea typeface="+mn-ea"/>
+                <a:cs typeface="+mn-cs"/>
+              </a:defRPr>
+            </a:lvl9pPr>
+          </a:lstStyle>
+          <a:p>
+            <a:pPr marL="342900" indent="-342900">
+              <a:buFont typeface="Arial" panose="020B0604020202020204" pitchFamily="34" charset="0"/>
+              <a:buChar char="•"/>
+            </a:pPr>
+            <a:r>
+              <a:rPr lang="en-US" sz="2000" b="1" dirty="0"/>
+              <a:t>Live Data</a:t>
+            </a:r>
+          </a:p>
+          <a:p>
+            <a:pPr marL="457200" indent="-457200" algn="just">
+              <a:buFont typeface="+mj-lt"/>
+              <a:buAutoNum type="arabicPeriod"/>
+            </a:pPr>
+            <a:r>
+              <a:rPr lang="en-US" sz="2000" dirty="0" err="1"/>
+              <a:t>Sebuah</a:t>
+            </a:r>
+            <a:r>
+              <a:rPr lang="en-US" sz="2000" dirty="0"/>
+              <a:t> class </a:t>
+            </a:r>
+            <a:r>
+              <a:rPr lang="en-US" sz="2000" i="1" dirty="0"/>
+              <a:t>observable </a:t>
+            </a:r>
+            <a:r>
+              <a:rPr lang="en-US" sz="2000" dirty="0"/>
+              <a:t>yang </a:t>
+            </a:r>
+            <a:r>
+              <a:rPr lang="en-US" sz="2000" dirty="0" err="1"/>
+              <a:t>akan</a:t>
+            </a:r>
+            <a:r>
+              <a:rPr lang="en-US" sz="2000" dirty="0"/>
+              <a:t> </a:t>
+            </a:r>
+            <a:r>
+              <a:rPr lang="en-US" sz="2000" dirty="0" err="1"/>
+              <a:t>memberikan</a:t>
+            </a:r>
+            <a:r>
+              <a:rPr lang="en-US" sz="2000" dirty="0"/>
+              <a:t> </a:t>
+            </a:r>
+            <a:r>
+              <a:rPr lang="en-US" sz="2000" dirty="0" err="1"/>
+              <a:t>pemberitahuan</a:t>
+            </a:r>
+            <a:r>
+              <a:rPr lang="en-US" sz="2000" dirty="0"/>
+              <a:t> </a:t>
+            </a:r>
+            <a:r>
+              <a:rPr lang="en-US" sz="2000" dirty="0" err="1"/>
+              <a:t>jika</a:t>
+            </a:r>
+            <a:r>
+              <a:rPr lang="en-US" sz="2000" dirty="0"/>
+              <a:t> </a:t>
+            </a:r>
+            <a:r>
+              <a:rPr lang="en-US" sz="2000" dirty="0" err="1"/>
+              <a:t>terjadi</a:t>
+            </a:r>
+            <a:r>
+              <a:rPr lang="en-US" sz="2000" dirty="0"/>
+              <a:t> </a:t>
+            </a:r>
+            <a:r>
+              <a:rPr lang="en-US" sz="2000" dirty="0" err="1"/>
+              <a:t>perubahan</a:t>
+            </a:r>
+            <a:r>
+              <a:rPr lang="en-US" sz="2000" dirty="0"/>
+              <a:t> data.</a:t>
+            </a:r>
+            <a:endParaRPr lang="en-ID" sz="2000" dirty="0"/>
+          </a:p>
+        </p:txBody>
+      </p:sp>
+    </p:spTree>
+    <p:extLst>
+      <p:ext uri="{BB962C8B-B14F-4D97-AF65-F5344CB8AC3E}">
+        <p14:creationId xmlns:p14="http://schemas.microsoft.com/office/powerpoint/2010/main" val="3247202469"/>
       </p:ext>
     </p:extLst>
   </p:cSld>
